--- a/Bioinformatics Project Slides_Better.pptx
+++ b/Bioinformatics Project Slides_Better.pptx
@@ -10,19 +10,16 @@
     <p:sldId id="258" r:id="rId4"/>
     <p:sldId id="274" r:id="rId5"/>
     <p:sldId id="260" r:id="rId6"/>
-    <p:sldId id="261" r:id="rId7"/>
-    <p:sldId id="262" r:id="rId8"/>
-    <p:sldId id="263" r:id="rId9"/>
-    <p:sldId id="264" r:id="rId10"/>
+    <p:sldId id="262" r:id="rId7"/>
+    <p:sldId id="263" r:id="rId8"/>
+    <p:sldId id="275" r:id="rId9"/>
+    <p:sldId id="267" r:id="rId10"/>
     <p:sldId id="265" r:id="rId11"/>
     <p:sldId id="266" r:id="rId12"/>
-    <p:sldId id="267" r:id="rId13"/>
+    <p:sldId id="264" r:id="rId13"/>
     <p:sldId id="269" r:id="rId14"/>
-    <p:sldId id="270" r:id="rId15"/>
-    <p:sldId id="268" r:id="rId16"/>
-    <p:sldId id="271" r:id="rId17"/>
-    <p:sldId id="272" r:id="rId18"/>
-    <p:sldId id="273" r:id="rId19"/>
+    <p:sldId id="272" r:id="rId15"/>
+    <p:sldId id="273" r:id="rId16"/>
   </p:sldIdLst>
   <p:sldSz cx="12192000" cy="6858000"/>
   <p:notesSz cx="6858000" cy="9144000"/>
@@ -123,7 +120,7 @@
   </p:defaultTextStyle>
   <p:extLst>
     <p:ext uri="{EFAFB233-063F-42B5-8137-9DF3F51BA10A}">
-      <p15:sldGuideLst xmlns:p15="http://schemas.microsoft.com/office/powerpoint/2012/main">
+      <p15:sldGuideLst xmlns="" xmlns:p15="http://schemas.microsoft.com/office/powerpoint/2012/main">
         <p15:guide id="1" orient="horz" pos="2160">
           <p15:clr>
             <a:srgbClr val="A4A3A4"/>
@@ -170,11 +167,11 @@
           <p:nvPr/>
         </p:nvPicPr>
         <p:blipFill>
-          <a:blip r:embed="rId2">
+          <a:blip r:embed="rId2" cstate="print">
             <a:alphaModFix amt="30000"/>
             <a:extLst>
               <a:ext uri="{28A0092B-C50C-407E-A947-70E740481C1C}">
-                <a14:useLocalDpi xmlns:a14="http://schemas.microsoft.com/office/drawing/2010/main" val="0"/>
+                <a14:useLocalDpi xmlns="" xmlns:a14="http://schemas.microsoft.com/office/drawing/2010/main" val="0"/>
               </a:ext>
             </a:extLst>
           </a:blip>
@@ -4421,7 +4418,7 @@
             <a:fld id="{6E49F76C-6C2D-4824-9EDF-4D29F2CC6A02}" type="datetimeFigureOut">
               <a:rPr lang="en-US" smtClean="0"/>
               <a:pPr/>
-              <a:t>5/14/2017</a:t>
+              <a:t>5/15/2017</a:t>
             </a:fld>
             <a:endParaRPr lang="en-US"/>
           </a:p>
@@ -4483,7 +4480,7 @@
     </p:spTree>
     <p:extLst>
       <p:ext uri="{BB962C8B-B14F-4D97-AF65-F5344CB8AC3E}">
-        <p14:creationId xmlns:p14="http://schemas.microsoft.com/office/powerpoint/2010/main" val="2541265585"/>
+        <p14:creationId xmlns="" xmlns:p14="http://schemas.microsoft.com/office/powerpoint/2010/main" val="2541265585"/>
       </p:ext>
     </p:extLst>
   </p:cSld>
@@ -4690,7 +4687,7 @@
             <a:fld id="{6E49F76C-6C2D-4824-9EDF-4D29F2CC6A02}" type="datetimeFigureOut">
               <a:rPr lang="en-US" smtClean="0"/>
               <a:pPr/>
-              <a:t>5/14/2017</a:t>
+              <a:t>5/15/2017</a:t>
             </a:fld>
             <a:endParaRPr lang="en-US"/>
           </a:p>
@@ -4742,7 +4739,7 @@
     </p:spTree>
     <p:extLst>
       <p:ext uri="{BB962C8B-B14F-4D97-AF65-F5344CB8AC3E}">
-        <p14:creationId xmlns:p14="http://schemas.microsoft.com/office/powerpoint/2010/main" val="2544190621"/>
+        <p14:creationId xmlns="" xmlns:p14="http://schemas.microsoft.com/office/powerpoint/2010/main" val="2544190621"/>
       </p:ext>
     </p:extLst>
   </p:cSld>
@@ -4888,7 +4885,7 @@
             <a:fld id="{6E49F76C-6C2D-4824-9EDF-4D29F2CC6A02}" type="datetimeFigureOut">
               <a:rPr lang="en-US" smtClean="0"/>
               <a:pPr/>
-              <a:t>5/14/2017</a:t>
+              <a:t>5/15/2017</a:t>
             </a:fld>
             <a:endParaRPr lang="en-US"/>
           </a:p>
@@ -4940,7 +4937,7 @@
     </p:spTree>
     <p:extLst>
       <p:ext uri="{BB962C8B-B14F-4D97-AF65-F5344CB8AC3E}">
-        <p14:creationId xmlns:p14="http://schemas.microsoft.com/office/powerpoint/2010/main" val="2975966777"/>
+        <p14:creationId xmlns="" xmlns:p14="http://schemas.microsoft.com/office/powerpoint/2010/main" val="2975966777"/>
       </p:ext>
     </p:extLst>
   </p:cSld>
@@ -5153,7 +5150,7 @@
             <a:fld id="{6E49F76C-6C2D-4824-9EDF-4D29F2CC6A02}" type="datetimeFigureOut">
               <a:rPr lang="en-US" smtClean="0"/>
               <a:pPr/>
-              <a:t>5/14/2017</a:t>
+              <a:t>5/15/2017</a:t>
             </a:fld>
             <a:endParaRPr lang="en-US"/>
           </a:p>
@@ -5443,7 +5440,7 @@
     </p:spTree>
     <p:extLst>
       <p:ext uri="{BB962C8B-B14F-4D97-AF65-F5344CB8AC3E}">
-        <p14:creationId xmlns:p14="http://schemas.microsoft.com/office/powerpoint/2010/main" val="3354276855"/>
+        <p14:creationId xmlns="" xmlns:p14="http://schemas.microsoft.com/office/powerpoint/2010/main" val="3354276855"/>
       </p:ext>
     </p:extLst>
   </p:cSld>
@@ -5589,7 +5586,7 @@
             <a:fld id="{6E49F76C-6C2D-4824-9EDF-4D29F2CC6A02}" type="datetimeFigureOut">
               <a:rPr lang="en-US" smtClean="0"/>
               <a:pPr/>
-              <a:t>5/14/2017</a:t>
+              <a:t>5/15/2017</a:t>
             </a:fld>
             <a:endParaRPr lang="en-US"/>
           </a:p>
@@ -5641,7 +5638,7 @@
     </p:spTree>
     <p:extLst>
       <p:ext uri="{BB962C8B-B14F-4D97-AF65-F5344CB8AC3E}">
-        <p14:creationId xmlns:p14="http://schemas.microsoft.com/office/powerpoint/2010/main" val="4132265441"/>
+        <p14:creationId xmlns="" xmlns:p14="http://schemas.microsoft.com/office/powerpoint/2010/main" val="4132265441"/>
       </p:ext>
     </p:extLst>
   </p:cSld>
@@ -6137,7 +6134,7 @@
             <a:fld id="{6E49F76C-6C2D-4824-9EDF-4D29F2CC6A02}" type="datetimeFigureOut">
               <a:rPr lang="en-US" smtClean="0"/>
               <a:pPr/>
-              <a:t>5/14/2017</a:t>
+              <a:t>5/15/2017</a:t>
             </a:fld>
             <a:endParaRPr lang="en-US"/>
           </a:p>
@@ -6189,7 +6186,7 @@
     </p:spTree>
     <p:extLst>
       <p:ext uri="{BB962C8B-B14F-4D97-AF65-F5344CB8AC3E}">
-        <p14:creationId xmlns:p14="http://schemas.microsoft.com/office/powerpoint/2010/main" val="2315095644"/>
+        <p14:creationId xmlns="" xmlns:p14="http://schemas.microsoft.com/office/powerpoint/2010/main" val="2315095644"/>
       </p:ext>
     </p:extLst>
   </p:cSld>
@@ -6859,7 +6856,7 @@
             <a:fld id="{6E49F76C-6C2D-4824-9EDF-4D29F2CC6A02}" type="datetimeFigureOut">
               <a:rPr lang="en-US" smtClean="0"/>
               <a:pPr/>
-              <a:t>5/14/2017</a:t>
+              <a:t>5/15/2017</a:t>
             </a:fld>
             <a:endParaRPr lang="en-US"/>
           </a:p>
@@ -6911,7 +6908,7 @@
     </p:spTree>
     <p:extLst>
       <p:ext uri="{BB962C8B-B14F-4D97-AF65-F5344CB8AC3E}">
-        <p14:creationId xmlns:p14="http://schemas.microsoft.com/office/powerpoint/2010/main" val="1421624186"/>
+        <p14:creationId xmlns="" xmlns:p14="http://schemas.microsoft.com/office/powerpoint/2010/main" val="1421624186"/>
       </p:ext>
     </p:extLst>
   </p:cSld>
@@ -7031,7 +7028,7 @@
             <a:fld id="{6E49F76C-6C2D-4824-9EDF-4D29F2CC6A02}" type="datetimeFigureOut">
               <a:rPr lang="en-US" smtClean="0"/>
               <a:pPr/>
-              <a:t>5/14/2017</a:t>
+              <a:t>5/15/2017</a:t>
             </a:fld>
             <a:endParaRPr lang="en-US"/>
           </a:p>
@@ -7083,7 +7080,7 @@
     </p:spTree>
     <p:extLst>
       <p:ext uri="{BB962C8B-B14F-4D97-AF65-F5344CB8AC3E}">
-        <p14:creationId xmlns:p14="http://schemas.microsoft.com/office/powerpoint/2010/main" val="1661556024"/>
+        <p14:creationId xmlns="" xmlns:p14="http://schemas.microsoft.com/office/powerpoint/2010/main" val="1661556024"/>
       </p:ext>
     </p:extLst>
   </p:cSld>
@@ -7213,7 +7210,7 @@
             <a:fld id="{6E49F76C-6C2D-4824-9EDF-4D29F2CC6A02}" type="datetimeFigureOut">
               <a:rPr lang="en-US" smtClean="0"/>
               <a:pPr/>
-              <a:t>5/14/2017</a:t>
+              <a:t>5/15/2017</a:t>
             </a:fld>
             <a:endParaRPr lang="en-US"/>
           </a:p>
@@ -7265,7 +7262,7 @@
     </p:spTree>
     <p:extLst>
       <p:ext uri="{BB962C8B-B14F-4D97-AF65-F5344CB8AC3E}">
-        <p14:creationId xmlns:p14="http://schemas.microsoft.com/office/powerpoint/2010/main" val="3589033054"/>
+        <p14:creationId xmlns="" xmlns:p14="http://schemas.microsoft.com/office/powerpoint/2010/main" val="3589033054"/>
       </p:ext>
     </p:extLst>
   </p:cSld>
@@ -7385,7 +7382,7 @@
             <a:fld id="{6E49F76C-6C2D-4824-9EDF-4D29F2CC6A02}" type="datetimeFigureOut">
               <a:rPr lang="en-US" smtClean="0"/>
               <a:pPr/>
-              <a:t>5/14/2017</a:t>
+              <a:t>5/15/2017</a:t>
             </a:fld>
             <a:endParaRPr lang="en-US"/>
           </a:p>
@@ -7437,7 +7434,7 @@
     </p:spTree>
     <p:extLst>
       <p:ext uri="{BB962C8B-B14F-4D97-AF65-F5344CB8AC3E}">
-        <p14:creationId xmlns:p14="http://schemas.microsoft.com/office/powerpoint/2010/main" val="3915662432"/>
+        <p14:creationId xmlns="" xmlns:p14="http://schemas.microsoft.com/office/powerpoint/2010/main" val="3915662432"/>
       </p:ext>
     </p:extLst>
   </p:cSld>
@@ -7637,7 +7634,7 @@
             <a:fld id="{6E49F76C-6C2D-4824-9EDF-4D29F2CC6A02}" type="datetimeFigureOut">
               <a:rPr lang="en-US" smtClean="0"/>
               <a:pPr/>
-              <a:t>5/14/2017</a:t>
+              <a:t>5/15/2017</a:t>
             </a:fld>
             <a:endParaRPr lang="en-US"/>
           </a:p>
@@ -7689,7 +7686,7 @@
     </p:spTree>
     <p:extLst>
       <p:ext uri="{BB962C8B-B14F-4D97-AF65-F5344CB8AC3E}">
-        <p14:creationId xmlns:p14="http://schemas.microsoft.com/office/powerpoint/2010/main" val="995316123"/>
+        <p14:creationId xmlns="" xmlns:p14="http://schemas.microsoft.com/office/powerpoint/2010/main" val="995316123"/>
       </p:ext>
     </p:extLst>
   </p:cSld>
@@ -7871,7 +7868,7 @@
             <a:fld id="{6E49F76C-6C2D-4824-9EDF-4D29F2CC6A02}" type="datetimeFigureOut">
               <a:rPr lang="en-US" smtClean="0"/>
               <a:pPr/>
-              <a:t>5/14/2017</a:t>
+              <a:t>5/15/2017</a:t>
             </a:fld>
             <a:endParaRPr lang="en-US"/>
           </a:p>
@@ -7923,7 +7920,7 @@
     </p:spTree>
     <p:extLst>
       <p:ext uri="{BB962C8B-B14F-4D97-AF65-F5344CB8AC3E}">
-        <p14:creationId xmlns:p14="http://schemas.microsoft.com/office/powerpoint/2010/main" val="1100125273"/>
+        <p14:creationId xmlns="" xmlns:p14="http://schemas.microsoft.com/office/powerpoint/2010/main" val="1100125273"/>
       </p:ext>
     </p:extLst>
   </p:cSld>
@@ -8254,7 +8251,7 @@
             <a:fld id="{6E49F76C-6C2D-4824-9EDF-4D29F2CC6A02}" type="datetimeFigureOut">
               <a:rPr lang="en-US" smtClean="0"/>
               <a:pPr/>
-              <a:t>5/14/2017</a:t>
+              <a:t>5/15/2017</a:t>
             </a:fld>
             <a:endParaRPr lang="en-US"/>
           </a:p>
@@ -8306,7 +8303,7 @@
     </p:spTree>
     <p:extLst>
       <p:ext uri="{BB962C8B-B14F-4D97-AF65-F5344CB8AC3E}">
-        <p14:creationId xmlns:p14="http://schemas.microsoft.com/office/powerpoint/2010/main" val="1129672926"/>
+        <p14:creationId xmlns="" xmlns:p14="http://schemas.microsoft.com/office/powerpoint/2010/main" val="1129672926"/>
       </p:ext>
     </p:extLst>
   </p:cSld>
@@ -8374,7 +8371,7 @@
             <a:fld id="{6E49F76C-6C2D-4824-9EDF-4D29F2CC6A02}" type="datetimeFigureOut">
               <a:rPr lang="en-US" smtClean="0"/>
               <a:pPr/>
-              <a:t>5/14/2017</a:t>
+              <a:t>5/15/2017</a:t>
             </a:fld>
             <a:endParaRPr lang="en-US"/>
           </a:p>
@@ -8426,7 +8423,7 @@
     </p:spTree>
     <p:extLst>
       <p:ext uri="{BB962C8B-B14F-4D97-AF65-F5344CB8AC3E}">
-        <p14:creationId xmlns:p14="http://schemas.microsoft.com/office/powerpoint/2010/main" val="221260447"/>
+        <p14:creationId xmlns="" xmlns:p14="http://schemas.microsoft.com/office/powerpoint/2010/main" val="221260447"/>
       </p:ext>
     </p:extLst>
   </p:cSld>
@@ -8471,7 +8468,7 @@
             <a:fld id="{6E49F76C-6C2D-4824-9EDF-4D29F2CC6A02}" type="datetimeFigureOut">
               <a:rPr lang="en-US" smtClean="0"/>
               <a:pPr/>
-              <a:t>5/14/2017</a:t>
+              <a:t>5/15/2017</a:t>
             </a:fld>
             <a:endParaRPr lang="en-US"/>
           </a:p>
@@ -8523,7 +8520,7 @@
     </p:spTree>
     <p:extLst>
       <p:ext uri="{BB962C8B-B14F-4D97-AF65-F5344CB8AC3E}">
-        <p14:creationId xmlns:p14="http://schemas.microsoft.com/office/powerpoint/2010/main" val="4162811991"/>
+        <p14:creationId xmlns="" xmlns:p14="http://schemas.microsoft.com/office/powerpoint/2010/main" val="4162811991"/>
       </p:ext>
     </p:extLst>
   </p:cSld>
@@ -8722,7 +8719,7 @@
             <a:fld id="{6E49F76C-6C2D-4824-9EDF-4D29F2CC6A02}" type="datetimeFigureOut">
               <a:rPr lang="en-US" smtClean="0"/>
               <a:pPr/>
-              <a:t>5/14/2017</a:t>
+              <a:t>5/15/2017</a:t>
             </a:fld>
             <a:endParaRPr lang="en-US"/>
           </a:p>
@@ -8774,7 +8771,7 @@
     </p:spTree>
     <p:extLst>
       <p:ext uri="{BB962C8B-B14F-4D97-AF65-F5344CB8AC3E}">
-        <p14:creationId xmlns:p14="http://schemas.microsoft.com/office/powerpoint/2010/main" val="3744983550"/>
+        <p14:creationId xmlns="" xmlns:p14="http://schemas.microsoft.com/office/powerpoint/2010/main" val="3744983550"/>
       </p:ext>
     </p:extLst>
   </p:cSld>
@@ -9004,7 +9001,7 @@
             <a:fld id="{6E49F76C-6C2D-4824-9EDF-4D29F2CC6A02}" type="datetimeFigureOut">
               <a:rPr lang="en-US" smtClean="0"/>
               <a:pPr/>
-              <a:t>5/14/2017</a:t>
+              <a:t>5/15/2017</a:t>
             </a:fld>
             <a:endParaRPr lang="en-US"/>
           </a:p>
@@ -9056,7 +9053,7 @@
     </p:spTree>
     <p:extLst>
       <p:ext uri="{BB962C8B-B14F-4D97-AF65-F5344CB8AC3E}">
-        <p14:creationId xmlns:p14="http://schemas.microsoft.com/office/powerpoint/2010/main" val="386533847"/>
+        <p14:creationId xmlns="" xmlns:p14="http://schemas.microsoft.com/office/powerpoint/2010/main" val="386533847"/>
       </p:ext>
     </p:extLst>
   </p:cSld>
@@ -9097,11 +9094,11 @@
           <p:nvPr/>
         </p:nvPicPr>
         <p:blipFill>
-          <a:blip r:embed="rId19">
+          <a:blip r:embed="rId19" cstate="print">
             <a:alphaModFix amt="30000"/>
             <a:extLst>
               <a:ext uri="{28A0092B-C50C-407E-A947-70E740481C1C}">
-                <a14:useLocalDpi xmlns:a14="http://schemas.microsoft.com/office/drawing/2010/main" val="0"/>
+                <a14:useLocalDpi xmlns="" xmlns:a14="http://schemas.microsoft.com/office/drawing/2010/main" val="0"/>
               </a:ext>
             </a:extLst>
           </a:blip>
@@ -12083,7 +12080,7 @@
             <a:fld id="{6E49F76C-6C2D-4824-9EDF-4D29F2CC6A02}" type="datetimeFigureOut">
               <a:rPr lang="en-US" smtClean="0"/>
               <a:pPr/>
-              <a:t>5/14/2017</a:t>
+              <a:t>5/15/2017</a:t>
             </a:fld>
             <a:endParaRPr lang="en-US"/>
           </a:p>
@@ -12171,7 +12168,7 @@
     </p:spTree>
     <p:extLst>
       <p:ext uri="{BB962C8B-B14F-4D97-AF65-F5344CB8AC3E}">
-        <p14:creationId xmlns:p14="http://schemas.microsoft.com/office/powerpoint/2010/main" val="3966273046"/>
+        <p14:creationId xmlns="" xmlns:p14="http://schemas.microsoft.com/office/powerpoint/2010/main" val="3966273046"/>
       </p:ext>
     </p:extLst>
   </p:cSld>
@@ -12561,7 +12558,7 @@
     </p:spTree>
     <p:extLst>
       <p:ext uri="{BB962C8B-B14F-4D97-AF65-F5344CB8AC3E}">
-        <p14:creationId xmlns:p14="http://schemas.microsoft.com/office/powerpoint/2010/main" val="2710052690"/>
+        <p14:creationId xmlns="" xmlns:p14="http://schemas.microsoft.com/office/powerpoint/2010/main" val="2710052690"/>
       </p:ext>
     </p:extLst>
   </p:cSld>
@@ -12632,7 +12629,7 @@
     </p:spTree>
     <p:extLst>
       <p:ext uri="{BB962C8B-B14F-4D97-AF65-F5344CB8AC3E}">
-        <p14:creationId xmlns:p14="http://schemas.microsoft.com/office/powerpoint/2010/main" val="2019924356"/>
+        <p14:creationId xmlns="" xmlns:p14="http://schemas.microsoft.com/office/powerpoint/2010/main" val="2019924356"/>
       </p:ext>
     </p:extLst>
   </p:cSld>
@@ -12703,7 +12700,7 @@
     </p:spTree>
     <p:extLst>
       <p:ext uri="{BB962C8B-B14F-4D97-AF65-F5344CB8AC3E}">
-        <p14:creationId xmlns:p14="http://schemas.microsoft.com/office/powerpoint/2010/main" val="3502279941"/>
+        <p14:creationId xmlns="" xmlns:p14="http://schemas.microsoft.com/office/powerpoint/2010/main" val="3502279941"/>
       </p:ext>
     </p:extLst>
   </p:cSld>
@@ -12746,9 +12743,14 @@
           <a:lstStyle/>
           <a:p>
             <a:r>
-              <a:rPr lang="en-US" dirty="0"/>
-              <a:t>Entering our network:</a:t>
-            </a:r>
+              <a:rPr lang="en-US" dirty="0" smtClean="0"/>
+              <a:t>Entering our network</a:t>
+            </a:r>
+            <a:r>
+              <a:rPr lang="en-US" dirty="0" smtClean="0"/>
+              <a:t>:</a:t>
+            </a:r>
+            <a:endParaRPr lang="en-US" dirty="0"/>
           </a:p>
         </p:txBody>
       </p:sp>
@@ -12769,18 +12771,62 @@
           <a:p>
             <a:r>
               <a:rPr lang="en-US" dirty="0"/>
-              <a:t>We included:</a:t>
-            </a:r>
-          </a:p>
-          <a:p>
-            <a:endParaRPr lang="en-US" dirty="0"/>
+              <a:t>Graph</a:t>
+            </a:r>
+          </a:p>
+          <a:p>
+            <a:r>
+              <a:rPr lang="en-US" dirty="0"/>
+              <a:t>Tables</a:t>
+            </a:r>
           </a:p>
         </p:txBody>
       </p:sp>
+      <p:pic>
+        <p:nvPicPr>
+          <p:cNvPr id="5122" name="Picture 2" descr="https://raw.githubusercontent.com/saleisha57/Bioinformatics_Final/master/MIA_synth_graph.png"/>
+          <p:cNvPicPr>
+            <a:picLocks noChangeAspect="1" noChangeArrowheads="1"/>
+          </p:cNvPicPr>
+          <p:nvPr/>
+        </p:nvPicPr>
+        <p:blipFill>
+          <a:blip r:embed="rId2" cstate="print">
+            <a:extLst>
+              <a:ext uri="{28A0092B-C50C-407E-A947-70E740481C1C}">
+                <a14:useLocalDpi xmlns="" xmlns:a14="http://schemas.microsoft.com/office/drawing/2010/main" val="0"/>
+              </a:ext>
+            </a:extLst>
+          </a:blip>
+          <a:srcRect/>
+          <a:stretch>
+            <a:fillRect/>
+          </a:stretch>
+        </p:blipFill>
+        <p:spPr bwMode="auto">
+          <a:xfrm>
+            <a:off x="2514800" y="2249487"/>
+            <a:ext cx="9675610" cy="4608513"/>
+          </a:xfrm>
+          <a:prstGeom prst="rect">
+            <a:avLst/>
+          </a:prstGeom>
+          <a:noFill/>
+          <a:extLst>
+            <a:ext uri="{909E8E84-426E-40DD-AFC4-6F175D3DCCD1}">
+              <a14:hiddenFill xmlns="" xmlns:a14="http://schemas.microsoft.com/office/drawing/2010/main">
+                <a:solidFill>
+                  <a:srgbClr val="FFFFFF"/>
+                </a:solidFill>
+              </a14:hiddenFill>
+            </a:ext>
+          </a:extLst>
+        </p:spPr>
+      </p:pic>
     </p:spTree>
     <p:extLst>
       <p:ext uri="{BB962C8B-B14F-4D97-AF65-F5344CB8AC3E}">
-        <p14:creationId xmlns:p14="http://schemas.microsoft.com/office/powerpoint/2010/main" val="2777520279"/>
+        <p14:creationId xmlns="" xmlns:p14="http://schemas.microsoft.com/office/powerpoint/2010/main" val="456831878"/>
       </p:ext>
     </p:extLst>
   </p:cSld>
@@ -12854,7 +12900,7 @@
     </p:spTree>
     <p:extLst>
       <p:ext uri="{BB962C8B-B14F-4D97-AF65-F5344CB8AC3E}">
-        <p14:creationId xmlns:p14="http://schemas.microsoft.com/office/powerpoint/2010/main" val="2294797533"/>
+        <p14:creationId xmlns="" xmlns:p14="http://schemas.microsoft.com/office/powerpoint/2010/main" val="2294797533"/>
       </p:ext>
     </p:extLst>
   </p:cSld>
@@ -12898,7 +12944,7 @@
           <a:p>
             <a:r>
               <a:rPr lang="en-US" dirty="0"/>
-              <a:t>Results image as a slideshow format:</a:t>
+              <a:t>Possible Improvements:</a:t>
             </a:r>
           </a:p>
         </p:txBody>
@@ -12918,14 +12964,52 @@
           <a:bodyPr/>
           <a:lstStyle/>
           <a:p>
-            <a:endParaRPr lang="en-US"/>
+            <a:r>
+              <a:rPr lang="en-US" dirty="0"/>
+              <a:t>Add in more </a:t>
+            </a:r>
+            <a:r>
+              <a:rPr lang="en-US" i="1" dirty="0"/>
+              <a:t>E. coli </a:t>
+            </a:r>
+            <a:r>
+              <a:rPr lang="en-US" dirty="0"/>
+              <a:t>metabolic pathways which used (X) as a substrate to make the model more realistic</a:t>
+            </a:r>
+          </a:p>
+          <a:p>
+            <a:pPr lvl="1"/>
+            <a:r>
+              <a:rPr lang="en-US" dirty="0"/>
+              <a:t>For example, integrate the model network into already developed </a:t>
+            </a:r>
+            <a:r>
+              <a:rPr lang="en-US" i="1" dirty="0"/>
+              <a:t>E. coli </a:t>
+            </a:r>
+            <a:r>
+              <a:rPr lang="en-US" dirty="0"/>
+              <a:t>networks which are available at (blah blah)</a:t>
+            </a:r>
+          </a:p>
+          <a:p>
+            <a:r>
+              <a:rPr lang="en-US" dirty="0"/>
+              <a:t>Allow for asynchronous updating, or kinetic parameter integration</a:t>
+            </a:r>
+          </a:p>
+          <a:p>
+            <a:r>
+              <a:rPr lang="en-US" dirty="0"/>
+              <a:t>Create own graph generator functions, which can handle self-directed edge visualization in graphs</a:t>
+            </a:r>
           </a:p>
         </p:txBody>
       </p:sp>
     </p:spTree>
     <p:extLst>
       <p:ext uri="{BB962C8B-B14F-4D97-AF65-F5344CB8AC3E}">
-        <p14:creationId xmlns:p14="http://schemas.microsoft.com/office/powerpoint/2010/main" val="2789761361"/>
+        <p14:creationId xmlns="" xmlns:p14="http://schemas.microsoft.com/office/powerpoint/2010/main" val="3199426688"/>
       </p:ext>
     </p:extLst>
   </p:cSld>
@@ -12969,260 +13053,6 @@
           <a:p>
             <a:r>
               <a:rPr lang="en-US" dirty="0"/>
-              <a:t>Modelling a deletion of (X) gene:</a:t>
-            </a:r>
-          </a:p>
-        </p:txBody>
-      </p:sp>
-      <p:sp>
-        <p:nvSpPr>
-          <p:cNvPr id="3" name="Content Placeholder 2"/>
-          <p:cNvSpPr>
-            <a:spLocks noGrp="1"/>
-          </p:cNvSpPr>
-          <p:nvPr>
-            <p:ph idx="1"/>
-          </p:nvPr>
-        </p:nvSpPr>
-        <p:spPr/>
-        <p:txBody>
-          <a:bodyPr/>
-          <a:lstStyle/>
-          <a:p>
-            <a:endParaRPr lang="en-US" dirty="0"/>
-          </a:p>
-        </p:txBody>
-      </p:sp>
-    </p:spTree>
-    <p:extLst>
-      <p:ext uri="{BB962C8B-B14F-4D97-AF65-F5344CB8AC3E}">
-        <p14:creationId xmlns:p14="http://schemas.microsoft.com/office/powerpoint/2010/main" val="187381801"/>
-      </p:ext>
-    </p:extLst>
-  </p:cSld>
-  <p:clrMapOvr>
-    <a:masterClrMapping/>
-  </p:clrMapOvr>
-</p:sld>
-</file>
-
-<file path=ppt/slides/slide16.xml><?xml version="1.0" encoding="utf-8"?>
-<p:sld xmlns:a="http://schemas.openxmlformats.org/drawingml/2006/main" xmlns:r="http://schemas.openxmlformats.org/officeDocument/2006/relationships" xmlns:p="http://schemas.openxmlformats.org/presentationml/2006/main">
-  <p:cSld>
-    <p:spTree>
-      <p:nvGrpSpPr>
-        <p:cNvPr id="1" name=""/>
-        <p:cNvGrpSpPr/>
-        <p:nvPr/>
-      </p:nvGrpSpPr>
-      <p:grpSpPr>
-        <a:xfrm>
-          <a:off x="0" y="0"/>
-          <a:ext cx="0" cy="0"/>
-          <a:chOff x="0" y="0"/>
-          <a:chExt cx="0" cy="0"/>
-        </a:xfrm>
-      </p:grpSpPr>
-      <p:sp>
-        <p:nvSpPr>
-          <p:cNvPr id="2" name="Title 1"/>
-          <p:cNvSpPr>
-            <a:spLocks noGrp="1"/>
-          </p:cNvSpPr>
-          <p:nvPr>
-            <p:ph type="title"/>
-          </p:nvPr>
-        </p:nvSpPr>
-        <p:spPr/>
-        <p:txBody>
-          <a:bodyPr/>
-          <a:lstStyle/>
-          <a:p>
-            <a:r>
-              <a:rPr lang="en-US" dirty="0"/>
-              <a:t>Modelling a nonfunctional (X) at N=#:</a:t>
-            </a:r>
-          </a:p>
-        </p:txBody>
-      </p:sp>
-      <p:sp>
-        <p:nvSpPr>
-          <p:cNvPr id="3" name="Content Placeholder 2"/>
-          <p:cNvSpPr>
-            <a:spLocks noGrp="1"/>
-          </p:cNvSpPr>
-          <p:nvPr>
-            <p:ph idx="1"/>
-          </p:nvPr>
-        </p:nvSpPr>
-        <p:spPr/>
-        <p:txBody>
-          <a:bodyPr/>
-          <a:lstStyle/>
-          <a:p>
-            <a:r>
-              <a:rPr lang="en-US" dirty="0"/>
-              <a:t>Results</a:t>
-            </a:r>
-          </a:p>
-        </p:txBody>
-      </p:sp>
-    </p:spTree>
-    <p:extLst>
-      <p:ext uri="{BB962C8B-B14F-4D97-AF65-F5344CB8AC3E}">
-        <p14:creationId xmlns:p14="http://schemas.microsoft.com/office/powerpoint/2010/main" val="3948806012"/>
-      </p:ext>
-    </p:extLst>
-  </p:cSld>
-  <p:clrMapOvr>
-    <a:masterClrMapping/>
-  </p:clrMapOvr>
-</p:sld>
-</file>
-
-<file path=ppt/slides/slide17.xml><?xml version="1.0" encoding="utf-8"?>
-<p:sld xmlns:a="http://schemas.openxmlformats.org/drawingml/2006/main" xmlns:r="http://schemas.openxmlformats.org/officeDocument/2006/relationships" xmlns:p="http://schemas.openxmlformats.org/presentationml/2006/main">
-  <p:cSld>
-    <p:spTree>
-      <p:nvGrpSpPr>
-        <p:cNvPr id="1" name=""/>
-        <p:cNvGrpSpPr/>
-        <p:nvPr/>
-      </p:nvGrpSpPr>
-      <p:grpSpPr>
-        <a:xfrm>
-          <a:off x="0" y="0"/>
-          <a:ext cx="0" cy="0"/>
-          <a:chOff x="0" y="0"/>
-          <a:chExt cx="0" cy="0"/>
-        </a:xfrm>
-      </p:grpSpPr>
-      <p:sp>
-        <p:nvSpPr>
-          <p:cNvPr id="2" name="Title 1"/>
-          <p:cNvSpPr>
-            <a:spLocks noGrp="1"/>
-          </p:cNvSpPr>
-          <p:nvPr>
-            <p:ph type="title"/>
-          </p:nvPr>
-        </p:nvSpPr>
-        <p:spPr/>
-        <p:txBody>
-          <a:bodyPr/>
-          <a:lstStyle/>
-          <a:p>
-            <a:r>
-              <a:rPr lang="en-US" dirty="0"/>
-              <a:t>Possible Improvements:</a:t>
-            </a:r>
-          </a:p>
-        </p:txBody>
-      </p:sp>
-      <p:sp>
-        <p:nvSpPr>
-          <p:cNvPr id="3" name="Content Placeholder 2"/>
-          <p:cNvSpPr>
-            <a:spLocks noGrp="1"/>
-          </p:cNvSpPr>
-          <p:nvPr>
-            <p:ph idx="1"/>
-          </p:nvPr>
-        </p:nvSpPr>
-        <p:spPr/>
-        <p:txBody>
-          <a:bodyPr/>
-          <a:lstStyle/>
-          <a:p>
-            <a:r>
-              <a:rPr lang="en-US" dirty="0"/>
-              <a:t>Add in more </a:t>
-            </a:r>
-            <a:r>
-              <a:rPr lang="en-US" i="1" dirty="0"/>
-              <a:t>E. coli </a:t>
-            </a:r>
-            <a:r>
-              <a:rPr lang="en-US" dirty="0"/>
-              <a:t>metabolic pathways which used (X) as a substrate to make the model more realistic</a:t>
-            </a:r>
-          </a:p>
-          <a:p>
-            <a:pPr lvl="1"/>
-            <a:r>
-              <a:rPr lang="en-US" dirty="0"/>
-              <a:t>For example, integrate the model network into already developed </a:t>
-            </a:r>
-            <a:r>
-              <a:rPr lang="en-US" i="1" dirty="0"/>
-              <a:t>E. coli </a:t>
-            </a:r>
-            <a:r>
-              <a:rPr lang="en-US" dirty="0"/>
-              <a:t>networks which are available at (blah blah)</a:t>
-            </a:r>
-          </a:p>
-          <a:p>
-            <a:r>
-              <a:rPr lang="en-US" dirty="0"/>
-              <a:t>Allow for asynchronous updating, or kinetic parameter integration</a:t>
-            </a:r>
-          </a:p>
-          <a:p>
-            <a:r>
-              <a:rPr lang="en-US" dirty="0"/>
-              <a:t>Create own graph generator functions, which can handle self-directed edge visualization in graphs</a:t>
-            </a:r>
-          </a:p>
-        </p:txBody>
-      </p:sp>
-    </p:spTree>
-    <p:extLst>
-      <p:ext uri="{BB962C8B-B14F-4D97-AF65-F5344CB8AC3E}">
-        <p14:creationId xmlns:p14="http://schemas.microsoft.com/office/powerpoint/2010/main" val="3199426688"/>
-      </p:ext>
-    </p:extLst>
-  </p:cSld>
-  <p:clrMapOvr>
-    <a:masterClrMapping/>
-  </p:clrMapOvr>
-</p:sld>
-</file>
-
-<file path=ppt/slides/slide18.xml><?xml version="1.0" encoding="utf-8"?>
-<p:sld xmlns:a="http://schemas.openxmlformats.org/drawingml/2006/main" xmlns:r="http://schemas.openxmlformats.org/officeDocument/2006/relationships" xmlns:p="http://schemas.openxmlformats.org/presentationml/2006/main">
-  <p:cSld>
-    <p:spTree>
-      <p:nvGrpSpPr>
-        <p:cNvPr id="1" name=""/>
-        <p:cNvGrpSpPr/>
-        <p:nvPr/>
-      </p:nvGrpSpPr>
-      <p:grpSpPr>
-        <a:xfrm>
-          <a:off x="0" y="0"/>
-          <a:ext cx="0" cy="0"/>
-          <a:chOff x="0" y="0"/>
-          <a:chExt cx="0" cy="0"/>
-        </a:xfrm>
-      </p:grpSpPr>
-      <p:sp>
-        <p:nvSpPr>
-          <p:cNvPr id="2" name="Title 1"/>
-          <p:cNvSpPr>
-            <a:spLocks noGrp="1"/>
-          </p:cNvSpPr>
-          <p:nvPr>
-            <p:ph type="title"/>
-          </p:nvPr>
-        </p:nvSpPr>
-        <p:spPr/>
-        <p:txBody>
-          <a:bodyPr/>
-          <a:lstStyle/>
-          <a:p>
-            <a:r>
-              <a:rPr lang="en-US" dirty="0"/>
               <a:t>Sources:</a:t>
             </a:r>
           </a:p>
@@ -13270,7 +13100,7 @@
     </p:spTree>
     <p:extLst>
       <p:ext uri="{BB962C8B-B14F-4D97-AF65-F5344CB8AC3E}">
-        <p14:creationId xmlns:p14="http://schemas.microsoft.com/office/powerpoint/2010/main" val="821849167"/>
+        <p14:creationId xmlns="" xmlns:p14="http://schemas.microsoft.com/office/powerpoint/2010/main" val="821849167"/>
       </p:ext>
     </p:extLst>
   </p:cSld>
@@ -13338,8 +13168,8 @@
               <a:buNone/>
             </a:pPr>
             <a:r>
-              <a:rPr lang="en-US" dirty="0"/>
-              <a:t>Description: ______________ </a:t>
+              <a:rPr lang="en-US" dirty="0" smtClean="0"/>
+              <a:t>Description: A model is created where the interactions of the nodes depend on the activation of the others.</a:t>
             </a:r>
           </a:p>
           <a:p>
@@ -13347,18 +13177,10 @@
               <a:buNone/>
             </a:pPr>
             <a:r>
-              <a:rPr lang="en-US" dirty="0"/>
-              <a:t>-Creates a model based on condition statements/truth tables.</a:t>
-            </a:r>
-          </a:p>
-          <a:p>
-            <a:pPr marL="0" indent="0">
-              <a:buNone/>
-            </a:pPr>
-            <a:r>
-              <a:rPr lang="en-US" dirty="0"/>
-              <a:t>- EX: (Example of truth table)</a:t>
-            </a:r>
+              <a:rPr lang="en-US" dirty="0" smtClean="0"/>
+              <a:t>-The model is created through probabilities set by truth tables.</a:t>
+            </a:r>
+            <a:endParaRPr lang="en-US" dirty="0"/>
           </a:p>
         </p:txBody>
       </p:sp>
@@ -13371,10 +13193,10 @@
           <p:nvPr/>
         </p:nvPicPr>
         <p:blipFill>
-          <a:blip r:embed="rId2">
+          <a:blip r:embed="rId2" cstate="print">
             <a:extLst>
               <a:ext uri="{28A0092B-C50C-407E-A947-70E740481C1C}">
-                <a14:useLocalDpi xmlns:a14="http://schemas.microsoft.com/office/drawing/2010/main" val="0"/>
+                <a14:useLocalDpi xmlns="" xmlns:a14="http://schemas.microsoft.com/office/drawing/2010/main" val="0"/>
               </a:ext>
             </a:extLst>
           </a:blip>
@@ -13385,8 +13207,8 @@
         </p:blipFill>
         <p:spPr bwMode="auto">
           <a:xfrm>
-            <a:off x="7458075" y="3747134"/>
-            <a:ext cx="4733925" cy="3110866"/>
+            <a:off x="7635834" y="3863946"/>
+            <a:ext cx="4556166" cy="2994053"/>
           </a:xfrm>
           <a:prstGeom prst="rect">
             <a:avLst/>
@@ -13394,7 +13216,7 @@
           <a:noFill/>
           <a:extLst>
             <a:ext uri="{909E8E84-426E-40DD-AFC4-6F175D3DCCD1}">
-              <a14:hiddenFill xmlns:a14="http://schemas.microsoft.com/office/drawing/2010/main">
+              <a14:hiddenFill xmlns="" xmlns:a14="http://schemas.microsoft.com/office/drawing/2010/main">
                 <a:solidFill>
                   <a:srgbClr val="FFFFFF"/>
                 </a:solidFill>
@@ -13406,7 +13228,7 @@
     </p:spTree>
     <p:extLst>
       <p:ext uri="{BB962C8B-B14F-4D97-AF65-F5344CB8AC3E}">
-        <p14:creationId xmlns:p14="http://schemas.microsoft.com/office/powerpoint/2010/main" val="1011299987"/>
+        <p14:creationId xmlns="" xmlns:p14="http://schemas.microsoft.com/office/powerpoint/2010/main" val="1011299987"/>
       </p:ext>
     </p:extLst>
   </p:cSld>
@@ -13514,10 +13336,10 @@
           <p:nvPr/>
         </p:nvPicPr>
         <p:blipFill>
-          <a:blip r:embed="rId2">
+          <a:blip r:embed="rId2" cstate="print">
             <a:extLst>
               <a:ext uri="{28A0092B-C50C-407E-A947-70E740481C1C}">
-                <a14:useLocalDpi xmlns:a14="http://schemas.microsoft.com/office/drawing/2010/main" val="0"/>
+                <a14:useLocalDpi xmlns="" xmlns:a14="http://schemas.microsoft.com/office/drawing/2010/main" val="0"/>
               </a:ext>
             </a:extLst>
           </a:blip>
@@ -13537,7 +13359,7 @@
           <a:noFill/>
           <a:extLst>
             <a:ext uri="{909E8E84-426E-40DD-AFC4-6F175D3DCCD1}">
-              <a14:hiddenFill xmlns:a14="http://schemas.microsoft.com/office/drawing/2010/main">
+              <a14:hiddenFill xmlns="" xmlns:a14="http://schemas.microsoft.com/office/drawing/2010/main">
                 <a:solidFill>
                   <a:srgbClr val="FFFFFF"/>
                 </a:solidFill>
@@ -13555,10 +13377,10 @@
           <p:nvPr/>
         </p:nvPicPr>
         <p:blipFill>
-          <a:blip r:embed="rId3">
+          <a:blip r:embed="rId3" cstate="print">
             <a:extLst>
               <a:ext uri="{28A0092B-C50C-407E-A947-70E740481C1C}">
-                <a14:useLocalDpi xmlns:a14="http://schemas.microsoft.com/office/drawing/2010/main" val="0"/>
+                <a14:useLocalDpi xmlns="" xmlns:a14="http://schemas.microsoft.com/office/drawing/2010/main" val="0"/>
               </a:ext>
             </a:extLst>
           </a:blip>
@@ -13578,7 +13400,7 @@
           <a:noFill/>
           <a:extLst>
             <a:ext uri="{909E8E84-426E-40DD-AFC4-6F175D3DCCD1}">
-              <a14:hiddenFill xmlns:a14="http://schemas.microsoft.com/office/drawing/2010/main">
+              <a14:hiddenFill xmlns="" xmlns:a14="http://schemas.microsoft.com/office/drawing/2010/main">
                 <a:solidFill>
                   <a:srgbClr val="FFFFFF"/>
                 </a:solidFill>
@@ -13590,7 +13412,7 @@
     </p:spTree>
     <p:extLst>
       <p:ext uri="{BB962C8B-B14F-4D97-AF65-F5344CB8AC3E}">
-        <p14:creationId xmlns:p14="http://schemas.microsoft.com/office/powerpoint/2010/main" val="2385430752"/>
+        <p14:creationId xmlns="" xmlns:p14="http://schemas.microsoft.com/office/powerpoint/2010/main" val="2385430752"/>
       </p:ext>
     </p:extLst>
   </p:cSld>
@@ -13705,10 +13527,10 @@
           <p:nvPr/>
         </p:nvPicPr>
         <p:blipFill>
-          <a:blip r:embed="rId2">
+          <a:blip r:embed="rId2" cstate="print">
             <a:extLst>
               <a:ext uri="{28A0092B-C50C-407E-A947-70E740481C1C}">
-                <a14:useLocalDpi xmlns:a14="http://schemas.microsoft.com/office/drawing/2010/main" val="0"/>
+                <a14:useLocalDpi xmlns="" xmlns:a14="http://schemas.microsoft.com/office/drawing/2010/main" val="0"/>
               </a:ext>
             </a:extLst>
           </a:blip>
@@ -13728,7 +13550,7 @@
           <a:noFill/>
           <a:extLst>
             <a:ext uri="{909E8E84-426E-40DD-AFC4-6F175D3DCCD1}">
-              <a14:hiddenFill xmlns:a14="http://schemas.microsoft.com/office/drawing/2010/main">
+              <a14:hiddenFill xmlns="" xmlns:a14="http://schemas.microsoft.com/office/drawing/2010/main">
                 <a:solidFill>
                   <a:srgbClr val="FFFFFF"/>
                 </a:solidFill>
@@ -13746,10 +13568,10 @@
           <p:nvPr/>
         </p:nvPicPr>
         <p:blipFill>
-          <a:blip r:embed="rId3">
+          <a:blip r:embed="rId3" cstate="print">
             <a:extLst>
               <a:ext uri="{28A0092B-C50C-407E-A947-70E740481C1C}">
-                <a14:useLocalDpi xmlns:a14="http://schemas.microsoft.com/office/drawing/2010/main" val="0"/>
+                <a14:useLocalDpi xmlns="" xmlns:a14="http://schemas.microsoft.com/office/drawing/2010/main" val="0"/>
               </a:ext>
             </a:extLst>
           </a:blip>
@@ -13769,7 +13591,7 @@
           <a:noFill/>
           <a:extLst>
             <a:ext uri="{909E8E84-426E-40DD-AFC4-6F175D3DCCD1}">
-              <a14:hiddenFill xmlns:a14="http://schemas.microsoft.com/office/drawing/2010/main">
+              <a14:hiddenFill xmlns="" xmlns:a14="http://schemas.microsoft.com/office/drawing/2010/main">
                 <a:solidFill>
                   <a:srgbClr val="FFFFFF"/>
                 </a:solidFill>
@@ -13781,7 +13603,7 @@
     </p:spTree>
     <p:extLst>
       <p:ext uri="{BB962C8B-B14F-4D97-AF65-F5344CB8AC3E}">
-        <p14:creationId xmlns:p14="http://schemas.microsoft.com/office/powerpoint/2010/main" val="2801886200"/>
+        <p14:creationId xmlns="" xmlns:p14="http://schemas.microsoft.com/office/powerpoint/2010/main" val="2801886200"/>
       </p:ext>
     </p:extLst>
   </p:cSld>
@@ -13906,10 +13728,10 @@
           <p:nvPr/>
         </p:nvPicPr>
         <p:blipFill>
-          <a:blip r:embed="rId2">
+          <a:blip r:embed="rId2" cstate="print">
             <a:extLst>
               <a:ext uri="{28A0092B-C50C-407E-A947-70E740481C1C}">
-                <a14:useLocalDpi xmlns:a14="http://schemas.microsoft.com/office/drawing/2010/main" val="0"/>
+                <a14:useLocalDpi xmlns="" xmlns:a14="http://schemas.microsoft.com/office/drawing/2010/main" val="0"/>
               </a:ext>
             </a:extLst>
           </a:blip>
@@ -13929,7 +13751,7 @@
           <a:noFill/>
           <a:extLst>
             <a:ext uri="{909E8E84-426E-40DD-AFC4-6F175D3DCCD1}">
-              <a14:hiddenFill xmlns:a14="http://schemas.microsoft.com/office/drawing/2010/main">
+              <a14:hiddenFill xmlns="" xmlns:a14="http://schemas.microsoft.com/office/drawing/2010/main">
                 <a:solidFill>
                   <a:srgbClr val="FFFFFF"/>
                 </a:solidFill>
@@ -13947,10 +13769,10 @@
           <p:nvPr/>
         </p:nvPicPr>
         <p:blipFill>
-          <a:blip r:embed="rId3">
+          <a:blip r:embed="rId3" cstate="print">
             <a:extLst>
               <a:ext uri="{28A0092B-C50C-407E-A947-70E740481C1C}">
-                <a14:useLocalDpi xmlns:a14="http://schemas.microsoft.com/office/drawing/2010/main" val="0"/>
+                <a14:useLocalDpi xmlns="" xmlns:a14="http://schemas.microsoft.com/office/drawing/2010/main" val="0"/>
               </a:ext>
             </a:extLst>
           </a:blip>
@@ -13970,7 +13792,7 @@
           <a:noFill/>
           <a:extLst>
             <a:ext uri="{909E8E84-426E-40DD-AFC4-6F175D3DCCD1}">
-              <a14:hiddenFill xmlns:a14="http://schemas.microsoft.com/office/drawing/2010/main">
+              <a14:hiddenFill xmlns="" xmlns:a14="http://schemas.microsoft.com/office/drawing/2010/main">
                 <a:solidFill>
                   <a:srgbClr val="FFFFFF"/>
                 </a:solidFill>
@@ -13982,7 +13804,7 @@
     </p:spTree>
     <p:extLst>
       <p:ext uri="{BB962C8B-B14F-4D97-AF65-F5344CB8AC3E}">
-        <p14:creationId xmlns:p14="http://schemas.microsoft.com/office/powerpoint/2010/main" val="130083780"/>
+        <p14:creationId xmlns="" xmlns:p14="http://schemas.microsoft.com/office/powerpoint/2010/main" val="130083780"/>
       </p:ext>
     </p:extLst>
   </p:cSld>
@@ -14025,9 +13847,18 @@
           <a:lstStyle/>
           <a:p>
             <a:r>
-              <a:rPr lang="en-US" dirty="0"/>
-              <a:t>Pathway in plants:</a:t>
-            </a:r>
+              <a:rPr lang="en-US" dirty="0" smtClean="0"/>
+              <a:t>Pathway in </a:t>
+            </a:r>
+            <a:r>
+              <a:rPr lang="en-US" dirty="0" err="1" smtClean="0"/>
+              <a:t>Soandso</a:t>
+            </a:r>
+            <a:r>
+              <a:rPr lang="en-US" dirty="0" smtClean="0"/>
+              <a:t> et al.’s work:</a:t>
+            </a:r>
+            <a:endParaRPr lang="en-US" dirty="0"/>
           </a:p>
         </p:txBody>
       </p:sp>
@@ -14046,14 +13877,40 @@
           <a:bodyPr/>
           <a:lstStyle/>
           <a:p>
-            <a:endParaRPr lang="en-US" dirty="0"/>
+            <a:endParaRPr lang="en-US"/>
           </a:p>
         </p:txBody>
       </p:sp>
+      <p:pic>
+        <p:nvPicPr>
+          <p:cNvPr id="4" name="Picture 2" descr="Figure 3. "/>
+          <p:cNvPicPr>
+            <a:picLocks noChangeAspect="1" noChangeArrowheads="1"/>
+          </p:cNvPicPr>
+          <p:nvPr/>
+        </p:nvPicPr>
+        <p:blipFill>
+          <a:blip r:embed="rId2" cstate="print"/>
+          <a:srcRect/>
+          <a:stretch>
+            <a:fillRect/>
+          </a:stretch>
+        </p:blipFill>
+        <p:spPr bwMode="auto">
+          <a:xfrm>
+            <a:off x="7054237" y="1635760"/>
+            <a:ext cx="5137763" cy="5222240"/>
+          </a:xfrm>
+          <a:prstGeom prst="rect">
+            <a:avLst/>
+          </a:prstGeom>
+          <a:noFill/>
+        </p:spPr>
+      </p:pic>
     </p:spTree>
     <p:extLst>
       <p:ext uri="{BB962C8B-B14F-4D97-AF65-F5344CB8AC3E}">
-        <p14:creationId xmlns:p14="http://schemas.microsoft.com/office/powerpoint/2010/main" val="2052428603"/>
+        <p14:creationId xmlns="" xmlns:p14="http://schemas.microsoft.com/office/powerpoint/2010/main" val="3295495922"/>
       </p:ext>
     </p:extLst>
   </p:cSld>
@@ -14097,15 +13954,7 @@
           <a:p>
             <a:r>
               <a:rPr lang="en-US" dirty="0"/>
-              <a:t>Pathway in </a:t>
-            </a:r>
-            <a:r>
-              <a:rPr lang="en-US" dirty="0" err="1"/>
-              <a:t>Soandso</a:t>
-            </a:r>
-            <a:r>
-              <a:rPr lang="en-US" dirty="0"/>
-              <a:t> et al.’s work:</a:t>
+              <a:t>Our program:</a:t>
             </a:r>
           </a:p>
         </p:txBody>
@@ -14122,43 +13971,79 @@
         </p:nvSpPr>
         <p:spPr/>
         <p:txBody>
-          <a:bodyPr/>
+          <a:bodyPr>
+            <a:normAutofit fontScale="92500" lnSpcReduction="10000"/>
+          </a:bodyPr>
           <a:lstStyle/>
           <a:p>
-            <a:endParaRPr lang="en-US"/>
+            <a:r>
+              <a:rPr lang="en-US" dirty="0"/>
+              <a:t>A simplistic Boolean network modeler, able to fulfill (#) goals:</a:t>
+            </a:r>
+          </a:p>
+          <a:p>
+            <a:pPr marL="914400" lvl="1" indent="-457200">
+              <a:buFont typeface="+mj-lt"/>
+              <a:buAutoNum type="arabicPeriod"/>
+            </a:pPr>
+            <a:r>
+              <a:rPr lang="en-US" dirty="0"/>
+              <a:t>Generate Boolean Network graphs</a:t>
+            </a:r>
+          </a:p>
+          <a:p>
+            <a:pPr marL="914400" lvl="1" indent="-457200">
+              <a:buFont typeface="+mj-lt"/>
+              <a:buAutoNum type="arabicPeriod"/>
+            </a:pPr>
+            <a:r>
+              <a:rPr lang="en-US" dirty="0"/>
+              <a:t>Allow for 1 or 0 state models of a given pathway (in our case, a metabolic pathway) by the user entering nodes, edges, and clarifying any Boolean algebraic issues to the program as it generates truth tables</a:t>
+            </a:r>
+          </a:p>
+          <a:p>
+            <a:pPr marL="914400" lvl="1" indent="-457200">
+              <a:buFont typeface="+mj-lt"/>
+              <a:buAutoNum type="arabicPeriod"/>
+            </a:pPr>
+            <a:r>
+              <a:rPr lang="en-US" dirty="0"/>
+              <a:t>Run a simulation given a starting vector of node states</a:t>
+            </a:r>
+          </a:p>
+          <a:p>
+            <a:pPr marL="914400" lvl="1" indent="-457200">
+              <a:buFont typeface="+mj-lt"/>
+              <a:buAutoNum type="arabicPeriod"/>
+            </a:pPr>
+            <a:r>
+              <a:rPr lang="en-US" dirty="0"/>
+              <a:t>Show simulation results in table and graph form</a:t>
+            </a:r>
+          </a:p>
+          <a:p>
+            <a:pPr marL="914400" lvl="1" indent="-457200">
+              <a:buFont typeface="+mj-lt"/>
+              <a:buAutoNum type="arabicPeriod"/>
+            </a:pPr>
+            <a:r>
+              <a:rPr lang="en-US" dirty="0"/>
+              <a:t>Allow for file I/O with the models to allow the same network model to be pulled up and re-ran later without complete data re-entry</a:t>
+            </a:r>
+          </a:p>
+          <a:p>
+            <a:pPr marL="914400" lvl="1" indent="-457200">
+              <a:buFont typeface="+mj-lt"/>
+              <a:buAutoNum type="arabicPeriod"/>
+            </a:pPr>
+            <a:endParaRPr lang="en-US" dirty="0"/>
           </a:p>
         </p:txBody>
       </p:sp>
-      <p:pic>
-        <p:nvPicPr>
-          <p:cNvPr id="4" name="Picture 2" descr="Figure 3. "/>
-          <p:cNvPicPr>
-            <a:picLocks noChangeAspect="1" noChangeArrowheads="1"/>
-          </p:cNvPicPr>
-          <p:nvPr/>
-        </p:nvPicPr>
-        <p:blipFill>
-          <a:blip r:embed="rId2" cstate="print"/>
-          <a:srcRect/>
-          <a:stretch>
-            <a:fillRect/>
-          </a:stretch>
-        </p:blipFill>
-        <p:spPr bwMode="auto">
-          <a:xfrm>
-            <a:off x="7054237" y="1635760"/>
-            <a:ext cx="5137763" cy="5222240"/>
-          </a:xfrm>
-          <a:prstGeom prst="rect">
-            <a:avLst/>
-          </a:prstGeom>
-          <a:noFill/>
-        </p:spPr>
-      </p:pic>
     </p:spTree>
     <p:extLst>
       <p:ext uri="{BB962C8B-B14F-4D97-AF65-F5344CB8AC3E}">
-        <p14:creationId xmlns:p14="http://schemas.microsoft.com/office/powerpoint/2010/main" val="3295495922"/>
+        <p14:creationId xmlns="" xmlns:p14="http://schemas.microsoft.com/office/powerpoint/2010/main" val="3890307112"/>
       </p:ext>
     </p:extLst>
   </p:cSld>
@@ -14201,9 +14086,10 @@
           <a:lstStyle/>
           <a:p>
             <a:r>
-              <a:rPr lang="en-US" dirty="0"/>
-              <a:t>Our program:</a:t>
-            </a:r>
+              <a:rPr lang="en-US" dirty="0" smtClean="0"/>
+              <a:t>Python Libraries</a:t>
+            </a:r>
+            <a:endParaRPr lang="en-US" dirty="0"/>
           </a:p>
         </p:txBody>
       </p:sp>
@@ -14219,81 +14105,37 @@
         </p:nvSpPr>
         <p:spPr/>
         <p:txBody>
-          <a:bodyPr>
-            <a:normAutofit fontScale="92500" lnSpcReduction="10000"/>
-          </a:bodyPr>
+          <a:bodyPr/>
           <a:lstStyle/>
           <a:p>
             <a:r>
-              <a:rPr lang="en-US" dirty="0"/>
-              <a:t>A simplistic Boolean network modeler, able to fulfill (#) goals:</a:t>
-            </a:r>
-          </a:p>
-          <a:p>
-            <a:pPr marL="914400" lvl="1" indent="-457200">
-              <a:buFont typeface="+mj-lt"/>
-              <a:buAutoNum type="arabicPeriod"/>
-            </a:pPr>
-            <a:r>
-              <a:rPr lang="en-US" dirty="0"/>
-              <a:t>Generate Boolean Network graphs</a:t>
-            </a:r>
-          </a:p>
-          <a:p>
-            <a:pPr marL="914400" lvl="1" indent="-457200">
-              <a:buFont typeface="+mj-lt"/>
-              <a:buAutoNum type="arabicPeriod"/>
-            </a:pPr>
-            <a:r>
-              <a:rPr lang="en-US" dirty="0"/>
-              <a:t>Allow for 1 or 0 state models of a given pathway (in our case, a metabolic pathway) by the user entering nodes, edges, and clarifying any Boolean algebraic issues to the program as it generates truth tables</a:t>
-            </a:r>
-          </a:p>
-          <a:p>
-            <a:pPr marL="914400" lvl="1" indent="-457200">
-              <a:buFont typeface="+mj-lt"/>
-              <a:buAutoNum type="arabicPeriod"/>
-            </a:pPr>
-            <a:r>
-              <a:rPr lang="en-US" dirty="0"/>
-              <a:t>Run a simulation given a starting vector of node states</a:t>
-            </a:r>
-          </a:p>
-          <a:p>
-            <a:pPr marL="914400" lvl="1" indent="-457200">
-              <a:buFont typeface="+mj-lt"/>
-              <a:buAutoNum type="arabicPeriod"/>
-            </a:pPr>
-            <a:r>
-              <a:rPr lang="en-US" dirty="0"/>
-              <a:t>Show simulation results in table and graph form</a:t>
-            </a:r>
-          </a:p>
-          <a:p>
-            <a:pPr marL="914400" lvl="1" indent="-457200">
-              <a:buFont typeface="+mj-lt"/>
-              <a:buAutoNum type="arabicPeriod"/>
-            </a:pPr>
-            <a:r>
-              <a:rPr lang="en-US" dirty="0"/>
-              <a:t>Allow for file I/O with the models to allow the same network model to be pulled up and re-ran later without complete data re-entry</a:t>
-            </a:r>
-          </a:p>
-          <a:p>
-            <a:pPr marL="914400" lvl="1" indent="-457200">
-              <a:buFont typeface="+mj-lt"/>
-              <a:buAutoNum type="arabicPeriod"/>
-            </a:pPr>
+              <a:rPr lang="en-US" dirty="0" smtClean="0"/>
+              <a:t>We used:</a:t>
+            </a:r>
+          </a:p>
+          <a:p>
+            <a:pPr lvl="1"/>
+            <a:r>
+              <a:rPr lang="en-US" dirty="0" err="1" smtClean="0"/>
+              <a:t>Matplotlib</a:t>
+            </a:r>
+            <a:endParaRPr lang="en-US" dirty="0" smtClean="0"/>
+          </a:p>
+          <a:p>
+            <a:pPr lvl="1"/>
+            <a:r>
+              <a:rPr lang="en-US" smtClean="0"/>
+              <a:t>NetworkX</a:t>
+            </a:r>
+            <a:endParaRPr lang="en-US" dirty="0" smtClean="0"/>
+          </a:p>
+          <a:p>
+            <a:pPr lvl="1"/>
             <a:endParaRPr lang="en-US" dirty="0"/>
           </a:p>
         </p:txBody>
       </p:sp>
     </p:spTree>
-    <p:extLst>
-      <p:ext uri="{BB962C8B-B14F-4D97-AF65-F5344CB8AC3E}">
-        <p14:creationId xmlns:p14="http://schemas.microsoft.com/office/powerpoint/2010/main" val="3890307112"/>
-      </p:ext>
-    </p:extLst>
   </p:cSld>
   <p:clrMapOvr>
     <a:masterClrMapping/>
@@ -14334,9 +14176,10 @@
           <a:lstStyle/>
           <a:p>
             <a:r>
-              <a:rPr lang="en-US" dirty="0"/>
-              <a:t>Small test sample:</a:t>
-            </a:r>
+              <a:rPr lang="en-US" dirty="0" smtClean="0"/>
+              <a:t>Small test:</a:t>
+            </a:r>
+            <a:endParaRPr lang="en-US" dirty="0"/>
           </a:p>
         </p:txBody>
       </p:sp>
@@ -14357,62 +14200,51 @@
           <a:p>
             <a:r>
               <a:rPr lang="en-US" dirty="0"/>
-              <a:t>Graph</a:t>
-            </a:r>
-          </a:p>
-          <a:p>
-            <a:r>
-              <a:rPr lang="en-US" dirty="0"/>
-              <a:t>Tables</a:t>
-            </a:r>
+              <a:t>We included:</a:t>
+            </a:r>
+          </a:p>
+          <a:p>
+            <a:pPr>
+              <a:buNone/>
+            </a:pPr>
+            <a:endParaRPr lang="en-US" dirty="0"/>
           </a:p>
         </p:txBody>
       </p:sp>
-      <p:pic>
-        <p:nvPicPr>
-          <p:cNvPr id="5122" name="Picture 2" descr="https://raw.githubusercontent.com/saleisha57/Bioinformatics_Final/master/MIA_synth_graph.png"/>
-          <p:cNvPicPr>
-            <a:picLocks noChangeAspect="1" noChangeArrowheads="1"/>
-          </p:cNvPicPr>
+      <p:sp>
+        <p:nvSpPr>
+          <p:cNvPr id="8198" name="AutoShape 6" descr="MIA_syth_path_2.0.png"/>
+          <p:cNvSpPr>
+            <a:spLocks noChangeAspect="1" noChangeArrowheads="1"/>
+          </p:cNvSpPr>
           <p:nvPr/>
-        </p:nvPicPr>
-        <p:blipFill>
-          <a:blip r:embed="rId2">
-            <a:extLst>
-              <a:ext uri="{28A0092B-C50C-407E-A947-70E740481C1C}">
-                <a14:useLocalDpi xmlns:a14="http://schemas.microsoft.com/office/drawing/2010/main" val="0"/>
-              </a:ext>
-            </a:extLst>
-          </a:blip>
-          <a:srcRect/>
-          <a:stretch>
-            <a:fillRect/>
-          </a:stretch>
-        </p:blipFill>
+        </p:nvSpPr>
         <p:spPr bwMode="auto">
           <a:xfrm>
-            <a:off x="2514800" y="2249487"/>
-            <a:ext cx="9675610" cy="4608513"/>
+            <a:off x="155575" y="-144463"/>
+            <a:ext cx="304800" cy="304801"/>
           </a:xfrm>
           <a:prstGeom prst="rect">
             <a:avLst/>
           </a:prstGeom>
           <a:noFill/>
-          <a:extLst>
-            <a:ext uri="{909E8E84-426E-40DD-AFC4-6F175D3DCCD1}">
-              <a14:hiddenFill xmlns:a14="http://schemas.microsoft.com/office/drawing/2010/main">
-                <a:solidFill>
-                  <a:srgbClr val="FFFFFF"/>
-                </a:solidFill>
-              </a14:hiddenFill>
-            </a:ext>
-          </a:extLst>
         </p:spPr>
-      </p:pic>
+        <p:txBody>
+          <a:bodyPr vert="horz" wrap="square" lIns="91440" tIns="45720" rIns="91440" bIns="45720" numCol="1" anchor="t" anchorCtr="0" compatLnSpc="1">
+            <a:prstTxWarp prst="textNoShape">
+              <a:avLst/>
+            </a:prstTxWarp>
+          </a:bodyPr>
+          <a:lstStyle/>
+          <a:p>
+            <a:endParaRPr lang="en-US"/>
+          </a:p>
+        </p:txBody>
+      </p:sp>
     </p:spTree>
     <p:extLst>
       <p:ext uri="{BB962C8B-B14F-4D97-AF65-F5344CB8AC3E}">
-        <p14:creationId xmlns:p14="http://schemas.microsoft.com/office/powerpoint/2010/main" val="456831878"/>
+        <p14:creationId xmlns="" xmlns:p14="http://schemas.microsoft.com/office/powerpoint/2010/main" val="2777520279"/>
       </p:ext>
     </p:extLst>
   </p:cSld>
@@ -14465,7 +14297,7 @@
     </a:clrScheme>
     <a:fontScheme name="Circuit">
       <a:majorFont>
-        <a:latin typeface="Tw Cen MT" panose="020B0602020104020603"/>
+        <a:latin typeface="Tw Cen MT"/>
         <a:ea typeface=""/>
         <a:cs typeface=""/>
         <a:font script="Jpan" typeface="ＭＳ Ｐゴシック"/>
@@ -14500,7 +14332,7 @@
         <a:font script="Geor" typeface="Sylfaen"/>
       </a:majorFont>
       <a:minorFont>
-        <a:latin typeface="Tw Cen MT" panose="020B0602020104020603"/>
+        <a:latin typeface="Tw Cen MT"/>
         <a:ea typeface=""/>
         <a:cs typeface=""/>
         <a:font script="Jpan" typeface="ＭＳ Ｐゴシック"/>
@@ -14667,7 +14499,7 @@
   <a:extraClrSchemeLst/>
   <a:extLst>
     <a:ext uri="{05A4C25C-085E-4340-85A3-A5531E510DB2}">
-      <thm15:themeFamily xmlns:thm15="http://schemas.microsoft.com/office/thememl/2012/main" name="Circuit" id="{0AC2F7E7-15F5-431C-B2A2-456FE929F56C}" vid="{0911B802-464C-4241-8DD9-B60FF88E379F}"/>
+      <thm15:themeFamily xmlns="" xmlns:thm15="http://schemas.microsoft.com/office/thememl/2012/main" name="Circuit" id="{0AC2F7E7-15F5-431C-B2A2-456FE929F56C}" vid="{0911B802-464C-4241-8DD9-B60FF88E379F}"/>
     </a:ext>
   </a:extLst>
 </a:theme>

--- a/Bioinformatics Project Slides_Better.pptx
+++ b/Bioinformatics Project Slides_Better.pptx
@@ -7,19 +7,21 @@
   <p:sldIdLst>
     <p:sldId id="256" r:id="rId2"/>
     <p:sldId id="257" r:id="rId3"/>
-    <p:sldId id="258" r:id="rId4"/>
-    <p:sldId id="274" r:id="rId5"/>
-    <p:sldId id="260" r:id="rId6"/>
-    <p:sldId id="262" r:id="rId7"/>
-    <p:sldId id="263" r:id="rId8"/>
-    <p:sldId id="275" r:id="rId9"/>
-    <p:sldId id="267" r:id="rId10"/>
-    <p:sldId id="265" r:id="rId11"/>
-    <p:sldId id="266" r:id="rId12"/>
-    <p:sldId id="264" r:id="rId13"/>
-    <p:sldId id="269" r:id="rId14"/>
-    <p:sldId id="272" r:id="rId15"/>
-    <p:sldId id="273" r:id="rId16"/>
+    <p:sldId id="276" r:id="rId4"/>
+    <p:sldId id="258" r:id="rId5"/>
+    <p:sldId id="274" r:id="rId6"/>
+    <p:sldId id="260" r:id="rId7"/>
+    <p:sldId id="262" r:id="rId8"/>
+    <p:sldId id="277" r:id="rId9"/>
+    <p:sldId id="263" r:id="rId10"/>
+    <p:sldId id="275" r:id="rId11"/>
+    <p:sldId id="267" r:id="rId12"/>
+    <p:sldId id="265" r:id="rId13"/>
+    <p:sldId id="266" r:id="rId14"/>
+    <p:sldId id="264" r:id="rId15"/>
+    <p:sldId id="269" r:id="rId16"/>
+    <p:sldId id="272" r:id="rId17"/>
+    <p:sldId id="273" r:id="rId18"/>
   </p:sldIdLst>
   <p:sldSz cx="12192000" cy="6858000"/>
   <p:notesSz cx="6858000" cy="9144000"/>
@@ -120,7 +122,7 @@
   </p:defaultTextStyle>
   <p:extLst>
     <p:ext uri="{EFAFB233-063F-42B5-8137-9DF3F51BA10A}">
-      <p15:sldGuideLst xmlns="" xmlns:p15="http://schemas.microsoft.com/office/powerpoint/2012/main">
+      <p15:sldGuideLst xmlns:p15="http://schemas.microsoft.com/office/powerpoint/2012/main">
         <p15:guide id="1" orient="horz" pos="2160">
           <p15:clr>
             <a:srgbClr val="A4A3A4"/>
@@ -171,7 +173,7 @@
             <a:alphaModFix amt="30000"/>
             <a:extLst>
               <a:ext uri="{28A0092B-C50C-407E-A947-70E740481C1C}">
-                <a14:useLocalDpi xmlns="" xmlns:a14="http://schemas.microsoft.com/office/drawing/2010/main" val="0"/>
+                <a14:useLocalDpi xmlns:a14="http://schemas.microsoft.com/office/drawing/2010/main" val="0"/>
               </a:ext>
             </a:extLst>
           </a:blip>
@@ -191,7 +193,7 @@
           <a:noFill/>
           <a:extLst>
             <a:ext uri="{909E8E84-426E-40dd-AFC4-6F175D3DCCD1}">
-              <a14:hiddenFill xmlns:a14="http://schemas.microsoft.com/office/drawing/2010/main" xmlns="">
+              <a14:hiddenFill xmlns="" xmlns:a14="http://schemas.microsoft.com/office/drawing/2010/main">
                 <a:solidFill>
                   <a:srgbClr val="FFFFFF"/>
                 </a:solidFill>
@@ -251,7 +253,7 @@
             </a:ln>
             <a:extLst>
               <a:ext uri="{91240B29-F687-4f45-9708-019B960494DF}">
-                <a14:hiddenLine xmlns:a14="http://schemas.microsoft.com/office/drawing/2010/main" xmlns="" w="9525">
+                <a14:hiddenLine xmlns="" xmlns:a14="http://schemas.microsoft.com/office/drawing/2010/main" w="9525">
                   <a:solidFill>
                     <a:srgbClr val="000000"/>
                   </a:solidFill>
@@ -341,7 +343,7 @@
             </a:ln>
             <a:extLst>
               <a:ext uri="{91240B29-F687-4f45-9708-019B960494DF}">
-                <a14:hiddenLine xmlns:a14="http://schemas.microsoft.com/office/drawing/2010/main" xmlns="" w="9525">
+                <a14:hiddenLine xmlns="" xmlns:a14="http://schemas.microsoft.com/office/drawing/2010/main" w="9525">
                   <a:solidFill>
                     <a:srgbClr val="000000"/>
                   </a:solidFill>
@@ -431,7 +433,7 @@
             </a:ln>
             <a:extLst>
               <a:ext uri="{91240B29-F687-4f45-9708-019B960494DF}">
-                <a14:hiddenLine xmlns:a14="http://schemas.microsoft.com/office/drawing/2010/main" xmlns="" w="9525">
+                <a14:hiddenLine xmlns="" xmlns:a14="http://schemas.microsoft.com/office/drawing/2010/main" w="9525">
                   <a:solidFill>
                     <a:srgbClr val="000000"/>
                   </a:solidFill>
@@ -465,7 +467,7 @@
             </a:ln>
             <a:extLst>
               <a:ext uri="{91240B29-F687-4f45-9708-019B960494DF}">
-                <a14:hiddenLine xmlns:a14="http://schemas.microsoft.com/office/drawing/2010/main" xmlns="" w="9525">
+                <a14:hiddenLine xmlns="" xmlns:a14="http://schemas.microsoft.com/office/drawing/2010/main" w="9525">
                   <a:solidFill>
                     <a:srgbClr val="000000"/>
                   </a:solidFill>
@@ -555,7 +557,7 @@
             </a:ln>
             <a:extLst>
               <a:ext uri="{91240B29-F687-4f45-9708-019B960494DF}">
-                <a14:hiddenLine xmlns:a14="http://schemas.microsoft.com/office/drawing/2010/main" xmlns="" w="9525">
+                <a14:hiddenLine xmlns="" xmlns:a14="http://schemas.microsoft.com/office/drawing/2010/main" w="9525">
                   <a:solidFill>
                     <a:srgbClr val="000000"/>
                   </a:solidFill>
@@ -617,7 +619,7 @@
             </a:ln>
             <a:extLst>
               <a:ext uri="{91240B29-F687-4f45-9708-019B960494DF}">
-                <a14:hiddenLine xmlns:a14="http://schemas.microsoft.com/office/drawing/2010/main" xmlns="" w="9525">
+                <a14:hiddenLine xmlns="" xmlns:a14="http://schemas.microsoft.com/office/drawing/2010/main" w="9525">
                   <a:solidFill>
                     <a:srgbClr val="000000"/>
                   </a:solidFill>
@@ -679,7 +681,7 @@
             </a:ln>
             <a:extLst>
               <a:ext uri="{91240B29-F687-4f45-9708-019B960494DF}">
-                <a14:hiddenLine xmlns:a14="http://schemas.microsoft.com/office/drawing/2010/main" xmlns="" w="9525">
+                <a14:hiddenLine xmlns="" xmlns:a14="http://schemas.microsoft.com/office/drawing/2010/main" w="9525">
                   <a:solidFill>
                     <a:srgbClr val="000000"/>
                   </a:solidFill>
@@ -769,7 +771,7 @@
             </a:ln>
             <a:extLst>
               <a:ext uri="{91240B29-F687-4f45-9708-019B960494DF}">
-                <a14:hiddenLine xmlns:a14="http://schemas.microsoft.com/office/drawing/2010/main" xmlns="" w="9525">
+                <a14:hiddenLine xmlns="" xmlns:a14="http://schemas.microsoft.com/office/drawing/2010/main" w="9525">
                   <a:solidFill>
                     <a:srgbClr val="000000"/>
                   </a:solidFill>
@@ -831,7 +833,7 @@
             </a:ln>
             <a:extLst>
               <a:ext uri="{91240B29-F687-4f45-9708-019B960494DF}">
-                <a14:hiddenLine xmlns:a14="http://schemas.microsoft.com/office/drawing/2010/main" xmlns="" w="9525">
+                <a14:hiddenLine xmlns="" xmlns:a14="http://schemas.microsoft.com/office/drawing/2010/main" w="9525">
                   <a:solidFill>
                     <a:srgbClr val="000000"/>
                   </a:solidFill>
@@ -893,7 +895,7 @@
             </a:ln>
             <a:extLst>
               <a:ext uri="{91240B29-F687-4f45-9708-019B960494DF}">
-                <a14:hiddenLine xmlns:a14="http://schemas.microsoft.com/office/drawing/2010/main" xmlns="" w="9525">
+                <a14:hiddenLine xmlns="" xmlns:a14="http://schemas.microsoft.com/office/drawing/2010/main" w="9525">
                   <a:solidFill>
                     <a:srgbClr val="000000"/>
                   </a:solidFill>
@@ -983,7 +985,7 @@
             </a:ln>
             <a:extLst>
               <a:ext uri="{91240B29-F687-4f45-9708-019B960494DF}">
-                <a14:hiddenLine xmlns:a14="http://schemas.microsoft.com/office/drawing/2010/main" xmlns="" w="9525">
+                <a14:hiddenLine xmlns="" xmlns:a14="http://schemas.microsoft.com/office/drawing/2010/main" w="9525">
                   <a:solidFill>
                     <a:srgbClr val="000000"/>
                   </a:solidFill>
@@ -1073,7 +1075,7 @@
             </a:ln>
             <a:extLst>
               <a:ext uri="{91240B29-F687-4f45-9708-019B960494DF}">
-                <a14:hiddenLine xmlns:a14="http://schemas.microsoft.com/office/drawing/2010/main" xmlns="" w="9525">
+                <a14:hiddenLine xmlns="" xmlns:a14="http://schemas.microsoft.com/office/drawing/2010/main" w="9525">
                   <a:solidFill>
                     <a:srgbClr val="000000"/>
                   </a:solidFill>
@@ -1135,7 +1137,7 @@
             </a:ln>
             <a:extLst>
               <a:ext uri="{91240B29-F687-4f45-9708-019B960494DF}">
-                <a14:hiddenLine xmlns:a14="http://schemas.microsoft.com/office/drawing/2010/main" xmlns="" w="9525">
+                <a14:hiddenLine xmlns="" xmlns:a14="http://schemas.microsoft.com/office/drawing/2010/main" w="9525">
                   <a:solidFill>
                     <a:srgbClr val="000000"/>
                   </a:solidFill>
@@ -1245,7 +1247,7 @@
             </a:ln>
             <a:extLst>
               <a:ext uri="{91240B29-F687-4f45-9708-019B960494DF}">
-                <a14:hiddenLine xmlns:a14="http://schemas.microsoft.com/office/drawing/2010/main" xmlns="" w="9525">
+                <a14:hiddenLine xmlns="" xmlns:a14="http://schemas.microsoft.com/office/drawing/2010/main" w="9525">
                   <a:solidFill>
                     <a:srgbClr val="000000"/>
                   </a:solidFill>
@@ -1307,7 +1309,7 @@
             </a:ln>
             <a:extLst>
               <a:ext uri="{91240B29-F687-4f45-9708-019B960494DF}">
-                <a14:hiddenLine xmlns:a14="http://schemas.microsoft.com/office/drawing/2010/main" xmlns="" w="9525">
+                <a14:hiddenLine xmlns="" xmlns:a14="http://schemas.microsoft.com/office/drawing/2010/main" w="9525">
                   <a:solidFill>
                     <a:srgbClr val="000000"/>
                   </a:solidFill>
@@ -1397,7 +1399,7 @@
             </a:ln>
             <a:extLst>
               <a:ext uri="{91240B29-F687-4f45-9708-019B960494DF}">
-                <a14:hiddenLine xmlns:a14="http://schemas.microsoft.com/office/drawing/2010/main" xmlns="" w="9525">
+                <a14:hiddenLine xmlns="" xmlns:a14="http://schemas.microsoft.com/office/drawing/2010/main" w="9525">
                   <a:solidFill>
                     <a:srgbClr val="000000"/>
                   </a:solidFill>
@@ -1487,7 +1489,7 @@
             </a:ln>
             <a:extLst>
               <a:ext uri="{91240B29-F687-4f45-9708-019B960494DF}">
-                <a14:hiddenLine xmlns:a14="http://schemas.microsoft.com/office/drawing/2010/main" xmlns="" w="9525">
+                <a14:hiddenLine xmlns="" xmlns:a14="http://schemas.microsoft.com/office/drawing/2010/main" w="9525">
                   <a:solidFill>
                     <a:srgbClr val="000000"/>
                   </a:solidFill>
@@ -1549,7 +1551,7 @@
             </a:ln>
             <a:extLst>
               <a:ext uri="{91240B29-F687-4f45-9708-019B960494DF}">
-                <a14:hiddenLine xmlns:a14="http://schemas.microsoft.com/office/drawing/2010/main" xmlns="" w="9525">
+                <a14:hiddenLine xmlns="" xmlns:a14="http://schemas.microsoft.com/office/drawing/2010/main" w="9525">
                   <a:solidFill>
                     <a:srgbClr val="000000"/>
                   </a:solidFill>
@@ -1639,7 +1641,7 @@
             </a:ln>
             <a:extLst>
               <a:ext uri="{91240B29-F687-4f45-9708-019B960494DF}">
-                <a14:hiddenLine xmlns:a14="http://schemas.microsoft.com/office/drawing/2010/main" xmlns="" w="9525">
+                <a14:hiddenLine xmlns="" xmlns:a14="http://schemas.microsoft.com/office/drawing/2010/main" w="9525">
                   <a:solidFill>
                     <a:srgbClr val="000000"/>
                   </a:solidFill>
@@ -1729,7 +1731,7 @@
             </a:ln>
             <a:extLst>
               <a:ext uri="{91240B29-F687-4f45-9708-019B960494DF}">
-                <a14:hiddenLine xmlns:a14="http://schemas.microsoft.com/office/drawing/2010/main" xmlns="" w="9525">
+                <a14:hiddenLine xmlns="" xmlns:a14="http://schemas.microsoft.com/office/drawing/2010/main" w="9525">
                   <a:solidFill>
                     <a:srgbClr val="000000"/>
                   </a:solidFill>
@@ -1785,7 +1787,7 @@
             </a:ln>
             <a:extLst>
               <a:ext uri="{91240B29-F687-4f45-9708-019B960494DF}">
-                <a14:hiddenLine xmlns:a14="http://schemas.microsoft.com/office/drawing/2010/main" xmlns="" w="9525">
+                <a14:hiddenLine xmlns="" xmlns:a14="http://schemas.microsoft.com/office/drawing/2010/main" w="9525">
                   <a:solidFill>
                     <a:srgbClr val="000000"/>
                   </a:solidFill>
@@ -1875,7 +1877,7 @@
             </a:ln>
             <a:extLst>
               <a:ext uri="{91240B29-F687-4f45-9708-019B960494DF}">
-                <a14:hiddenLine xmlns:a14="http://schemas.microsoft.com/office/drawing/2010/main" xmlns="" w="9525">
+                <a14:hiddenLine xmlns="" xmlns:a14="http://schemas.microsoft.com/office/drawing/2010/main" w="9525">
                   <a:solidFill>
                     <a:srgbClr val="000000"/>
                   </a:solidFill>
@@ -1931,7 +1933,7 @@
             </a:ln>
             <a:extLst>
               <a:ext uri="{91240B29-F687-4f45-9708-019B960494DF}">
-                <a14:hiddenLine xmlns:a14="http://schemas.microsoft.com/office/drawing/2010/main" xmlns="" w="9525">
+                <a14:hiddenLine xmlns="" xmlns:a14="http://schemas.microsoft.com/office/drawing/2010/main" w="9525">
                   <a:solidFill>
                     <a:srgbClr val="000000"/>
                   </a:solidFill>
@@ -2021,7 +2023,7 @@
             </a:ln>
             <a:extLst>
               <a:ext uri="{91240B29-F687-4f45-9708-019B960494DF}">
-                <a14:hiddenLine xmlns:a14="http://schemas.microsoft.com/office/drawing/2010/main" xmlns="" w="9525">
+                <a14:hiddenLine xmlns="" xmlns:a14="http://schemas.microsoft.com/office/drawing/2010/main" w="9525">
                   <a:solidFill>
                     <a:srgbClr val="000000"/>
                   </a:solidFill>
@@ -2089,7 +2091,7 @@
             </a:ln>
             <a:extLst>
               <a:ext uri="{91240B29-F687-4f45-9708-019B960494DF}">
-                <a14:hiddenLine xmlns:a14="http://schemas.microsoft.com/office/drawing/2010/main" xmlns="" w="9525">
+                <a14:hiddenLine xmlns="" xmlns:a14="http://schemas.microsoft.com/office/drawing/2010/main" w="9525">
                   <a:solidFill>
                     <a:srgbClr val="000000"/>
                   </a:solidFill>
@@ -2179,7 +2181,7 @@
             </a:ln>
             <a:extLst>
               <a:ext uri="{91240B29-F687-4f45-9708-019B960494DF}">
-                <a14:hiddenLine xmlns:a14="http://schemas.microsoft.com/office/drawing/2010/main" xmlns="" w="9525">
+                <a14:hiddenLine xmlns="" xmlns:a14="http://schemas.microsoft.com/office/drawing/2010/main" w="9525">
                   <a:solidFill>
                     <a:srgbClr val="000000"/>
                   </a:solidFill>
@@ -2247,7 +2249,7 @@
             </a:ln>
             <a:extLst>
               <a:ext uri="{91240B29-F687-4f45-9708-019B960494DF}">
-                <a14:hiddenLine xmlns:a14="http://schemas.microsoft.com/office/drawing/2010/main" xmlns="" w="9525">
+                <a14:hiddenLine xmlns="" xmlns:a14="http://schemas.microsoft.com/office/drawing/2010/main" w="9525">
                   <a:solidFill>
                     <a:srgbClr val="000000"/>
                   </a:solidFill>
@@ -2337,7 +2339,7 @@
             </a:ln>
             <a:extLst>
               <a:ext uri="{91240B29-F687-4f45-9708-019B960494DF}">
-                <a14:hiddenLine xmlns:a14="http://schemas.microsoft.com/office/drawing/2010/main" xmlns="" w="9525">
+                <a14:hiddenLine xmlns="" xmlns:a14="http://schemas.microsoft.com/office/drawing/2010/main" w="9525">
                   <a:solidFill>
                     <a:srgbClr val="000000"/>
                   </a:solidFill>
@@ -2371,7 +2373,7 @@
             </a:ln>
             <a:extLst>
               <a:ext uri="{91240B29-F687-4f45-9708-019B960494DF}">
-                <a14:hiddenLine xmlns:a14="http://schemas.microsoft.com/office/drawing/2010/main" xmlns="" w="9525">
+                <a14:hiddenLine xmlns="" xmlns:a14="http://schemas.microsoft.com/office/drawing/2010/main" w="9525">
                   <a:solidFill>
                     <a:srgbClr val="000000"/>
                   </a:solidFill>
@@ -2461,7 +2463,7 @@
             </a:ln>
             <a:extLst>
               <a:ext uri="{91240B29-F687-4f45-9708-019B960494DF}">
-                <a14:hiddenLine xmlns:a14="http://schemas.microsoft.com/office/drawing/2010/main" xmlns="" w="9525">
+                <a14:hiddenLine xmlns="" xmlns:a14="http://schemas.microsoft.com/office/drawing/2010/main" w="9525">
                   <a:solidFill>
                     <a:srgbClr val="000000"/>
                   </a:solidFill>
@@ -2523,7 +2525,7 @@
             </a:ln>
             <a:extLst>
               <a:ext uri="{91240B29-F687-4f45-9708-019B960494DF}">
-                <a14:hiddenLine xmlns:a14="http://schemas.microsoft.com/office/drawing/2010/main" xmlns="" w="9525">
+                <a14:hiddenLine xmlns="" xmlns:a14="http://schemas.microsoft.com/office/drawing/2010/main" w="9525">
                   <a:solidFill>
                     <a:srgbClr val="000000"/>
                   </a:solidFill>
@@ -2585,7 +2587,7 @@
             </a:ln>
             <a:extLst>
               <a:ext uri="{91240B29-F687-4f45-9708-019B960494DF}">
-                <a14:hiddenLine xmlns:a14="http://schemas.microsoft.com/office/drawing/2010/main" xmlns="" w="9525">
+                <a14:hiddenLine xmlns="" xmlns:a14="http://schemas.microsoft.com/office/drawing/2010/main" w="9525">
                   <a:solidFill>
                     <a:srgbClr val="000000"/>
                   </a:solidFill>
@@ -2675,7 +2677,7 @@
             </a:ln>
             <a:extLst>
               <a:ext uri="{91240B29-F687-4f45-9708-019B960494DF}">
-                <a14:hiddenLine xmlns:a14="http://schemas.microsoft.com/office/drawing/2010/main" xmlns="" w="9525">
+                <a14:hiddenLine xmlns="" xmlns:a14="http://schemas.microsoft.com/office/drawing/2010/main" w="9525">
                   <a:solidFill>
                     <a:srgbClr val="000000"/>
                   </a:solidFill>
@@ -2743,7 +2745,7 @@
             </a:ln>
             <a:extLst>
               <a:ext uri="{91240B29-F687-4f45-9708-019B960494DF}">
-                <a14:hiddenLine xmlns:a14="http://schemas.microsoft.com/office/drawing/2010/main" xmlns="" w="9525">
+                <a14:hiddenLine xmlns="" xmlns:a14="http://schemas.microsoft.com/office/drawing/2010/main" w="9525">
                   <a:solidFill>
                     <a:srgbClr val="000000"/>
                   </a:solidFill>
@@ -2805,7 +2807,7 @@
             </a:ln>
             <a:extLst>
               <a:ext uri="{91240B29-F687-4f45-9708-019B960494DF}">
-                <a14:hiddenLine xmlns:a14="http://schemas.microsoft.com/office/drawing/2010/main" xmlns="" w="9525">
+                <a14:hiddenLine xmlns="" xmlns:a14="http://schemas.microsoft.com/office/drawing/2010/main" w="9525">
                   <a:solidFill>
                     <a:srgbClr val="000000"/>
                   </a:solidFill>
@@ -2895,7 +2897,7 @@
             </a:ln>
             <a:extLst>
               <a:ext uri="{91240B29-F687-4f45-9708-019B960494DF}">
-                <a14:hiddenLine xmlns:a14="http://schemas.microsoft.com/office/drawing/2010/main" xmlns="" w="9525">
+                <a14:hiddenLine xmlns="" xmlns:a14="http://schemas.microsoft.com/office/drawing/2010/main" w="9525">
                   <a:solidFill>
                     <a:srgbClr val="000000"/>
                   </a:solidFill>
@@ -2957,7 +2959,7 @@
             </a:ln>
             <a:extLst>
               <a:ext uri="{91240B29-F687-4f45-9708-019B960494DF}">
-                <a14:hiddenLine xmlns:a14="http://schemas.microsoft.com/office/drawing/2010/main" xmlns="" w="9525">
+                <a14:hiddenLine xmlns="" xmlns:a14="http://schemas.microsoft.com/office/drawing/2010/main" w="9525">
                   <a:solidFill>
                     <a:srgbClr val="000000"/>
                   </a:solidFill>
@@ -3047,7 +3049,7 @@
             </a:ln>
             <a:extLst>
               <a:ext uri="{91240B29-F687-4f45-9708-019B960494DF}">
-                <a14:hiddenLine xmlns:a14="http://schemas.microsoft.com/office/drawing/2010/main" xmlns="" w="9525">
+                <a14:hiddenLine xmlns="" xmlns:a14="http://schemas.microsoft.com/office/drawing/2010/main" w="9525">
                   <a:solidFill>
                     <a:srgbClr val="000000"/>
                   </a:solidFill>
@@ -3109,7 +3111,7 @@
             </a:ln>
             <a:extLst>
               <a:ext uri="{91240B29-F687-4f45-9708-019B960494DF}">
-                <a14:hiddenLine xmlns:a14="http://schemas.microsoft.com/office/drawing/2010/main" xmlns="" w="9525">
+                <a14:hiddenLine xmlns="" xmlns:a14="http://schemas.microsoft.com/office/drawing/2010/main" w="9525">
                   <a:solidFill>
                     <a:srgbClr val="000000"/>
                   </a:solidFill>
@@ -3199,7 +3201,7 @@
             </a:ln>
             <a:extLst>
               <a:ext uri="{91240B29-F687-4f45-9708-019B960494DF}">
-                <a14:hiddenLine xmlns:a14="http://schemas.microsoft.com/office/drawing/2010/main" xmlns="" w="9525">
+                <a14:hiddenLine xmlns="" xmlns:a14="http://schemas.microsoft.com/office/drawing/2010/main" w="9525">
                   <a:solidFill>
                     <a:srgbClr val="000000"/>
                   </a:solidFill>
@@ -3233,7 +3235,7 @@
             </a:ln>
             <a:extLst>
               <a:ext uri="{91240B29-F687-4f45-9708-019B960494DF}">
-                <a14:hiddenLine xmlns:a14="http://schemas.microsoft.com/office/drawing/2010/main" xmlns="" w="9525">
+                <a14:hiddenLine xmlns="" xmlns:a14="http://schemas.microsoft.com/office/drawing/2010/main" w="9525">
                   <a:solidFill>
                     <a:srgbClr val="000000"/>
                   </a:solidFill>
@@ -3298,7 +3300,7 @@
             </a:ln>
             <a:extLst>
               <a:ext uri="{91240B29-F687-4f45-9708-019B960494DF}">
-                <a14:hiddenLine xmlns:a14="http://schemas.microsoft.com/office/drawing/2010/main" xmlns="" w="9525">
+                <a14:hiddenLine xmlns="" xmlns:a14="http://schemas.microsoft.com/office/drawing/2010/main" w="9525">
                   <a:solidFill>
                     <a:srgbClr val="000000"/>
                   </a:solidFill>
@@ -3388,7 +3390,7 @@
             </a:ln>
             <a:extLst>
               <a:ext uri="{91240B29-F687-4f45-9708-019B960494DF}">
-                <a14:hiddenLine xmlns:a14="http://schemas.microsoft.com/office/drawing/2010/main" xmlns="" w="9525">
+                <a14:hiddenLine xmlns="" xmlns:a14="http://schemas.microsoft.com/office/drawing/2010/main" w="9525">
                   <a:solidFill>
                     <a:srgbClr val="000000"/>
                   </a:solidFill>
@@ -3450,7 +3452,7 @@
             </a:ln>
             <a:extLst>
               <a:ext uri="{91240B29-F687-4f45-9708-019B960494DF}">
-                <a14:hiddenLine xmlns:a14="http://schemas.microsoft.com/office/drawing/2010/main" xmlns="" w="9525">
+                <a14:hiddenLine xmlns="" xmlns:a14="http://schemas.microsoft.com/office/drawing/2010/main" w="9525">
                   <a:solidFill>
                     <a:srgbClr val="000000"/>
                   </a:solidFill>
@@ -3540,7 +3542,7 @@
             </a:ln>
             <a:extLst>
               <a:ext uri="{91240B29-F687-4f45-9708-019B960494DF}">
-                <a14:hiddenLine xmlns:a14="http://schemas.microsoft.com/office/drawing/2010/main" xmlns="" w="9525">
+                <a14:hiddenLine xmlns="" xmlns:a14="http://schemas.microsoft.com/office/drawing/2010/main" w="9525">
                   <a:solidFill>
                     <a:srgbClr val="000000"/>
                   </a:solidFill>
@@ -3630,7 +3632,7 @@
             </a:ln>
             <a:extLst>
               <a:ext uri="{91240B29-F687-4f45-9708-019B960494DF}">
-                <a14:hiddenLine xmlns:a14="http://schemas.microsoft.com/office/drawing/2010/main" xmlns="" w="9525">
+                <a14:hiddenLine xmlns="" xmlns:a14="http://schemas.microsoft.com/office/drawing/2010/main" w="9525">
                   <a:solidFill>
                     <a:srgbClr val="000000"/>
                   </a:solidFill>
@@ -3695,7 +3697,7 @@
             </a:ln>
             <a:extLst>
               <a:ext uri="{91240B29-F687-4f45-9708-019B960494DF}">
-                <a14:hiddenLine xmlns:a14="http://schemas.microsoft.com/office/drawing/2010/main" xmlns="" w="9525">
+                <a14:hiddenLine xmlns="" xmlns:a14="http://schemas.microsoft.com/office/drawing/2010/main" w="9525">
                   <a:solidFill>
                     <a:srgbClr val="000000"/>
                   </a:solidFill>
@@ -3757,7 +3759,7 @@
             </a:ln>
             <a:extLst>
               <a:ext uri="{91240B29-F687-4f45-9708-019B960494DF}">
-                <a14:hiddenLine xmlns:a14="http://schemas.microsoft.com/office/drawing/2010/main" xmlns="" w="9525">
+                <a14:hiddenLine xmlns="" xmlns:a14="http://schemas.microsoft.com/office/drawing/2010/main" w="9525">
                   <a:solidFill>
                     <a:srgbClr val="000000"/>
                   </a:solidFill>
@@ -3847,7 +3849,7 @@
             </a:ln>
             <a:extLst>
               <a:ext uri="{91240B29-F687-4f45-9708-019B960494DF}">
-                <a14:hiddenLine xmlns:a14="http://schemas.microsoft.com/office/drawing/2010/main" xmlns="" w="9525">
+                <a14:hiddenLine xmlns="" xmlns:a14="http://schemas.microsoft.com/office/drawing/2010/main" w="9525">
                   <a:solidFill>
                     <a:srgbClr val="000000"/>
                   </a:solidFill>
@@ -3937,7 +3939,7 @@
             </a:ln>
             <a:extLst>
               <a:ext uri="{91240B29-F687-4f45-9708-019B960494DF}">
-                <a14:hiddenLine xmlns:a14="http://schemas.microsoft.com/office/drawing/2010/main" xmlns="" w="9525">
+                <a14:hiddenLine xmlns="" xmlns:a14="http://schemas.microsoft.com/office/drawing/2010/main" w="9525">
                   <a:solidFill>
                     <a:srgbClr val="000000"/>
                   </a:solidFill>
@@ -3999,7 +4001,7 @@
             </a:ln>
             <a:extLst>
               <a:ext uri="{91240B29-F687-4f45-9708-019B960494DF}">
-                <a14:hiddenLine xmlns:a14="http://schemas.microsoft.com/office/drawing/2010/main" xmlns="" w="9525">
+                <a14:hiddenLine xmlns="" xmlns:a14="http://schemas.microsoft.com/office/drawing/2010/main" w="9525">
                   <a:solidFill>
                     <a:srgbClr val="000000"/>
                   </a:solidFill>
@@ -4119,7 +4121,7 @@
             </a:ln>
             <a:extLst>
               <a:ext uri="{91240B29-F687-4f45-9708-019B960494DF}">
-                <a14:hiddenLine xmlns:a14="http://schemas.microsoft.com/office/drawing/2010/main" xmlns="" w="9525">
+                <a14:hiddenLine xmlns="" xmlns:a14="http://schemas.microsoft.com/office/drawing/2010/main" w="9525">
                   <a:solidFill>
                     <a:srgbClr val="000000"/>
                   </a:solidFill>
@@ -4187,7 +4189,7 @@
             </a:ln>
             <a:extLst>
               <a:ext uri="{91240B29-F687-4f45-9708-019B960494DF}">
-                <a14:hiddenLine xmlns:a14="http://schemas.microsoft.com/office/drawing/2010/main" xmlns="" w="9525">
+                <a14:hiddenLine xmlns="" xmlns:a14="http://schemas.microsoft.com/office/drawing/2010/main" w="9525">
                   <a:solidFill>
                     <a:srgbClr val="000000"/>
                   </a:solidFill>
@@ -4277,7 +4279,7 @@
             </a:ln>
             <a:extLst>
               <a:ext uri="{91240B29-F687-4f45-9708-019B960494DF}">
-                <a14:hiddenLine xmlns:a14="http://schemas.microsoft.com/office/drawing/2010/main" xmlns="" w="9525">
+                <a14:hiddenLine xmlns="" xmlns:a14="http://schemas.microsoft.com/office/drawing/2010/main" w="9525">
                   <a:solidFill>
                     <a:srgbClr val="000000"/>
                   </a:solidFill>
@@ -4480,7 +4482,7 @@
     </p:spTree>
     <p:extLst>
       <p:ext uri="{BB962C8B-B14F-4D97-AF65-F5344CB8AC3E}">
-        <p14:creationId xmlns="" xmlns:p14="http://schemas.microsoft.com/office/powerpoint/2010/main" val="2541265585"/>
+        <p14:creationId xmlns:p14="http://schemas.microsoft.com/office/powerpoint/2010/main" val="2541265585"/>
       </p:ext>
     </p:extLst>
   </p:cSld>
@@ -4739,7 +4741,7 @@
     </p:spTree>
     <p:extLst>
       <p:ext uri="{BB962C8B-B14F-4D97-AF65-F5344CB8AC3E}">
-        <p14:creationId xmlns="" xmlns:p14="http://schemas.microsoft.com/office/powerpoint/2010/main" val="2544190621"/>
+        <p14:creationId xmlns:p14="http://schemas.microsoft.com/office/powerpoint/2010/main" val="2544190621"/>
       </p:ext>
     </p:extLst>
   </p:cSld>
@@ -4937,7 +4939,7 @@
     </p:spTree>
     <p:extLst>
       <p:ext uri="{BB962C8B-B14F-4D97-AF65-F5344CB8AC3E}">
-        <p14:creationId xmlns="" xmlns:p14="http://schemas.microsoft.com/office/powerpoint/2010/main" val="2975966777"/>
+        <p14:creationId xmlns:p14="http://schemas.microsoft.com/office/powerpoint/2010/main" val="2975966777"/>
       </p:ext>
     </p:extLst>
   </p:cSld>
@@ -5440,7 +5442,7 @@
     </p:spTree>
     <p:extLst>
       <p:ext uri="{BB962C8B-B14F-4D97-AF65-F5344CB8AC3E}">
-        <p14:creationId xmlns="" xmlns:p14="http://schemas.microsoft.com/office/powerpoint/2010/main" val="3354276855"/>
+        <p14:creationId xmlns:p14="http://schemas.microsoft.com/office/powerpoint/2010/main" val="3354276855"/>
       </p:ext>
     </p:extLst>
   </p:cSld>
@@ -5638,7 +5640,7 @@
     </p:spTree>
     <p:extLst>
       <p:ext uri="{BB962C8B-B14F-4D97-AF65-F5344CB8AC3E}">
-        <p14:creationId xmlns="" xmlns:p14="http://schemas.microsoft.com/office/powerpoint/2010/main" val="4132265441"/>
+        <p14:creationId xmlns:p14="http://schemas.microsoft.com/office/powerpoint/2010/main" val="4132265441"/>
       </p:ext>
     </p:extLst>
   </p:cSld>
@@ -6186,7 +6188,7 @@
     </p:spTree>
     <p:extLst>
       <p:ext uri="{BB962C8B-B14F-4D97-AF65-F5344CB8AC3E}">
-        <p14:creationId xmlns="" xmlns:p14="http://schemas.microsoft.com/office/powerpoint/2010/main" val="2315095644"/>
+        <p14:creationId xmlns:p14="http://schemas.microsoft.com/office/powerpoint/2010/main" val="2315095644"/>
       </p:ext>
     </p:extLst>
   </p:cSld>
@@ -6908,7 +6910,7 @@
     </p:spTree>
     <p:extLst>
       <p:ext uri="{BB962C8B-B14F-4D97-AF65-F5344CB8AC3E}">
-        <p14:creationId xmlns="" xmlns:p14="http://schemas.microsoft.com/office/powerpoint/2010/main" val="1421624186"/>
+        <p14:creationId xmlns:p14="http://schemas.microsoft.com/office/powerpoint/2010/main" val="1421624186"/>
       </p:ext>
     </p:extLst>
   </p:cSld>
@@ -7080,7 +7082,7 @@
     </p:spTree>
     <p:extLst>
       <p:ext uri="{BB962C8B-B14F-4D97-AF65-F5344CB8AC3E}">
-        <p14:creationId xmlns="" xmlns:p14="http://schemas.microsoft.com/office/powerpoint/2010/main" val="1661556024"/>
+        <p14:creationId xmlns:p14="http://schemas.microsoft.com/office/powerpoint/2010/main" val="1661556024"/>
       </p:ext>
     </p:extLst>
   </p:cSld>
@@ -7262,7 +7264,7 @@
     </p:spTree>
     <p:extLst>
       <p:ext uri="{BB962C8B-B14F-4D97-AF65-F5344CB8AC3E}">
-        <p14:creationId xmlns="" xmlns:p14="http://schemas.microsoft.com/office/powerpoint/2010/main" val="3589033054"/>
+        <p14:creationId xmlns:p14="http://schemas.microsoft.com/office/powerpoint/2010/main" val="3589033054"/>
       </p:ext>
     </p:extLst>
   </p:cSld>
@@ -7434,7 +7436,7 @@
     </p:spTree>
     <p:extLst>
       <p:ext uri="{BB962C8B-B14F-4D97-AF65-F5344CB8AC3E}">
-        <p14:creationId xmlns="" xmlns:p14="http://schemas.microsoft.com/office/powerpoint/2010/main" val="3915662432"/>
+        <p14:creationId xmlns:p14="http://schemas.microsoft.com/office/powerpoint/2010/main" val="3915662432"/>
       </p:ext>
     </p:extLst>
   </p:cSld>
@@ -7686,7 +7688,7 @@
     </p:spTree>
     <p:extLst>
       <p:ext uri="{BB962C8B-B14F-4D97-AF65-F5344CB8AC3E}">
-        <p14:creationId xmlns="" xmlns:p14="http://schemas.microsoft.com/office/powerpoint/2010/main" val="995316123"/>
+        <p14:creationId xmlns:p14="http://schemas.microsoft.com/office/powerpoint/2010/main" val="995316123"/>
       </p:ext>
     </p:extLst>
   </p:cSld>
@@ -7920,7 +7922,7 @@
     </p:spTree>
     <p:extLst>
       <p:ext uri="{BB962C8B-B14F-4D97-AF65-F5344CB8AC3E}">
-        <p14:creationId xmlns="" xmlns:p14="http://schemas.microsoft.com/office/powerpoint/2010/main" val="1100125273"/>
+        <p14:creationId xmlns:p14="http://schemas.microsoft.com/office/powerpoint/2010/main" val="1100125273"/>
       </p:ext>
     </p:extLst>
   </p:cSld>
@@ -8303,7 +8305,7 @@
     </p:spTree>
     <p:extLst>
       <p:ext uri="{BB962C8B-B14F-4D97-AF65-F5344CB8AC3E}">
-        <p14:creationId xmlns="" xmlns:p14="http://schemas.microsoft.com/office/powerpoint/2010/main" val="1129672926"/>
+        <p14:creationId xmlns:p14="http://schemas.microsoft.com/office/powerpoint/2010/main" val="1129672926"/>
       </p:ext>
     </p:extLst>
   </p:cSld>
@@ -8423,7 +8425,7 @@
     </p:spTree>
     <p:extLst>
       <p:ext uri="{BB962C8B-B14F-4D97-AF65-F5344CB8AC3E}">
-        <p14:creationId xmlns="" xmlns:p14="http://schemas.microsoft.com/office/powerpoint/2010/main" val="221260447"/>
+        <p14:creationId xmlns:p14="http://schemas.microsoft.com/office/powerpoint/2010/main" val="221260447"/>
       </p:ext>
     </p:extLst>
   </p:cSld>
@@ -8520,7 +8522,7 @@
     </p:spTree>
     <p:extLst>
       <p:ext uri="{BB962C8B-B14F-4D97-AF65-F5344CB8AC3E}">
-        <p14:creationId xmlns="" xmlns:p14="http://schemas.microsoft.com/office/powerpoint/2010/main" val="4162811991"/>
+        <p14:creationId xmlns:p14="http://schemas.microsoft.com/office/powerpoint/2010/main" val="4162811991"/>
       </p:ext>
     </p:extLst>
   </p:cSld>
@@ -8771,7 +8773,7 @@
     </p:spTree>
     <p:extLst>
       <p:ext uri="{BB962C8B-B14F-4D97-AF65-F5344CB8AC3E}">
-        <p14:creationId xmlns="" xmlns:p14="http://schemas.microsoft.com/office/powerpoint/2010/main" val="3744983550"/>
+        <p14:creationId xmlns:p14="http://schemas.microsoft.com/office/powerpoint/2010/main" val="3744983550"/>
       </p:ext>
     </p:extLst>
   </p:cSld>
@@ -9053,7 +9055,7 @@
     </p:spTree>
     <p:extLst>
       <p:ext uri="{BB962C8B-B14F-4D97-AF65-F5344CB8AC3E}">
-        <p14:creationId xmlns="" xmlns:p14="http://schemas.microsoft.com/office/powerpoint/2010/main" val="386533847"/>
+        <p14:creationId xmlns:p14="http://schemas.microsoft.com/office/powerpoint/2010/main" val="386533847"/>
       </p:ext>
     </p:extLst>
   </p:cSld>
@@ -9098,7 +9100,7 @@
             <a:alphaModFix amt="30000"/>
             <a:extLst>
               <a:ext uri="{28A0092B-C50C-407E-A947-70E740481C1C}">
-                <a14:useLocalDpi xmlns="" xmlns:a14="http://schemas.microsoft.com/office/drawing/2010/main" val="0"/>
+                <a14:useLocalDpi xmlns:a14="http://schemas.microsoft.com/office/drawing/2010/main" val="0"/>
               </a:ext>
             </a:extLst>
           </a:blip>
@@ -9118,7 +9120,7 @@
           <a:noFill/>
           <a:extLst>
             <a:ext uri="{909E8E84-426E-40dd-AFC4-6F175D3DCCD1}">
-              <a14:hiddenFill xmlns:a14="http://schemas.microsoft.com/office/drawing/2010/main" xmlns="">
+              <a14:hiddenFill xmlns="" xmlns:a14="http://schemas.microsoft.com/office/drawing/2010/main">
                 <a:solidFill>
                   <a:srgbClr val="FFFFFF"/>
                 </a:solidFill>
@@ -9192,7 +9194,7 @@
               </a:ln>
               <a:extLst>
                 <a:ext uri="{91240B29-F687-4f45-9708-019B960494DF}">
-                  <a14:hiddenLine xmlns:a14="http://schemas.microsoft.com/office/drawing/2010/main" xmlns="" w="9525">
+                  <a14:hiddenLine xmlns="" xmlns:a14="http://schemas.microsoft.com/office/drawing/2010/main" w="9525">
                     <a:solidFill>
                       <a:srgbClr val="000000"/>
                     </a:solidFill>
@@ -9282,7 +9284,7 @@
               </a:ln>
               <a:extLst>
                 <a:ext uri="{91240B29-F687-4f45-9708-019B960494DF}">
-                  <a14:hiddenLine xmlns:a14="http://schemas.microsoft.com/office/drawing/2010/main" xmlns="" w="9525">
+                  <a14:hiddenLine xmlns="" xmlns:a14="http://schemas.microsoft.com/office/drawing/2010/main" w="9525">
                     <a:solidFill>
                       <a:srgbClr val="000000"/>
                     </a:solidFill>
@@ -9372,7 +9374,7 @@
               </a:ln>
               <a:extLst>
                 <a:ext uri="{91240B29-F687-4f45-9708-019B960494DF}">
-                  <a14:hiddenLine xmlns:a14="http://schemas.microsoft.com/office/drawing/2010/main" xmlns="" w="9525">
+                  <a14:hiddenLine xmlns="" xmlns:a14="http://schemas.microsoft.com/office/drawing/2010/main" w="9525">
                     <a:solidFill>
                       <a:srgbClr val="000000"/>
                     </a:solidFill>
@@ -9434,7 +9436,7 @@
               </a:ln>
               <a:extLst>
                 <a:ext uri="{91240B29-F687-4f45-9708-019B960494DF}">
-                  <a14:hiddenLine xmlns:a14="http://schemas.microsoft.com/office/drawing/2010/main" xmlns="" w="9525">
+                  <a14:hiddenLine xmlns="" xmlns:a14="http://schemas.microsoft.com/office/drawing/2010/main" w="9525">
                     <a:solidFill>
                       <a:srgbClr val="000000"/>
                     </a:solidFill>
@@ -9524,7 +9526,7 @@
               </a:ln>
               <a:extLst>
                 <a:ext uri="{91240B29-F687-4f45-9708-019B960494DF}">
-                  <a14:hiddenLine xmlns:a14="http://schemas.microsoft.com/office/drawing/2010/main" xmlns="" w="9525">
+                  <a14:hiddenLine xmlns="" xmlns:a14="http://schemas.microsoft.com/office/drawing/2010/main" w="9525">
                     <a:solidFill>
                       <a:srgbClr val="000000"/>
                     </a:solidFill>
@@ -9586,7 +9588,7 @@
               </a:ln>
               <a:extLst>
                 <a:ext uri="{91240B29-F687-4f45-9708-019B960494DF}">
-                  <a14:hiddenLine xmlns:a14="http://schemas.microsoft.com/office/drawing/2010/main" xmlns="" w="9525">
+                  <a14:hiddenLine xmlns="" xmlns:a14="http://schemas.microsoft.com/office/drawing/2010/main" w="9525">
                     <a:solidFill>
                       <a:srgbClr val="000000"/>
                     </a:solidFill>
@@ -9648,7 +9650,7 @@
               </a:ln>
               <a:extLst>
                 <a:ext uri="{91240B29-F687-4f45-9708-019B960494DF}">
-                  <a14:hiddenLine xmlns:a14="http://schemas.microsoft.com/office/drawing/2010/main" xmlns="" w="9525">
+                  <a14:hiddenLine xmlns="" xmlns:a14="http://schemas.microsoft.com/office/drawing/2010/main" w="9525">
                     <a:solidFill>
                       <a:srgbClr val="000000"/>
                     </a:solidFill>
@@ -9738,7 +9740,7 @@
               </a:ln>
               <a:extLst>
                 <a:ext uri="{91240B29-F687-4f45-9708-019B960494DF}">
-                  <a14:hiddenLine xmlns:a14="http://schemas.microsoft.com/office/drawing/2010/main" xmlns="" w="9525">
+                  <a14:hiddenLine xmlns="" xmlns:a14="http://schemas.microsoft.com/office/drawing/2010/main" w="9525">
                     <a:solidFill>
                       <a:srgbClr val="000000"/>
                     </a:solidFill>
@@ -9828,7 +9830,7 @@
               </a:ln>
               <a:extLst>
                 <a:ext uri="{91240B29-F687-4f45-9708-019B960494DF}">
-                  <a14:hiddenLine xmlns:a14="http://schemas.microsoft.com/office/drawing/2010/main" xmlns="" w="9525">
+                  <a14:hiddenLine xmlns="" xmlns:a14="http://schemas.microsoft.com/office/drawing/2010/main" w="9525">
                     <a:solidFill>
                       <a:srgbClr val="000000"/>
                     </a:solidFill>
@@ -9890,7 +9892,7 @@
               </a:ln>
               <a:extLst>
                 <a:ext uri="{91240B29-F687-4f45-9708-019B960494DF}">
-                  <a14:hiddenLine xmlns:a14="http://schemas.microsoft.com/office/drawing/2010/main" xmlns="" w="9525">
+                  <a14:hiddenLine xmlns="" xmlns:a14="http://schemas.microsoft.com/office/drawing/2010/main" w="9525">
                     <a:solidFill>
                       <a:srgbClr val="000000"/>
                     </a:solidFill>
@@ -10000,7 +10002,7 @@
               </a:ln>
               <a:extLst>
                 <a:ext uri="{91240B29-F687-4f45-9708-019B960494DF}">
-                  <a14:hiddenLine xmlns:a14="http://schemas.microsoft.com/office/drawing/2010/main" xmlns="" w="9525">
+                  <a14:hiddenLine xmlns="" xmlns:a14="http://schemas.microsoft.com/office/drawing/2010/main" w="9525">
                     <a:solidFill>
                       <a:srgbClr val="000000"/>
                     </a:solidFill>
@@ -10084,7 +10086,7 @@
               </a:ln>
               <a:extLst>
                 <a:ext uri="{91240B29-F687-4f45-9708-019B960494DF}">
-                  <a14:hiddenLine xmlns:a14="http://schemas.microsoft.com/office/drawing/2010/main" xmlns="" w="9525">
+                  <a14:hiddenLine xmlns="" xmlns:a14="http://schemas.microsoft.com/office/drawing/2010/main" w="9525">
                     <a:solidFill>
                       <a:srgbClr val="000000"/>
                     </a:solidFill>
@@ -10146,7 +10148,7 @@
               </a:ln>
               <a:extLst>
                 <a:ext uri="{91240B29-F687-4f45-9708-019B960494DF}">
-                  <a14:hiddenLine xmlns:a14="http://schemas.microsoft.com/office/drawing/2010/main" xmlns="" w="9525">
+                  <a14:hiddenLine xmlns="" xmlns:a14="http://schemas.microsoft.com/office/drawing/2010/main" w="9525">
                     <a:solidFill>
                       <a:srgbClr val="000000"/>
                     </a:solidFill>
@@ -10208,7 +10210,7 @@
               </a:ln>
               <a:extLst>
                 <a:ext uri="{91240B29-F687-4f45-9708-019B960494DF}">
-                  <a14:hiddenLine xmlns:a14="http://schemas.microsoft.com/office/drawing/2010/main" xmlns="" w="9525">
+                  <a14:hiddenLine xmlns="" xmlns:a14="http://schemas.microsoft.com/office/drawing/2010/main" w="9525">
                     <a:solidFill>
                       <a:srgbClr val="000000"/>
                     </a:solidFill>
@@ -10298,7 +10300,7 @@
               </a:ln>
               <a:extLst>
                 <a:ext uri="{91240B29-F687-4f45-9708-019B960494DF}">
-                  <a14:hiddenLine xmlns:a14="http://schemas.microsoft.com/office/drawing/2010/main" xmlns="" w="9525">
+                  <a14:hiddenLine xmlns="" xmlns:a14="http://schemas.microsoft.com/office/drawing/2010/main" w="9525">
                     <a:solidFill>
                       <a:srgbClr val="000000"/>
                     </a:solidFill>
@@ -10332,7 +10334,7 @@
               </a:ln>
               <a:extLst>
                 <a:ext uri="{91240B29-F687-4f45-9708-019B960494DF}">
-                  <a14:hiddenLine xmlns:a14="http://schemas.microsoft.com/office/drawing/2010/main" xmlns="" w="9525">
+                  <a14:hiddenLine xmlns="" xmlns:a14="http://schemas.microsoft.com/office/drawing/2010/main" w="9525">
                     <a:solidFill>
                       <a:srgbClr val="000000"/>
                     </a:solidFill>
@@ -10397,7 +10399,7 @@
               </a:ln>
               <a:extLst>
                 <a:ext uri="{91240B29-F687-4f45-9708-019B960494DF}">
-                  <a14:hiddenLine xmlns:a14="http://schemas.microsoft.com/office/drawing/2010/main" xmlns="" w="9525">
+                  <a14:hiddenLine xmlns="" xmlns:a14="http://schemas.microsoft.com/office/drawing/2010/main" w="9525">
                     <a:solidFill>
                       <a:srgbClr val="000000"/>
                     </a:solidFill>
@@ -10487,7 +10489,7 @@
               </a:ln>
               <a:extLst>
                 <a:ext uri="{91240B29-F687-4f45-9708-019B960494DF}">
-                  <a14:hiddenLine xmlns:a14="http://schemas.microsoft.com/office/drawing/2010/main" xmlns="" w="9525">
+                  <a14:hiddenLine xmlns="" xmlns:a14="http://schemas.microsoft.com/office/drawing/2010/main" w="9525">
                     <a:solidFill>
                       <a:srgbClr val="000000"/>
                     </a:solidFill>
@@ -10549,7 +10551,7 @@
               </a:ln>
               <a:extLst>
                 <a:ext uri="{91240B29-F687-4f45-9708-019B960494DF}">
-                  <a14:hiddenLine xmlns:a14="http://schemas.microsoft.com/office/drawing/2010/main" xmlns="" w="9525">
+                  <a14:hiddenLine xmlns="" xmlns:a14="http://schemas.microsoft.com/office/drawing/2010/main" w="9525">
                     <a:solidFill>
                       <a:srgbClr val="000000"/>
                     </a:solidFill>
@@ -10639,7 +10641,7 @@
               </a:ln>
               <a:extLst>
                 <a:ext uri="{91240B29-F687-4f45-9708-019B960494DF}">
-                  <a14:hiddenLine xmlns:a14="http://schemas.microsoft.com/office/drawing/2010/main" xmlns="" w="9525">
+                  <a14:hiddenLine xmlns="" xmlns:a14="http://schemas.microsoft.com/office/drawing/2010/main" w="9525">
                     <a:solidFill>
                       <a:srgbClr val="000000"/>
                     </a:solidFill>
@@ -10704,7 +10706,7 @@
               </a:ln>
               <a:extLst>
                 <a:ext uri="{91240B29-F687-4f45-9708-019B960494DF}">
-                  <a14:hiddenLine xmlns:a14="http://schemas.microsoft.com/office/drawing/2010/main" xmlns="" w="9525">
+                  <a14:hiddenLine xmlns="" xmlns:a14="http://schemas.microsoft.com/office/drawing/2010/main" w="9525">
                     <a:solidFill>
                       <a:srgbClr val="000000"/>
                     </a:solidFill>
@@ -10766,7 +10768,7 @@
               </a:ln>
               <a:extLst>
                 <a:ext uri="{91240B29-F687-4f45-9708-019B960494DF}">
-                  <a14:hiddenLine xmlns:a14="http://schemas.microsoft.com/office/drawing/2010/main" xmlns="" w="9525">
+                  <a14:hiddenLine xmlns="" xmlns:a14="http://schemas.microsoft.com/office/drawing/2010/main" w="9525">
                     <a:solidFill>
                       <a:srgbClr val="000000"/>
                     </a:solidFill>
@@ -10856,7 +10858,7 @@
               </a:ln>
               <a:extLst>
                 <a:ext uri="{91240B29-F687-4f45-9708-019B960494DF}">
-                  <a14:hiddenLine xmlns:a14="http://schemas.microsoft.com/office/drawing/2010/main" xmlns="" w="9525">
+                  <a14:hiddenLine xmlns="" xmlns:a14="http://schemas.microsoft.com/office/drawing/2010/main" w="9525">
                     <a:solidFill>
                       <a:srgbClr val="000000"/>
                     </a:solidFill>
@@ -10946,7 +10948,7 @@
               </a:ln>
               <a:extLst>
                 <a:ext uri="{91240B29-F687-4f45-9708-019B960494DF}">
-                  <a14:hiddenLine xmlns:a14="http://schemas.microsoft.com/office/drawing/2010/main" xmlns="" w="9525">
+                  <a14:hiddenLine xmlns="" xmlns:a14="http://schemas.microsoft.com/office/drawing/2010/main" w="9525">
                     <a:solidFill>
                       <a:srgbClr val="000000"/>
                     </a:solidFill>
@@ -11011,7 +11013,7 @@
               </a:ln>
               <a:extLst>
                 <a:ext uri="{91240B29-F687-4f45-9708-019B960494DF}">
-                  <a14:hiddenLine xmlns:a14="http://schemas.microsoft.com/office/drawing/2010/main" xmlns="" w="9525">
+                  <a14:hiddenLine xmlns="" xmlns:a14="http://schemas.microsoft.com/office/drawing/2010/main" w="9525">
                     <a:solidFill>
                       <a:srgbClr val="000000"/>
                     </a:solidFill>
@@ -11131,7 +11133,7 @@
               </a:ln>
               <a:extLst>
                 <a:ext uri="{91240B29-F687-4f45-9708-019B960494DF}">
-                  <a14:hiddenLine xmlns:a14="http://schemas.microsoft.com/office/drawing/2010/main" xmlns="" w="9525">
+                  <a14:hiddenLine xmlns="" xmlns:a14="http://schemas.microsoft.com/office/drawing/2010/main" w="9525">
                     <a:solidFill>
                       <a:srgbClr val="000000"/>
                     </a:solidFill>
@@ -11229,7 +11231,7 @@
               </a:ln>
               <a:extLst>
                 <a:ext uri="{91240B29-F687-4f45-9708-019B960494DF}">
-                  <a14:hiddenLine xmlns:a14="http://schemas.microsoft.com/office/drawing/2010/main" xmlns="" w="9525">
+                  <a14:hiddenLine xmlns="" xmlns:a14="http://schemas.microsoft.com/office/drawing/2010/main" w="9525">
                     <a:solidFill>
                       <a:srgbClr val="000000"/>
                     </a:solidFill>
@@ -11344,7 +11346,7 @@
               </a:ln>
               <a:extLst>
                 <a:ext uri="{91240B29-F687-4f45-9708-019B960494DF}">
-                  <a14:hiddenLine xmlns:a14="http://schemas.microsoft.com/office/drawing/2010/main" xmlns="" w="9525">
+                  <a14:hiddenLine xmlns="" xmlns:a14="http://schemas.microsoft.com/office/drawing/2010/main" w="9525">
                     <a:solidFill>
                       <a:srgbClr val="000000"/>
                     </a:solidFill>
@@ -11434,7 +11436,7 @@
               </a:ln>
               <a:extLst>
                 <a:ext uri="{91240B29-F687-4f45-9708-019B960494DF}">
-                  <a14:hiddenLine xmlns:a14="http://schemas.microsoft.com/office/drawing/2010/main" xmlns="" w="9525">
+                  <a14:hiddenLine xmlns="" xmlns:a14="http://schemas.microsoft.com/office/drawing/2010/main" w="9525">
                     <a:solidFill>
                       <a:srgbClr val="000000"/>
                     </a:solidFill>
@@ -11499,7 +11501,7 @@
               </a:ln>
               <a:extLst>
                 <a:ext uri="{91240B29-F687-4f45-9708-019B960494DF}">
-                  <a14:hiddenLine xmlns:a14="http://schemas.microsoft.com/office/drawing/2010/main" xmlns="" w="9525">
+                  <a14:hiddenLine xmlns="" xmlns:a14="http://schemas.microsoft.com/office/drawing/2010/main" w="9525">
                     <a:solidFill>
                       <a:srgbClr val="000000"/>
                     </a:solidFill>
@@ -11589,7 +11591,7 @@
               </a:ln>
               <a:extLst>
                 <a:ext uri="{91240B29-F687-4f45-9708-019B960494DF}">
-                  <a14:hiddenLine xmlns:a14="http://schemas.microsoft.com/office/drawing/2010/main" xmlns="" w="9525">
+                  <a14:hiddenLine xmlns="" xmlns:a14="http://schemas.microsoft.com/office/drawing/2010/main" w="9525">
                     <a:solidFill>
                       <a:srgbClr val="000000"/>
                     </a:solidFill>
@@ -11657,7 +11659,7 @@
               </a:ln>
               <a:extLst>
                 <a:ext uri="{91240B29-F687-4f45-9708-019B960494DF}">
-                  <a14:hiddenLine xmlns:a14="http://schemas.microsoft.com/office/drawing/2010/main" xmlns="" w="9525">
+                  <a14:hiddenLine xmlns="" xmlns:a14="http://schemas.microsoft.com/office/drawing/2010/main" w="9525">
                     <a:solidFill>
                       <a:srgbClr val="000000"/>
                     </a:solidFill>
@@ -11747,7 +11749,7 @@
               </a:ln>
               <a:extLst>
                 <a:ext uri="{91240B29-F687-4f45-9708-019B960494DF}">
-                  <a14:hiddenLine xmlns:a14="http://schemas.microsoft.com/office/drawing/2010/main" xmlns="" w="9525">
+                  <a14:hiddenLine xmlns="" xmlns:a14="http://schemas.microsoft.com/office/drawing/2010/main" w="9525">
                     <a:solidFill>
                       <a:srgbClr val="000000"/>
                     </a:solidFill>
@@ -11815,7 +11817,7 @@
               </a:ln>
               <a:extLst>
                 <a:ext uri="{91240B29-F687-4f45-9708-019B960494DF}">
-                  <a14:hiddenLine xmlns:a14="http://schemas.microsoft.com/office/drawing/2010/main" xmlns="" w="9525">
+                  <a14:hiddenLine xmlns="" xmlns:a14="http://schemas.microsoft.com/office/drawing/2010/main" w="9525">
                     <a:solidFill>
                       <a:srgbClr val="000000"/>
                     </a:solidFill>
@@ -11905,7 +11907,7 @@
               </a:ln>
               <a:extLst>
                 <a:ext uri="{91240B29-F687-4f45-9708-019B960494DF}">
-                  <a14:hiddenLine xmlns:a14="http://schemas.microsoft.com/office/drawing/2010/main" xmlns="" w="9525">
+                  <a14:hiddenLine xmlns="" xmlns:a14="http://schemas.microsoft.com/office/drawing/2010/main" w="9525">
                     <a:solidFill>
                       <a:srgbClr val="000000"/>
                     </a:solidFill>
@@ -11939,7 +11941,7 @@
               </a:ln>
               <a:extLst>
                 <a:ext uri="{91240B29-F687-4f45-9708-019B960494DF}">
-                  <a14:hiddenLine xmlns:a14="http://schemas.microsoft.com/office/drawing/2010/main" xmlns="" w="9525">
+                  <a14:hiddenLine xmlns="" xmlns:a14="http://schemas.microsoft.com/office/drawing/2010/main" w="9525">
                     <a:solidFill>
                       <a:srgbClr val="000000"/>
                     </a:solidFill>
@@ -12168,7 +12170,7 @@
     </p:spTree>
     <p:extLst>
       <p:ext uri="{BB962C8B-B14F-4D97-AF65-F5344CB8AC3E}">
-        <p14:creationId xmlns="" xmlns:p14="http://schemas.microsoft.com/office/powerpoint/2010/main" val="3966273046"/>
+        <p14:creationId xmlns:p14="http://schemas.microsoft.com/office/powerpoint/2010/main" val="3966273046"/>
       </p:ext>
     </p:extLst>
   </p:cSld>
@@ -12558,7 +12560,7 @@
     </p:spTree>
     <p:extLst>
       <p:ext uri="{BB962C8B-B14F-4D97-AF65-F5344CB8AC3E}">
-        <p14:creationId xmlns="" xmlns:p14="http://schemas.microsoft.com/office/powerpoint/2010/main" val="2710052690"/>
+        <p14:creationId xmlns:p14="http://schemas.microsoft.com/office/powerpoint/2010/main" val="2710052690"/>
       </p:ext>
     </p:extLst>
   </p:cSld>
@@ -12602,7 +12604,7 @@
           <a:p>
             <a:r>
               <a:rPr lang="en-US" dirty="0"/>
-              <a:t>Small Test: Continued</a:t>
+              <a:t>Python Libraries</a:t>
             </a:r>
           </a:p>
         </p:txBody>
@@ -12622,16 +12624,34 @@
           <a:bodyPr/>
           <a:lstStyle/>
           <a:p>
-            <a:endParaRPr lang="en-US"/>
+            <a:r>
+              <a:rPr lang="en-US" dirty="0"/>
+              <a:t>We used:</a:t>
+            </a:r>
+          </a:p>
+          <a:p>
+            <a:pPr lvl="1"/>
+            <a:r>
+              <a:rPr lang="en-US" dirty="0" err="1"/>
+              <a:t>Matplotlib</a:t>
+            </a:r>
+            <a:endParaRPr lang="en-US" dirty="0"/>
+          </a:p>
+          <a:p>
+            <a:pPr lvl="1"/>
+            <a:r>
+              <a:rPr lang="en-US" dirty="0" err="1"/>
+              <a:t>NetworkX</a:t>
+            </a:r>
+            <a:endParaRPr lang="en-US" dirty="0"/>
+          </a:p>
+          <a:p>
+            <a:pPr lvl="1"/>
+            <a:endParaRPr lang="en-US" dirty="0"/>
           </a:p>
         </p:txBody>
       </p:sp>
     </p:spTree>
-    <p:extLst>
-      <p:ext uri="{BB962C8B-B14F-4D97-AF65-F5344CB8AC3E}">
-        <p14:creationId xmlns="" xmlns:p14="http://schemas.microsoft.com/office/powerpoint/2010/main" val="2019924356"/>
-      </p:ext>
-    </p:extLst>
   </p:cSld>
   <p:clrMapOvr>
     <a:masterClrMapping/>
@@ -12673,7 +12693,7 @@
           <a:p>
             <a:r>
               <a:rPr lang="en-US" dirty="0"/>
-              <a:t>Example Text file:</a:t>
+              <a:t>Small test:</a:t>
             </a:r>
           </a:p>
         </p:txBody>
@@ -12693,6 +12713,45 @@
           <a:bodyPr/>
           <a:lstStyle/>
           <a:p>
+            <a:r>
+              <a:rPr lang="en-US" dirty="0"/>
+              <a:t>We included:</a:t>
+            </a:r>
+          </a:p>
+          <a:p>
+            <a:pPr>
+              <a:buNone/>
+            </a:pPr>
+            <a:endParaRPr lang="en-US" dirty="0"/>
+          </a:p>
+        </p:txBody>
+      </p:sp>
+      <p:sp>
+        <p:nvSpPr>
+          <p:cNvPr id="8198" name="AutoShape 6" descr="MIA_syth_path_2.0.png"/>
+          <p:cNvSpPr>
+            <a:spLocks noChangeAspect="1" noChangeArrowheads="1"/>
+          </p:cNvSpPr>
+          <p:nvPr/>
+        </p:nvSpPr>
+        <p:spPr bwMode="auto">
+          <a:xfrm>
+            <a:off x="155575" y="-144463"/>
+            <a:ext cx="304800" cy="304801"/>
+          </a:xfrm>
+          <a:prstGeom prst="rect">
+            <a:avLst/>
+          </a:prstGeom>
+          <a:noFill/>
+        </p:spPr>
+        <p:txBody>
+          <a:bodyPr vert="horz" wrap="square" lIns="91440" tIns="45720" rIns="91440" bIns="45720" numCol="1" anchor="t" anchorCtr="0" compatLnSpc="1">
+            <a:prstTxWarp prst="textNoShape">
+              <a:avLst/>
+            </a:prstTxWarp>
+          </a:bodyPr>
+          <a:lstStyle/>
+          <a:p>
             <a:endParaRPr lang="en-US"/>
           </a:p>
         </p:txBody>
@@ -12700,7 +12759,7 @@
     </p:spTree>
     <p:extLst>
       <p:ext uri="{BB962C8B-B14F-4D97-AF65-F5344CB8AC3E}">
-        <p14:creationId xmlns="" xmlns:p14="http://schemas.microsoft.com/office/powerpoint/2010/main" val="3502279941"/>
+        <p14:creationId xmlns:p14="http://schemas.microsoft.com/office/powerpoint/2010/main" val="2777520279"/>
       </p:ext>
     </p:extLst>
   </p:cSld>
@@ -12743,14 +12802,9 @@
           <a:lstStyle/>
           <a:p>
             <a:r>
-              <a:rPr lang="en-US" dirty="0" smtClean="0"/>
-              <a:t>Entering our network</a:t>
-            </a:r>
-            <a:r>
-              <a:rPr lang="en-US" dirty="0" smtClean="0"/>
-              <a:t>:</a:t>
-            </a:r>
-            <a:endParaRPr lang="en-US" dirty="0"/>
+              <a:rPr lang="en-US" dirty="0"/>
+              <a:t>Small Test: Continued</a:t>
+            </a:r>
           </a:p>
         </p:txBody>
       </p:sp>
@@ -12769,64 +12823,14 @@
           <a:bodyPr/>
           <a:lstStyle/>
           <a:p>
-            <a:r>
-              <a:rPr lang="en-US" dirty="0"/>
-              <a:t>Graph</a:t>
-            </a:r>
-          </a:p>
-          <a:p>
-            <a:r>
-              <a:rPr lang="en-US" dirty="0"/>
-              <a:t>Tables</a:t>
-            </a:r>
+            <a:endParaRPr lang="en-US"/>
           </a:p>
         </p:txBody>
       </p:sp>
-      <p:pic>
-        <p:nvPicPr>
-          <p:cNvPr id="5122" name="Picture 2" descr="https://raw.githubusercontent.com/saleisha57/Bioinformatics_Final/master/MIA_synth_graph.png"/>
-          <p:cNvPicPr>
-            <a:picLocks noChangeAspect="1" noChangeArrowheads="1"/>
-          </p:cNvPicPr>
-          <p:nvPr/>
-        </p:nvPicPr>
-        <p:blipFill>
-          <a:blip r:embed="rId2" cstate="print">
-            <a:extLst>
-              <a:ext uri="{28A0092B-C50C-407E-A947-70E740481C1C}">
-                <a14:useLocalDpi xmlns="" xmlns:a14="http://schemas.microsoft.com/office/drawing/2010/main" val="0"/>
-              </a:ext>
-            </a:extLst>
-          </a:blip>
-          <a:srcRect/>
-          <a:stretch>
-            <a:fillRect/>
-          </a:stretch>
-        </p:blipFill>
-        <p:spPr bwMode="auto">
-          <a:xfrm>
-            <a:off x="2514800" y="2249487"/>
-            <a:ext cx="9675610" cy="4608513"/>
-          </a:xfrm>
-          <a:prstGeom prst="rect">
-            <a:avLst/>
-          </a:prstGeom>
-          <a:noFill/>
-          <a:extLst>
-            <a:ext uri="{909E8E84-426E-40DD-AFC4-6F175D3DCCD1}">
-              <a14:hiddenFill xmlns="" xmlns:a14="http://schemas.microsoft.com/office/drawing/2010/main">
-                <a:solidFill>
-                  <a:srgbClr val="FFFFFF"/>
-                </a:solidFill>
-              </a14:hiddenFill>
-            </a:ext>
-          </a:extLst>
-        </p:spPr>
-      </p:pic>
     </p:spTree>
     <p:extLst>
       <p:ext uri="{BB962C8B-B14F-4D97-AF65-F5344CB8AC3E}">
-        <p14:creationId xmlns="" xmlns:p14="http://schemas.microsoft.com/office/powerpoint/2010/main" val="456831878"/>
+        <p14:creationId xmlns:p14="http://schemas.microsoft.com/office/powerpoint/2010/main" val="2019924356"/>
       </p:ext>
     </p:extLst>
   </p:cSld>
@@ -12870,7 +12874,7 @@
           <a:p>
             <a:r>
               <a:rPr lang="en-US" dirty="0"/>
-              <a:t>Running a simulation for N=# generations:</a:t>
+              <a:t>Example Text file:</a:t>
             </a:r>
           </a:p>
         </p:txBody>
@@ -12890,17 +12894,14 @@
           <a:bodyPr/>
           <a:lstStyle/>
           <a:p>
-            <a:r>
-              <a:rPr lang="en-US" dirty="0"/>
-              <a:t>Results image, results per generation.  </a:t>
-            </a:r>
+            <a:endParaRPr lang="en-US"/>
           </a:p>
         </p:txBody>
       </p:sp>
     </p:spTree>
     <p:extLst>
       <p:ext uri="{BB962C8B-B14F-4D97-AF65-F5344CB8AC3E}">
-        <p14:creationId xmlns="" xmlns:p14="http://schemas.microsoft.com/office/powerpoint/2010/main" val="2294797533"/>
+        <p14:creationId xmlns:p14="http://schemas.microsoft.com/office/powerpoint/2010/main" val="3502279941"/>
       </p:ext>
     </p:extLst>
   </p:cSld>
@@ -12944,7 +12945,7 @@
           <a:p>
             <a:r>
               <a:rPr lang="en-US" dirty="0"/>
-              <a:t>Possible Improvements:</a:t>
+              <a:t>Entering our network:</a:t>
             </a:r>
           </a:p>
         </p:txBody>
@@ -12966,50 +12967,62 @@
           <a:p>
             <a:r>
               <a:rPr lang="en-US" dirty="0"/>
-              <a:t>Add in more </a:t>
-            </a:r>
-            <a:r>
-              <a:rPr lang="en-US" i="1" dirty="0"/>
-              <a:t>E. coli </a:t>
-            </a:r>
+              <a:t>Graph</a:t>
+            </a:r>
+          </a:p>
+          <a:p>
             <a:r>
               <a:rPr lang="en-US" dirty="0"/>
-              <a:t>metabolic pathways which used (X) as a substrate to make the model more realistic</a:t>
-            </a:r>
-          </a:p>
-          <a:p>
-            <a:pPr lvl="1"/>
-            <a:r>
-              <a:rPr lang="en-US" dirty="0"/>
-              <a:t>For example, integrate the model network into already developed </a:t>
-            </a:r>
-            <a:r>
-              <a:rPr lang="en-US" i="1" dirty="0"/>
-              <a:t>E. coli </a:t>
-            </a:r>
-            <a:r>
-              <a:rPr lang="en-US" dirty="0"/>
-              <a:t>networks which are available at (blah blah)</a:t>
-            </a:r>
-          </a:p>
-          <a:p>
-            <a:r>
-              <a:rPr lang="en-US" dirty="0"/>
-              <a:t>Allow for asynchronous updating, or kinetic parameter integration</a:t>
-            </a:r>
-          </a:p>
-          <a:p>
-            <a:r>
-              <a:rPr lang="en-US" dirty="0"/>
-              <a:t>Create own graph generator functions, which can handle self-directed edge visualization in graphs</a:t>
+              <a:t>Tables</a:t>
             </a:r>
           </a:p>
         </p:txBody>
       </p:sp>
+      <p:pic>
+        <p:nvPicPr>
+          <p:cNvPr id="5122" name="Picture 2" descr="https://raw.githubusercontent.com/saleisha57/Bioinformatics_Final/master/MIA_synth_graph.png"/>
+          <p:cNvPicPr>
+            <a:picLocks noChangeAspect="1" noChangeArrowheads="1"/>
+          </p:cNvPicPr>
+          <p:nvPr/>
+        </p:nvPicPr>
+        <p:blipFill>
+          <a:blip r:embed="rId2" cstate="print">
+            <a:extLst>
+              <a:ext uri="{28A0092B-C50C-407E-A947-70E740481C1C}">
+                <a14:useLocalDpi xmlns:a14="http://schemas.microsoft.com/office/drawing/2010/main" val="0"/>
+              </a:ext>
+            </a:extLst>
+          </a:blip>
+          <a:srcRect/>
+          <a:stretch>
+            <a:fillRect/>
+          </a:stretch>
+        </p:blipFill>
+        <p:spPr bwMode="auto">
+          <a:xfrm>
+            <a:off x="2514800" y="2249487"/>
+            <a:ext cx="9675610" cy="4608513"/>
+          </a:xfrm>
+          <a:prstGeom prst="rect">
+            <a:avLst/>
+          </a:prstGeom>
+          <a:noFill/>
+          <a:extLst>
+            <a:ext uri="{909E8E84-426E-40DD-AFC4-6F175D3DCCD1}">
+              <a14:hiddenFill xmlns:a14="http://schemas.microsoft.com/office/drawing/2010/main">
+                <a:solidFill>
+                  <a:srgbClr val="FFFFFF"/>
+                </a:solidFill>
+              </a14:hiddenFill>
+            </a:ext>
+          </a:extLst>
+        </p:spPr>
+      </p:pic>
     </p:spTree>
     <p:extLst>
       <p:ext uri="{BB962C8B-B14F-4D97-AF65-F5344CB8AC3E}">
-        <p14:creationId xmlns="" xmlns:p14="http://schemas.microsoft.com/office/powerpoint/2010/main" val="3199426688"/>
+        <p14:creationId xmlns:p14="http://schemas.microsoft.com/office/powerpoint/2010/main" val="456831878"/>
       </p:ext>
     </p:extLst>
   </p:cSld>
@@ -13053,6 +13066,189 @@
           <a:p>
             <a:r>
               <a:rPr lang="en-US" dirty="0"/>
+              <a:t>Running a simulation for N=# generations:</a:t>
+            </a:r>
+          </a:p>
+        </p:txBody>
+      </p:sp>
+      <p:sp>
+        <p:nvSpPr>
+          <p:cNvPr id="3" name="Content Placeholder 2"/>
+          <p:cNvSpPr>
+            <a:spLocks noGrp="1"/>
+          </p:cNvSpPr>
+          <p:nvPr>
+            <p:ph idx="1"/>
+          </p:nvPr>
+        </p:nvSpPr>
+        <p:spPr/>
+        <p:txBody>
+          <a:bodyPr/>
+          <a:lstStyle/>
+          <a:p>
+            <a:r>
+              <a:rPr lang="en-US" dirty="0"/>
+              <a:t>Results image, results per generation.  </a:t>
+            </a:r>
+          </a:p>
+        </p:txBody>
+      </p:sp>
+    </p:spTree>
+    <p:extLst>
+      <p:ext uri="{BB962C8B-B14F-4D97-AF65-F5344CB8AC3E}">
+        <p14:creationId xmlns:p14="http://schemas.microsoft.com/office/powerpoint/2010/main" val="2294797533"/>
+      </p:ext>
+    </p:extLst>
+  </p:cSld>
+  <p:clrMapOvr>
+    <a:masterClrMapping/>
+  </p:clrMapOvr>
+</p:sld>
+</file>
+
+<file path=ppt/slides/slide16.xml><?xml version="1.0" encoding="utf-8"?>
+<p:sld xmlns:a="http://schemas.openxmlformats.org/drawingml/2006/main" xmlns:r="http://schemas.openxmlformats.org/officeDocument/2006/relationships" xmlns:p="http://schemas.openxmlformats.org/presentationml/2006/main">
+  <p:cSld>
+    <p:spTree>
+      <p:nvGrpSpPr>
+        <p:cNvPr id="1" name=""/>
+        <p:cNvGrpSpPr/>
+        <p:nvPr/>
+      </p:nvGrpSpPr>
+      <p:grpSpPr>
+        <a:xfrm>
+          <a:off x="0" y="0"/>
+          <a:ext cx="0" cy="0"/>
+          <a:chOff x="0" y="0"/>
+          <a:chExt cx="0" cy="0"/>
+        </a:xfrm>
+      </p:grpSpPr>
+      <p:sp>
+        <p:nvSpPr>
+          <p:cNvPr id="2" name="Title 1"/>
+          <p:cNvSpPr>
+            <a:spLocks noGrp="1"/>
+          </p:cNvSpPr>
+          <p:nvPr>
+            <p:ph type="title"/>
+          </p:nvPr>
+        </p:nvSpPr>
+        <p:spPr/>
+        <p:txBody>
+          <a:bodyPr/>
+          <a:lstStyle/>
+          <a:p>
+            <a:r>
+              <a:rPr lang="en-US" dirty="0"/>
+              <a:t>Possible Improvements:</a:t>
+            </a:r>
+          </a:p>
+        </p:txBody>
+      </p:sp>
+      <p:sp>
+        <p:nvSpPr>
+          <p:cNvPr id="3" name="Content Placeholder 2"/>
+          <p:cNvSpPr>
+            <a:spLocks noGrp="1"/>
+          </p:cNvSpPr>
+          <p:nvPr>
+            <p:ph idx="1"/>
+          </p:nvPr>
+        </p:nvSpPr>
+        <p:spPr/>
+        <p:txBody>
+          <a:bodyPr/>
+          <a:lstStyle/>
+          <a:p>
+            <a:r>
+              <a:rPr lang="en-US" dirty="0"/>
+              <a:t>Add in more </a:t>
+            </a:r>
+            <a:r>
+              <a:rPr lang="en-US" i="1" dirty="0"/>
+              <a:t>E. coli </a:t>
+            </a:r>
+            <a:r>
+              <a:rPr lang="en-US" dirty="0"/>
+              <a:t>metabolic pathways which used (X) as a substrate to make the model more realistic</a:t>
+            </a:r>
+          </a:p>
+          <a:p>
+            <a:pPr lvl="1"/>
+            <a:r>
+              <a:rPr lang="en-US" dirty="0"/>
+              <a:t>For example, integrate the model network into already developed </a:t>
+            </a:r>
+            <a:r>
+              <a:rPr lang="en-US" i="1" dirty="0"/>
+              <a:t>E. coli </a:t>
+            </a:r>
+            <a:r>
+              <a:rPr lang="en-US" dirty="0"/>
+              <a:t>networks which are available at (blah blah)</a:t>
+            </a:r>
+          </a:p>
+          <a:p>
+            <a:r>
+              <a:rPr lang="en-US" dirty="0"/>
+              <a:t>Allow for asynchronous updating, or kinetic parameter integration</a:t>
+            </a:r>
+          </a:p>
+          <a:p>
+            <a:r>
+              <a:rPr lang="en-US" dirty="0"/>
+              <a:t>Create own graph generator functions, which can handle self-directed edge visualization in graphs</a:t>
+            </a:r>
+          </a:p>
+        </p:txBody>
+      </p:sp>
+    </p:spTree>
+    <p:extLst>
+      <p:ext uri="{BB962C8B-B14F-4D97-AF65-F5344CB8AC3E}">
+        <p14:creationId xmlns:p14="http://schemas.microsoft.com/office/powerpoint/2010/main" val="3199426688"/>
+      </p:ext>
+    </p:extLst>
+  </p:cSld>
+  <p:clrMapOvr>
+    <a:masterClrMapping/>
+  </p:clrMapOvr>
+</p:sld>
+</file>
+
+<file path=ppt/slides/slide17.xml><?xml version="1.0" encoding="utf-8"?>
+<p:sld xmlns:a="http://schemas.openxmlformats.org/drawingml/2006/main" xmlns:r="http://schemas.openxmlformats.org/officeDocument/2006/relationships" xmlns:p="http://schemas.openxmlformats.org/presentationml/2006/main">
+  <p:cSld>
+    <p:spTree>
+      <p:nvGrpSpPr>
+        <p:cNvPr id="1" name=""/>
+        <p:cNvGrpSpPr/>
+        <p:nvPr/>
+      </p:nvGrpSpPr>
+      <p:grpSpPr>
+        <a:xfrm>
+          <a:off x="0" y="0"/>
+          <a:ext cx="0" cy="0"/>
+          <a:chOff x="0" y="0"/>
+          <a:chExt cx="0" cy="0"/>
+        </a:xfrm>
+      </p:grpSpPr>
+      <p:sp>
+        <p:nvSpPr>
+          <p:cNvPr id="2" name="Title 1"/>
+          <p:cNvSpPr>
+            <a:spLocks noGrp="1"/>
+          </p:cNvSpPr>
+          <p:nvPr>
+            <p:ph type="title"/>
+          </p:nvPr>
+        </p:nvSpPr>
+        <p:spPr/>
+        <p:txBody>
+          <a:bodyPr/>
+          <a:lstStyle/>
+          <a:p>
+            <a:r>
+              <a:rPr lang="en-US" dirty="0"/>
               <a:t>Sources:</a:t>
             </a:r>
           </a:p>
@@ -13100,7 +13296,7 @@
     </p:spTree>
     <p:extLst>
       <p:ext uri="{BB962C8B-B14F-4D97-AF65-F5344CB8AC3E}">
-        <p14:creationId xmlns="" xmlns:p14="http://schemas.microsoft.com/office/powerpoint/2010/main" val="821849167"/>
+        <p14:creationId xmlns:p14="http://schemas.microsoft.com/office/powerpoint/2010/main" val="821849167"/>
       </p:ext>
     </p:extLst>
   </p:cSld>
@@ -13137,14 +13333,19 @@
             <p:ph type="title"/>
           </p:nvPr>
         </p:nvSpPr>
-        <p:spPr/>
+        <p:spPr>
+          <a:xfrm>
+            <a:off x="1141413" y="618518"/>
+            <a:ext cx="9905998" cy="1478570"/>
+          </a:xfrm>
+        </p:spPr>
         <p:txBody>
           <a:bodyPr/>
           <a:lstStyle/>
           <a:p>
             <a:r>
               <a:rPr lang="en-US" dirty="0"/>
-              <a:t>Boolean Network Models:</a:t>
+              <a:t>Biological Boolean Network Models:</a:t>
             </a:r>
           </a:p>
         </p:txBody>
@@ -13159,76 +13360,71 @@
             <p:ph idx="1"/>
           </p:nvPr>
         </p:nvSpPr>
-        <p:spPr/>
+        <p:spPr>
+          <a:xfrm>
+            <a:off x="649043" y="2221351"/>
+            <a:ext cx="6947511" cy="4417987"/>
+          </a:xfrm>
+        </p:spPr>
         <p:txBody>
-          <a:bodyPr/>
+          <a:bodyPr>
+            <a:normAutofit/>
+          </a:bodyPr>
           <a:lstStyle/>
           <a:p>
-            <a:pPr marL="0" indent="0">
-              <a:buNone/>
-            </a:pPr>
-            <a:r>
-              <a:rPr lang="en-US" dirty="0" smtClean="0"/>
-              <a:t>Description: A model is created where the interactions of the nodes depend on the activation of the others.</a:t>
-            </a:r>
-          </a:p>
-          <a:p>
-            <a:pPr marL="0" indent="0">
-              <a:buNone/>
-            </a:pPr>
-            <a:r>
-              <a:rPr lang="en-US" dirty="0" smtClean="0"/>
-              <a:t>-The model is created through probabilities set by truth tables.</a:t>
-            </a:r>
-            <a:endParaRPr lang="en-US" dirty="0"/>
+            <a:r>
+              <a:rPr lang="en-US" dirty="0"/>
+              <a:t>A directed network graph where each node represents a gene, gene product, or input compound which can be either ‘on’ (1) or ‘off’ (0).</a:t>
+            </a:r>
+          </a:p>
+          <a:p>
+            <a:r>
+              <a:rPr lang="en-US" dirty="0"/>
+              <a:t>The ‘on’ or ‘off’ state is determined by Boolean functions which use ‘on’/’off’ states of nodes pointing to or inhibiting the node.</a:t>
+            </a:r>
+          </a:p>
+          <a:p>
+            <a:r>
+              <a:rPr lang="en-US" dirty="0"/>
+              <a:t>Variety of update schemes, methods: truth tables, stochastic models, threshold functions, etc.</a:t>
+            </a:r>
           </a:p>
         </p:txBody>
       </p:sp>
       <p:pic>
         <p:nvPicPr>
-          <p:cNvPr id="1032" name="Picture 8" descr="Image result for truth table"/>
+          <p:cNvPr id="7" name="Picture 6" descr="A picture containing text, map&#10;&#10;Description generated with very high confidence"/>
           <p:cNvPicPr>
-            <a:picLocks noChangeAspect="1" noChangeArrowheads="1"/>
+            <a:picLocks noChangeAspect="1"/>
           </p:cNvPicPr>
           <p:nvPr/>
         </p:nvPicPr>
         <p:blipFill>
-          <a:blip r:embed="rId2" cstate="print">
+          <a:blip r:embed="rId2">
             <a:extLst>
               <a:ext uri="{28A0092B-C50C-407E-A947-70E740481C1C}">
-                <a14:useLocalDpi xmlns="" xmlns:a14="http://schemas.microsoft.com/office/drawing/2010/main" val="0"/>
+                <a14:useLocalDpi xmlns:a14="http://schemas.microsoft.com/office/drawing/2010/main" val="0"/>
               </a:ext>
             </a:extLst>
           </a:blip>
-          <a:srcRect/>
           <a:stretch>
             <a:fillRect/>
           </a:stretch>
         </p:blipFill>
-        <p:spPr bwMode="auto">
+        <p:spPr>
           <a:xfrm>
-            <a:off x="7635834" y="3863946"/>
-            <a:ext cx="4556166" cy="2994053"/>
+            <a:off x="7596554" y="1903300"/>
+            <a:ext cx="4438650" cy="4314825"/>
           </a:xfrm>
           <a:prstGeom prst="rect">
             <a:avLst/>
           </a:prstGeom>
-          <a:noFill/>
-          <a:extLst>
-            <a:ext uri="{909E8E84-426E-40DD-AFC4-6F175D3DCCD1}">
-              <a14:hiddenFill xmlns="" xmlns:a14="http://schemas.microsoft.com/office/drawing/2010/main">
-                <a:solidFill>
-                  <a:srgbClr val="FFFFFF"/>
-                </a:solidFill>
-              </a14:hiddenFill>
-            </a:ext>
-          </a:extLst>
         </p:spPr>
       </p:pic>
     </p:spTree>
     <p:extLst>
       <p:ext uri="{BB962C8B-B14F-4D97-AF65-F5344CB8AC3E}">
-        <p14:creationId xmlns="" xmlns:p14="http://schemas.microsoft.com/office/powerpoint/2010/main" val="1011299987"/>
+        <p14:creationId xmlns:p14="http://schemas.microsoft.com/office/powerpoint/2010/main" val="1011299987"/>
       </p:ext>
     </p:extLst>
   </p:cSld>
@@ -13270,149 +13466,40 @@
           <a:bodyPr/>
           <a:lstStyle/>
           <a:p>
-            <a:r>
-              <a:rPr lang="en-US" dirty="0"/>
-              <a:t>Applications</a:t>
-            </a:r>
-          </a:p>
-        </p:txBody>
-      </p:sp>
-      <p:sp>
-        <p:nvSpPr>
-          <p:cNvPr id="3" name="Content Placeholder 2"/>
-          <p:cNvSpPr>
-            <a:spLocks noGrp="1"/>
-          </p:cNvSpPr>
-          <p:nvPr>
-            <p:ph idx="1"/>
-          </p:nvPr>
-        </p:nvSpPr>
-        <p:spPr/>
-        <p:txBody>
-          <a:bodyPr/>
-          <a:lstStyle/>
-          <a:p>
-            <a:r>
-              <a:rPr lang="en-US" dirty="0"/>
-              <a:t>Cancer research</a:t>
-            </a:r>
-          </a:p>
-          <a:p>
-            <a:r>
-              <a:rPr lang="en-US" dirty="0"/>
-              <a:t>Signaling network research</a:t>
-            </a:r>
-          </a:p>
-          <a:p>
-            <a:r>
-              <a:rPr lang="en-US" i="1" dirty="0"/>
-              <a:t>In silico </a:t>
-            </a:r>
-            <a:r>
-              <a:rPr lang="en-US" dirty="0"/>
-              <a:t>models of potential knock out effects</a:t>
-            </a:r>
-          </a:p>
-          <a:p>
-            <a:r>
-              <a:rPr lang="en-US" dirty="0"/>
-              <a:t>Help run simulations to determine new investigatory pathways</a:t>
-            </a:r>
-          </a:p>
-          <a:p>
-            <a:pPr marL="0" indent="0">
-              <a:buNone/>
-            </a:pPr>
             <a:endParaRPr lang="en-US" dirty="0"/>
           </a:p>
         </p:txBody>
       </p:sp>
       <p:pic>
         <p:nvPicPr>
-          <p:cNvPr id="4098" name="Picture 2" descr="Image result for cancer research"/>
+          <p:cNvPr id="4" name="Content Placeholder 3"/>
           <p:cNvPicPr>
-            <a:picLocks noChangeAspect="1" noChangeArrowheads="1"/>
+            <a:picLocks noGrp="1" noChangeAspect="1"/>
           </p:cNvPicPr>
-          <p:nvPr/>
+          <p:nvPr>
+            <p:ph idx="1"/>
+          </p:nvPr>
         </p:nvPicPr>
         <p:blipFill>
-          <a:blip r:embed="rId2" cstate="print">
-            <a:extLst>
-              <a:ext uri="{28A0092B-C50C-407E-A947-70E740481C1C}">
-                <a14:useLocalDpi xmlns="" xmlns:a14="http://schemas.microsoft.com/office/drawing/2010/main" val="0"/>
-              </a:ext>
-            </a:extLst>
-          </a:blip>
-          <a:srcRect/>
+          <a:blip r:embed="rId2"/>
           <a:stretch>
             <a:fillRect/>
           </a:stretch>
         </p:blipFill>
-        <p:spPr bwMode="auto">
+        <p:spPr>
           <a:xfrm>
-            <a:off x="4991560" y="11958"/>
-            <a:ext cx="7200440" cy="3300201"/>
+            <a:off x="3817359" y="2523646"/>
+            <a:ext cx="4554107" cy="2993395"/>
           </a:xfrm>
           <a:prstGeom prst="rect">
             <a:avLst/>
           </a:prstGeom>
-          <a:noFill/>
-          <a:extLst>
-            <a:ext uri="{909E8E84-426E-40DD-AFC4-6F175D3DCCD1}">
-              <a14:hiddenFill xmlns="" xmlns:a14="http://schemas.microsoft.com/office/drawing/2010/main">
-                <a:solidFill>
-                  <a:srgbClr val="FFFFFF"/>
-                </a:solidFill>
-              </a14:hiddenFill>
-            </a:ext>
-          </a:extLst>
-        </p:spPr>
-      </p:pic>
-      <p:pic>
-        <p:nvPicPr>
-          <p:cNvPr id="4100" name="Picture 4" descr="Image result for signaling networks"/>
-          <p:cNvPicPr>
-            <a:picLocks noChangeAspect="1" noChangeArrowheads="1"/>
-          </p:cNvPicPr>
-          <p:nvPr/>
-        </p:nvPicPr>
-        <p:blipFill>
-          <a:blip r:embed="rId3" cstate="print">
-            <a:extLst>
-              <a:ext uri="{28A0092B-C50C-407E-A947-70E740481C1C}">
-                <a14:useLocalDpi xmlns="" xmlns:a14="http://schemas.microsoft.com/office/drawing/2010/main" val="0"/>
-              </a:ext>
-            </a:extLst>
-          </a:blip>
-          <a:srcRect/>
-          <a:stretch>
-            <a:fillRect/>
-          </a:stretch>
-        </p:blipFill>
-        <p:spPr bwMode="auto">
-          <a:xfrm>
-            <a:off x="9144000" y="3810000"/>
-            <a:ext cx="3048000" cy="3048000"/>
-          </a:xfrm>
-          <a:prstGeom prst="rect">
-            <a:avLst/>
-          </a:prstGeom>
-          <a:noFill/>
-          <a:extLst>
-            <a:ext uri="{909E8E84-426E-40DD-AFC4-6F175D3DCCD1}">
-              <a14:hiddenFill xmlns="" xmlns:a14="http://schemas.microsoft.com/office/drawing/2010/main">
-                <a:solidFill>
-                  <a:srgbClr val="FFFFFF"/>
-                </a:solidFill>
-              </a14:hiddenFill>
-            </a:ext>
-          </a:extLst>
         </p:spPr>
       </p:pic>
     </p:spTree>
     <p:extLst>
       <p:ext uri="{BB962C8B-B14F-4D97-AF65-F5344CB8AC3E}">
-        <p14:creationId xmlns="" xmlns:p14="http://schemas.microsoft.com/office/powerpoint/2010/main" val="2385430752"/>
+        <p14:creationId xmlns:p14="http://schemas.microsoft.com/office/powerpoint/2010/main" val="1455778391"/>
       </p:ext>
     </p:extLst>
   </p:cSld>
@@ -13456,17 +13543,8 @@
           <a:p>
             <a:r>
               <a:rPr lang="en-US" dirty="0"/>
-              <a:t>Genetically Modified </a:t>
-            </a:r>
-            <a:r>
-              <a:rPr lang="en-US" i="1" dirty="0"/>
-              <a:t>E. </a:t>
-            </a:r>
-            <a:r>
-              <a:rPr lang="en-US" i="1"/>
-              <a:t>coli:</a:t>
-            </a:r>
-            <a:endParaRPr lang="en-US"/>
+              <a:t>Applications</a:t>
+            </a:r>
           </a:p>
         </p:txBody>
       </p:sp>
@@ -13480,47 +13558,54 @@
             <p:ph idx="1"/>
           </p:nvPr>
         </p:nvSpPr>
-        <p:spPr/>
+        <p:spPr>
+          <a:xfrm>
+            <a:off x="980662" y="2372139"/>
+            <a:ext cx="6440555" cy="3869634"/>
+          </a:xfrm>
+        </p:spPr>
         <p:txBody>
           <a:bodyPr/>
           <a:lstStyle/>
           <a:p>
             <a:r>
               <a:rPr lang="en-US" dirty="0"/>
-              <a:t>Medical Modifications</a:t>
-            </a:r>
-          </a:p>
-          <a:p>
-            <a:pPr lvl="1"/>
+              <a:t>Cancer research:</a:t>
+            </a:r>
+          </a:p>
+          <a:p>
             <a:r>
               <a:rPr lang="en-US" dirty="0"/>
-              <a:t>Creates medicines such as insulin, opiates, and vaccines.</a:t>
-            </a:r>
-          </a:p>
-          <a:p>
-            <a:pPr lvl="1">
+              <a:t>Signaling network research: </a:t>
+            </a:r>
+          </a:p>
+          <a:p>
+            <a:r>
+              <a:rPr lang="en-US" i="1" dirty="0"/>
+              <a:t>In silico </a:t>
+            </a:r>
+            <a:r>
+              <a:rPr lang="en-US" dirty="0"/>
+              <a:t>models of potential knock out effects:</a:t>
+            </a:r>
+          </a:p>
+          <a:p>
+            <a:r>
+              <a:rPr lang="en-US" dirty="0"/>
+              <a:t>Help run simulations to determine new investigatory pathways</a:t>
+            </a:r>
+          </a:p>
+          <a:p>
+            <a:pPr marL="0" indent="0">
               <a:buNone/>
             </a:pPr>
             <a:endParaRPr lang="en-US" dirty="0"/>
-          </a:p>
-          <a:p>
-            <a:r>
-              <a:rPr lang="en-US" dirty="0"/>
-              <a:t>Biotechnology Modifications</a:t>
-            </a:r>
-          </a:p>
-          <a:p>
-            <a:pPr lvl="1"/>
-            <a:r>
-              <a:rPr lang="en-US" dirty="0"/>
-              <a:t>Use of biotechnology to produce medicine from bacteria</a:t>
-            </a:r>
           </a:p>
         </p:txBody>
       </p:sp>
       <p:pic>
         <p:nvPicPr>
-          <p:cNvPr id="2050" name="Picture 2" descr="Image result for chemical morphine"/>
+          <p:cNvPr id="4098" name="Picture 2" descr="Image result for cancer research"/>
           <p:cNvPicPr>
             <a:picLocks noChangeAspect="1" noChangeArrowheads="1"/>
           </p:cNvPicPr>
@@ -13530,7 +13615,7 @@
           <a:blip r:embed="rId2" cstate="print">
             <a:extLst>
               <a:ext uri="{28A0092B-C50C-407E-A947-70E740481C1C}">
-                <a14:useLocalDpi xmlns="" xmlns:a14="http://schemas.microsoft.com/office/drawing/2010/main" val="0"/>
+                <a14:useLocalDpi xmlns:a14="http://schemas.microsoft.com/office/drawing/2010/main" val="0"/>
               </a:ext>
             </a:extLst>
           </a:blip>
@@ -13541,8 +13626,8 @@
         </p:blipFill>
         <p:spPr bwMode="auto">
           <a:xfrm>
-            <a:off x="8981342" y="66100"/>
-            <a:ext cx="3210658" cy="2729059"/>
+            <a:off x="6520070" y="11959"/>
+            <a:ext cx="5671930" cy="2599634"/>
           </a:xfrm>
           <a:prstGeom prst="rect">
             <a:avLst/>
@@ -13550,7 +13635,7 @@
           <a:noFill/>
           <a:extLst>
             <a:ext uri="{909E8E84-426E-40DD-AFC4-6F175D3DCCD1}">
-              <a14:hiddenFill xmlns="" xmlns:a14="http://schemas.microsoft.com/office/drawing/2010/main">
+              <a14:hiddenFill xmlns:a14="http://schemas.microsoft.com/office/drawing/2010/main">
                 <a:solidFill>
                   <a:srgbClr val="FFFFFF"/>
                 </a:solidFill>
@@ -13561,7 +13646,7 @@
       </p:pic>
       <p:pic>
         <p:nvPicPr>
-          <p:cNvPr id="2054" name="Picture 6" descr="Image result for chemical structure of insulin protein"/>
+          <p:cNvPr id="4100" name="Picture 4" descr="Image result for signaling networks"/>
           <p:cNvPicPr>
             <a:picLocks noChangeAspect="1" noChangeArrowheads="1"/>
           </p:cNvPicPr>
@@ -13571,7 +13656,7 @@
           <a:blip r:embed="rId3" cstate="print">
             <a:extLst>
               <a:ext uri="{28A0092B-C50C-407E-A947-70E740481C1C}">
-                <a14:useLocalDpi xmlns="" xmlns:a14="http://schemas.microsoft.com/office/drawing/2010/main" val="0"/>
+                <a14:useLocalDpi xmlns:a14="http://schemas.microsoft.com/office/drawing/2010/main" val="0"/>
               </a:ext>
             </a:extLst>
           </a:blip>
@@ -13582,8 +13667,8 @@
         </p:blipFill>
         <p:spPr bwMode="auto">
           <a:xfrm>
-            <a:off x="7447280" y="2586776"/>
-            <a:ext cx="4539709" cy="4433783"/>
+            <a:off x="7999411" y="2908852"/>
+            <a:ext cx="3048000" cy="3048000"/>
           </a:xfrm>
           <a:prstGeom prst="rect">
             <a:avLst/>
@@ -13591,7 +13676,7 @@
           <a:noFill/>
           <a:extLst>
             <a:ext uri="{909E8E84-426E-40DD-AFC4-6F175D3DCCD1}">
-              <a14:hiddenFill xmlns="" xmlns:a14="http://schemas.microsoft.com/office/drawing/2010/main">
+              <a14:hiddenFill xmlns:a14="http://schemas.microsoft.com/office/drawing/2010/main">
                 <a:solidFill>
                   <a:srgbClr val="FFFFFF"/>
                 </a:solidFill>
@@ -13603,7 +13688,7 @@
     </p:spTree>
     <p:extLst>
       <p:ext uri="{BB962C8B-B14F-4D97-AF65-F5344CB8AC3E}">
-        <p14:creationId xmlns="" xmlns:p14="http://schemas.microsoft.com/office/powerpoint/2010/main" val="2801886200"/>
+        <p14:creationId xmlns:p14="http://schemas.microsoft.com/office/powerpoint/2010/main" val="2385430752"/>
       </p:ext>
     </p:extLst>
   </p:cSld>
@@ -13647,16 +13732,17 @@
           <a:p>
             <a:r>
               <a:rPr lang="en-US" dirty="0"/>
-              <a:t>Our pathway:  </a:t>
+              <a:t>Genetically Modified </a:t>
             </a:r>
             <a:r>
               <a:rPr lang="en-US" i="1" dirty="0"/>
-              <a:t>E. coli</a:t>
-            </a:r>
-            <a:r>
-              <a:rPr lang="en-US" dirty="0"/>
-              <a:t> transgene opiate synthesis</a:t>
-            </a:r>
+              <a:t>E. </a:t>
+            </a:r>
+            <a:r>
+              <a:rPr lang="en-US" i="1"/>
+              <a:t>coli:</a:t>
+            </a:r>
+            <a:endParaRPr lang="en-US"/>
           </a:p>
         </p:txBody>
       </p:sp>
@@ -13677,14 +13763,14 @@
           <a:p>
             <a:r>
               <a:rPr lang="en-US" dirty="0"/>
-              <a:t>Discovered by Bioengineers at Kyoto University:</a:t>
+              <a:t>Medical Modifications</a:t>
             </a:r>
           </a:p>
           <a:p>
             <a:pPr lvl="1"/>
             <a:r>
               <a:rPr lang="en-US" dirty="0"/>
-              <a:t>Performed modifications by splicing genes from other bacteria.</a:t>
+              <a:t>Creates medicines such as insulin, opiates, and vaccines.</a:t>
             </a:r>
           </a:p>
           <a:p>
@@ -13696,32 +13782,21 @@
           <a:p>
             <a:r>
               <a:rPr lang="en-US" dirty="0"/>
-              <a:t>Enzymes from Opium poppies and genes from other Bacteria Spliced into E. coli:</a:t>
+              <a:t>Biotechnology Modifications</a:t>
             </a:r>
           </a:p>
           <a:p>
             <a:pPr lvl="1"/>
             <a:r>
-              <a:rPr lang="en-US" dirty="0" err="1"/>
-              <a:t>Coptis</a:t>
-            </a:r>
-            <a:r>
               <a:rPr lang="en-US" dirty="0"/>
-              <a:t> Japonica(Opium poppies) – Enzymes added from this plant.</a:t>
-            </a:r>
-          </a:p>
-          <a:p>
-            <a:pPr lvl="1"/>
-            <a:r>
-              <a:rPr lang="en-US" dirty="0"/>
-              <a:t>Arabidopsis(Opium poppies) – Enzymes added from this plant.</a:t>
+              <a:t>Use of biotechnology to produce medicine from bacteria</a:t>
             </a:r>
           </a:p>
         </p:txBody>
       </p:sp>
       <p:pic>
         <p:nvPicPr>
-          <p:cNvPr id="3074" name="Picture 2" descr="Image result for Coptis Japonica"/>
+          <p:cNvPr id="2050" name="Picture 2" descr="Image result for chemical morphine"/>
           <p:cNvPicPr>
             <a:picLocks noChangeAspect="1" noChangeArrowheads="1"/>
           </p:cNvPicPr>
@@ -13731,7 +13806,7 @@
           <a:blip r:embed="rId2" cstate="print">
             <a:extLst>
               <a:ext uri="{28A0092B-C50C-407E-A947-70E740481C1C}">
-                <a14:useLocalDpi xmlns="" xmlns:a14="http://schemas.microsoft.com/office/drawing/2010/main" val="0"/>
+                <a14:useLocalDpi xmlns:a14="http://schemas.microsoft.com/office/drawing/2010/main" val="0"/>
               </a:ext>
             </a:extLst>
           </a:blip>
@@ -13742,8 +13817,8 @@
         </p:blipFill>
         <p:spPr bwMode="auto">
           <a:xfrm>
-            <a:off x="9052560" y="1268412"/>
-            <a:ext cx="3153181" cy="2522545"/>
+            <a:off x="8981342" y="66100"/>
+            <a:ext cx="3210658" cy="2729059"/>
           </a:xfrm>
           <a:prstGeom prst="rect">
             <a:avLst/>
@@ -13751,7 +13826,7 @@
           <a:noFill/>
           <a:extLst>
             <a:ext uri="{909E8E84-426E-40DD-AFC4-6F175D3DCCD1}">
-              <a14:hiddenFill xmlns="" xmlns:a14="http://schemas.microsoft.com/office/drawing/2010/main">
+              <a14:hiddenFill xmlns:a14="http://schemas.microsoft.com/office/drawing/2010/main">
                 <a:solidFill>
                   <a:srgbClr val="FFFFFF"/>
                 </a:solidFill>
@@ -13762,7 +13837,7 @@
       </p:pic>
       <p:pic>
         <p:nvPicPr>
-          <p:cNvPr id="3076" name="Picture 4" descr="Image result for Arabidopsis"/>
+          <p:cNvPr id="2054" name="Picture 6" descr="Image result for chemical structure of insulin protein"/>
           <p:cNvPicPr>
             <a:picLocks noChangeAspect="1" noChangeArrowheads="1"/>
           </p:cNvPicPr>
@@ -13772,7 +13847,7 @@
           <a:blip r:embed="rId3" cstate="print">
             <a:extLst>
               <a:ext uri="{28A0092B-C50C-407E-A947-70E740481C1C}">
-                <a14:useLocalDpi xmlns="" xmlns:a14="http://schemas.microsoft.com/office/drawing/2010/main" val="0"/>
+                <a14:useLocalDpi xmlns:a14="http://schemas.microsoft.com/office/drawing/2010/main" val="0"/>
               </a:ext>
             </a:extLst>
           </a:blip>
@@ -13783,8 +13858,8 @@
         </p:blipFill>
         <p:spPr bwMode="auto">
           <a:xfrm>
-            <a:off x="8717280" y="4241653"/>
-            <a:ext cx="3488461" cy="2616347"/>
+            <a:off x="7447280" y="2586776"/>
+            <a:ext cx="4539709" cy="4433783"/>
           </a:xfrm>
           <a:prstGeom prst="rect">
             <a:avLst/>
@@ -13792,7 +13867,7 @@
           <a:noFill/>
           <a:extLst>
             <a:ext uri="{909E8E84-426E-40DD-AFC4-6F175D3DCCD1}">
-              <a14:hiddenFill xmlns="" xmlns:a14="http://schemas.microsoft.com/office/drawing/2010/main">
+              <a14:hiddenFill xmlns:a14="http://schemas.microsoft.com/office/drawing/2010/main">
                 <a:solidFill>
                   <a:srgbClr val="FFFFFF"/>
                 </a:solidFill>
@@ -13804,7 +13879,7 @@
     </p:spTree>
     <p:extLst>
       <p:ext uri="{BB962C8B-B14F-4D97-AF65-F5344CB8AC3E}">
-        <p14:creationId xmlns="" xmlns:p14="http://schemas.microsoft.com/office/powerpoint/2010/main" val="130083780"/>
+        <p14:creationId xmlns:p14="http://schemas.microsoft.com/office/powerpoint/2010/main" val="2801886200"/>
       </p:ext>
     </p:extLst>
   </p:cSld>
@@ -13847,18 +13922,17 @@
           <a:lstStyle/>
           <a:p>
             <a:r>
-              <a:rPr lang="en-US" dirty="0" smtClean="0"/>
-              <a:t>Pathway in </a:t>
-            </a:r>
-            <a:r>
-              <a:rPr lang="en-US" dirty="0" err="1" smtClean="0"/>
-              <a:t>Soandso</a:t>
-            </a:r>
-            <a:r>
-              <a:rPr lang="en-US" dirty="0" smtClean="0"/>
-              <a:t> et al.’s work:</a:t>
-            </a:r>
-            <a:endParaRPr lang="en-US" dirty="0"/>
+              <a:rPr lang="en-US" dirty="0"/>
+              <a:t>Our pathway:  </a:t>
+            </a:r>
+            <a:r>
+              <a:rPr lang="en-US" i="1" dirty="0"/>
+              <a:t>E. coli</a:t>
+            </a:r>
+            <a:r>
+              <a:rPr lang="en-US" dirty="0"/>
+              <a:t> transgene opiate synthesis</a:t>
+            </a:r>
           </a:p>
         </p:txBody>
       </p:sp>
@@ -13877,20 +13951,66 @@
           <a:bodyPr/>
           <a:lstStyle/>
           <a:p>
-            <a:endParaRPr lang="en-US"/>
+            <a:r>
+              <a:rPr lang="en-US" dirty="0"/>
+              <a:t>Discovered by Bioengineers at Kyoto University:</a:t>
+            </a:r>
+          </a:p>
+          <a:p>
+            <a:pPr lvl="1"/>
+            <a:r>
+              <a:rPr lang="en-US" dirty="0"/>
+              <a:t>Performed modifications by splicing genes from plants, .</a:t>
+            </a:r>
+          </a:p>
+          <a:p>
+            <a:pPr lvl="1">
+              <a:buNone/>
+            </a:pPr>
+            <a:endParaRPr lang="en-US" dirty="0"/>
+          </a:p>
+          <a:p>
+            <a:r>
+              <a:rPr lang="en-US" dirty="0"/>
+              <a:t>Enzymes from Opium poppies and genes from other Bacteria Spliced into E. coli:</a:t>
+            </a:r>
+          </a:p>
+          <a:p>
+            <a:pPr lvl="1"/>
+            <a:r>
+              <a:rPr lang="en-US" dirty="0" err="1"/>
+              <a:t>Coptis</a:t>
+            </a:r>
+            <a:r>
+              <a:rPr lang="en-US" dirty="0"/>
+              <a:t> Japonica(Opium poppies) – Enzymes added from this plant.</a:t>
+            </a:r>
+          </a:p>
+          <a:p>
+            <a:pPr lvl="1"/>
+            <a:r>
+              <a:rPr lang="en-US" dirty="0"/>
+              <a:t>Arabidopsis(Opium poppies) – Enzymes added from this plant.</a:t>
+            </a:r>
           </a:p>
         </p:txBody>
       </p:sp>
       <p:pic>
         <p:nvPicPr>
-          <p:cNvPr id="4" name="Picture 2" descr="Figure 3. "/>
+          <p:cNvPr id="3074" name="Picture 2" descr="Image result for Coptis Japonica"/>
           <p:cNvPicPr>
             <a:picLocks noChangeAspect="1" noChangeArrowheads="1"/>
           </p:cNvPicPr>
           <p:nvPr/>
         </p:nvPicPr>
         <p:blipFill>
-          <a:blip r:embed="rId2" cstate="print"/>
+          <a:blip r:embed="rId2" cstate="print">
+            <a:extLst>
+              <a:ext uri="{28A0092B-C50C-407E-A947-70E740481C1C}">
+                <a14:useLocalDpi xmlns:a14="http://schemas.microsoft.com/office/drawing/2010/main" val="0"/>
+              </a:ext>
+            </a:extLst>
+          </a:blip>
           <a:srcRect/>
           <a:stretch>
             <a:fillRect/>
@@ -13898,19 +14018,69 @@
         </p:blipFill>
         <p:spPr bwMode="auto">
           <a:xfrm>
-            <a:off x="7054237" y="1635760"/>
-            <a:ext cx="5137763" cy="5222240"/>
+            <a:off x="9052560" y="1268412"/>
+            <a:ext cx="3153181" cy="2522545"/>
           </a:xfrm>
           <a:prstGeom prst="rect">
             <a:avLst/>
           </a:prstGeom>
           <a:noFill/>
+          <a:extLst>
+            <a:ext uri="{909E8E84-426E-40DD-AFC4-6F175D3DCCD1}">
+              <a14:hiddenFill xmlns:a14="http://schemas.microsoft.com/office/drawing/2010/main">
+                <a:solidFill>
+                  <a:srgbClr val="FFFFFF"/>
+                </a:solidFill>
+              </a14:hiddenFill>
+            </a:ext>
+          </a:extLst>
+        </p:spPr>
+      </p:pic>
+      <p:pic>
+        <p:nvPicPr>
+          <p:cNvPr id="3076" name="Picture 4" descr="Image result for Arabidopsis"/>
+          <p:cNvPicPr>
+            <a:picLocks noChangeAspect="1" noChangeArrowheads="1"/>
+          </p:cNvPicPr>
+          <p:nvPr/>
+        </p:nvPicPr>
+        <p:blipFill>
+          <a:blip r:embed="rId3" cstate="print">
+            <a:extLst>
+              <a:ext uri="{28A0092B-C50C-407E-A947-70E740481C1C}">
+                <a14:useLocalDpi xmlns:a14="http://schemas.microsoft.com/office/drawing/2010/main" val="0"/>
+              </a:ext>
+            </a:extLst>
+          </a:blip>
+          <a:srcRect/>
+          <a:stretch>
+            <a:fillRect/>
+          </a:stretch>
+        </p:blipFill>
+        <p:spPr bwMode="auto">
+          <a:xfrm>
+            <a:off x="8717280" y="4241653"/>
+            <a:ext cx="3488461" cy="2616347"/>
+          </a:xfrm>
+          <a:prstGeom prst="rect">
+            <a:avLst/>
+          </a:prstGeom>
+          <a:noFill/>
+          <a:extLst>
+            <a:ext uri="{909E8E84-426E-40DD-AFC4-6F175D3DCCD1}">
+              <a14:hiddenFill xmlns:a14="http://schemas.microsoft.com/office/drawing/2010/main">
+                <a:solidFill>
+                  <a:srgbClr val="FFFFFF"/>
+                </a:solidFill>
+              </a14:hiddenFill>
+            </a:ext>
+          </a:extLst>
         </p:spPr>
       </p:pic>
     </p:spTree>
     <p:extLst>
       <p:ext uri="{BB962C8B-B14F-4D97-AF65-F5344CB8AC3E}">
-        <p14:creationId xmlns="" xmlns:p14="http://schemas.microsoft.com/office/powerpoint/2010/main" val="3295495922"/>
+        <p14:creationId xmlns:p14="http://schemas.microsoft.com/office/powerpoint/2010/main" val="130083780"/>
       </p:ext>
     </p:extLst>
   </p:cSld>
@@ -13954,7 +14124,19 @@
           <a:p>
             <a:r>
               <a:rPr lang="en-US" dirty="0"/>
-              <a:t>Our program:</a:t>
+              <a:t>Engineered </a:t>
+            </a:r>
+            <a:r>
+              <a:rPr lang="en-US" i="1" dirty="0"/>
+              <a:t>E. Coli </a:t>
+            </a:r>
+            <a:r>
+              <a:rPr lang="en-US" dirty="0" err="1"/>
+              <a:t>Hydracodone</a:t>
+            </a:r>
+            <a:r>
+              <a:rPr lang="en-US" dirty="0"/>
+              <a:t> production pathway:</a:t>
             </a:r>
           </a:p>
         </p:txBody>
@@ -13969,81 +14151,137 @@
             <p:ph idx="1"/>
           </p:nvPr>
         </p:nvSpPr>
-        <p:spPr/>
+        <p:spPr>
+          <a:xfrm>
+            <a:off x="1042882" y="1899309"/>
+            <a:ext cx="9905999" cy="3541714"/>
+          </a:xfrm>
+        </p:spPr>
         <p:txBody>
           <a:bodyPr>
-            <a:normAutofit fontScale="92500" lnSpcReduction="10000"/>
+            <a:normAutofit/>
           </a:bodyPr>
           <a:lstStyle/>
           <a:p>
             <a:r>
               <a:rPr lang="en-US" dirty="0"/>
-              <a:t>A simplistic Boolean network modeler, able to fulfill (#) goals:</a:t>
-            </a:r>
-          </a:p>
-          <a:p>
-            <a:pPr marL="914400" lvl="1" indent="-457200">
-              <a:buFont typeface="+mj-lt"/>
-              <a:buAutoNum type="arabicPeriod"/>
+              <a:t>Nodes:  14 Intermediates present in the pathway</a:t>
+            </a:r>
+          </a:p>
+          <a:p>
+            <a:r>
+              <a:rPr lang="en-US" dirty="0"/>
+              <a:t>Edges:  + edges only, as it is assumed that the intermediates will all proceed down the pathway.  Edges connect one node to the next in the reaction pathway.</a:t>
+            </a:r>
+          </a:p>
+          <a:p>
+            <a:endParaRPr lang="en-US" dirty="0"/>
+          </a:p>
+          <a:p>
+            <a:pPr marL="0" indent="0">
+              <a:buNone/>
             </a:pPr>
             <a:r>
               <a:rPr lang="en-US" dirty="0"/>
-              <a:t>Generate Boolean Network graphs</a:t>
-            </a:r>
-          </a:p>
-          <a:p>
-            <a:pPr marL="914400" lvl="1" indent="-457200">
-              <a:buFont typeface="+mj-lt"/>
-              <a:buAutoNum type="arabicPeriod"/>
-            </a:pPr>
-            <a:r>
-              <a:rPr lang="en-US" dirty="0"/>
-              <a:t>Allow for 1 or 0 state models of a given pathway (in our case, a metabolic pathway) by the user entering nodes, edges, and clarifying any Boolean algebraic issues to the program as it generates truth tables</a:t>
-            </a:r>
-          </a:p>
-          <a:p>
-            <a:pPr marL="914400" lvl="1" indent="-457200">
-              <a:buFont typeface="+mj-lt"/>
-              <a:buAutoNum type="arabicPeriod"/>
-            </a:pPr>
-            <a:r>
-              <a:rPr lang="en-US" dirty="0"/>
-              <a:t>Run a simulation given a starting vector of node states</a:t>
-            </a:r>
-          </a:p>
-          <a:p>
-            <a:pPr marL="914400" lvl="1" indent="-457200">
-              <a:buFont typeface="+mj-lt"/>
-              <a:buAutoNum type="arabicPeriod"/>
-            </a:pPr>
-            <a:r>
-              <a:rPr lang="en-US" dirty="0"/>
-              <a:t>Show simulation results in table and graph form</a:t>
-            </a:r>
-          </a:p>
-          <a:p>
-            <a:pPr marL="914400" lvl="1" indent="-457200">
-              <a:buFont typeface="+mj-lt"/>
-              <a:buAutoNum type="arabicPeriod"/>
-            </a:pPr>
-            <a:r>
-              <a:rPr lang="en-US" dirty="0"/>
-              <a:t>Allow for file I/O with the models to allow the same network model to be pulled up and re-ran later without complete data re-entry</a:t>
-            </a:r>
-          </a:p>
-          <a:p>
-            <a:pPr marL="914400" lvl="1" indent="-457200">
-              <a:buFont typeface="+mj-lt"/>
-              <a:buAutoNum type="arabicPeriod"/>
-            </a:pPr>
-            <a:endParaRPr lang="en-US" dirty="0"/>
+              <a:t> </a:t>
+            </a:r>
           </a:p>
         </p:txBody>
       </p:sp>
+      <p:sp>
+        <p:nvSpPr>
+          <p:cNvPr id="5" name="TextBox 4"/>
+          <p:cNvSpPr txBox="1"/>
+          <p:nvPr/>
+        </p:nvSpPr>
+        <p:spPr>
+          <a:xfrm>
+            <a:off x="944352" y="3168891"/>
+            <a:ext cx="9708940" cy="1200329"/>
+          </a:xfrm>
+          <a:prstGeom prst="rect">
+            <a:avLst/>
+          </a:prstGeom>
+          <a:noFill/>
+        </p:spPr>
+        <p:txBody>
+          <a:bodyPr wrap="square" rtlCol="0">
+            <a:spAutoFit/>
+          </a:bodyPr>
+          <a:lstStyle/>
+          <a:p>
+            <a:endParaRPr lang="en-US" sz="2400" dirty="0"/>
+          </a:p>
+          <a:p>
+            <a:endParaRPr lang="en-US" sz="2400" dirty="0"/>
+          </a:p>
+          <a:p>
+            <a:r>
+              <a:rPr lang="en-US" sz="2400" dirty="0"/>
+              <a:t>           L-tyrosine ----------------------------------</a:t>
+            </a:r>
+            <a:r>
+              <a:rPr lang="en-US" sz="2400" dirty="0">
+                <a:sym typeface="Wingdings" panose="05000000000000000000" pitchFamily="2" charset="2"/>
+              </a:rPr>
+              <a:t> 4-hydroxyphenyl-pyuruvate  </a:t>
+            </a:r>
+            <a:endParaRPr lang="en-US" sz="2400" dirty="0"/>
+          </a:p>
+        </p:txBody>
+      </p:sp>
+      <p:pic>
+        <p:nvPicPr>
+          <p:cNvPr id="6" name="Picture 5"/>
+          <p:cNvPicPr>
+            <a:picLocks noChangeAspect="1"/>
+          </p:cNvPicPr>
+          <p:nvPr/>
+        </p:nvPicPr>
+        <p:blipFill>
+          <a:blip r:embed="rId2"/>
+          <a:stretch>
+            <a:fillRect/>
+          </a:stretch>
+        </p:blipFill>
+        <p:spPr>
+          <a:xfrm>
+            <a:off x="1419709" y="4619537"/>
+            <a:ext cx="3311317" cy="1686703"/>
+          </a:xfrm>
+          <a:prstGeom prst="rect">
+            <a:avLst/>
+          </a:prstGeom>
+        </p:spPr>
+      </p:pic>
+      <p:pic>
+        <p:nvPicPr>
+          <p:cNvPr id="7" name="Picture 6"/>
+          <p:cNvPicPr>
+            <a:picLocks noChangeAspect="1"/>
+          </p:cNvPicPr>
+          <p:nvPr/>
+        </p:nvPicPr>
+        <p:blipFill>
+          <a:blip r:embed="rId3"/>
+          <a:stretch>
+            <a:fillRect/>
+          </a:stretch>
+        </p:blipFill>
+        <p:spPr>
+          <a:xfrm>
+            <a:off x="7487478" y="4378424"/>
+            <a:ext cx="2221547" cy="2221547"/>
+          </a:xfrm>
+          <a:prstGeom prst="rect">
+            <a:avLst/>
+          </a:prstGeom>
+        </p:spPr>
+      </p:pic>
     </p:spTree>
     <p:extLst>
       <p:ext uri="{BB962C8B-B14F-4D97-AF65-F5344CB8AC3E}">
-        <p14:creationId xmlns="" xmlns:p14="http://schemas.microsoft.com/office/powerpoint/2010/main" val="3890307112"/>
+        <p14:creationId xmlns:p14="http://schemas.microsoft.com/office/powerpoint/2010/main" val="3295495922"/>
       </p:ext>
     </p:extLst>
   </p:cSld>
@@ -14085,57 +14323,42 @@
           <a:bodyPr/>
           <a:lstStyle/>
           <a:p>
-            <a:r>
-              <a:rPr lang="en-US" dirty="0" smtClean="0"/>
-              <a:t>Python Libraries</a:t>
-            </a:r>
-            <a:endParaRPr lang="en-US" dirty="0"/>
+            <a:endParaRPr lang="en-US"/>
           </a:p>
         </p:txBody>
       </p:sp>
-      <p:sp>
-        <p:nvSpPr>
-          <p:cNvPr id="3" name="Content Placeholder 2"/>
-          <p:cNvSpPr>
-            <a:spLocks noGrp="1"/>
-          </p:cNvSpPr>
+      <p:pic>
+        <p:nvPicPr>
+          <p:cNvPr id="4" name="Content Placeholder 3"/>
+          <p:cNvPicPr>
+            <a:picLocks noGrp="1" noChangeAspect="1"/>
+          </p:cNvPicPr>
           <p:nvPr>
             <p:ph idx="1"/>
           </p:nvPr>
-        </p:nvSpPr>
-        <p:spPr/>
-        <p:txBody>
-          <a:bodyPr/>
-          <a:lstStyle/>
-          <a:p>
-            <a:r>
-              <a:rPr lang="en-US" dirty="0" smtClean="0"/>
-              <a:t>We used:</a:t>
-            </a:r>
-          </a:p>
-          <a:p>
-            <a:pPr lvl="1"/>
-            <a:r>
-              <a:rPr lang="en-US" dirty="0" err="1" smtClean="0"/>
-              <a:t>Matplotlib</a:t>
-            </a:r>
-            <a:endParaRPr lang="en-US" dirty="0" smtClean="0"/>
-          </a:p>
-          <a:p>
-            <a:pPr lvl="1"/>
-            <a:r>
-              <a:rPr lang="en-US" smtClean="0"/>
-              <a:t>NetworkX</a:t>
-            </a:r>
-            <a:endParaRPr lang="en-US" dirty="0" smtClean="0"/>
-          </a:p>
-          <a:p>
-            <a:pPr lvl="1"/>
-            <a:endParaRPr lang="en-US" dirty="0"/>
-          </a:p>
-        </p:txBody>
-      </p:sp>
+        </p:nvPicPr>
+        <p:blipFill>
+          <a:blip r:embed="rId2"/>
+          <a:stretch>
+            <a:fillRect/>
+          </a:stretch>
+        </p:blipFill>
+        <p:spPr>
+          <a:xfrm>
+            <a:off x="2793585" y="146708"/>
+            <a:ext cx="6601654" cy="6711292"/>
+          </a:xfrm>
+          <a:prstGeom prst="rect">
+            <a:avLst/>
+          </a:prstGeom>
+        </p:spPr>
+      </p:pic>
     </p:spTree>
+    <p:extLst>
+      <p:ext uri="{BB962C8B-B14F-4D97-AF65-F5344CB8AC3E}">
+        <p14:creationId xmlns:p14="http://schemas.microsoft.com/office/powerpoint/2010/main" val="1306735252"/>
+      </p:ext>
+    </p:extLst>
   </p:cSld>
   <p:clrMapOvr>
     <a:masterClrMapping/>
@@ -14176,10 +14399,9 @@
           <a:lstStyle/>
           <a:p>
             <a:r>
-              <a:rPr lang="en-US" dirty="0" smtClean="0"/>
-              <a:t>Small test:</a:t>
-            </a:r>
-            <a:endParaRPr lang="en-US" dirty="0"/>
+              <a:rPr lang="en-US" dirty="0"/>
+              <a:t>Our program:</a:t>
+            </a:r>
           </a:p>
         </p:txBody>
       </p:sp>
@@ -14195,56 +14417,84 @@
         </p:nvSpPr>
         <p:spPr/>
         <p:txBody>
-          <a:bodyPr/>
+          <a:bodyPr>
+            <a:normAutofit fontScale="92500" lnSpcReduction="10000"/>
+          </a:bodyPr>
           <a:lstStyle/>
           <a:p>
             <a:r>
               <a:rPr lang="en-US" dirty="0"/>
-              <a:t>We included:</a:t>
-            </a:r>
-          </a:p>
-          <a:p>
-            <a:pPr>
-              <a:buNone/>
+              <a:t>A simplistic Boolean network modeler, able to fulfill the following goals:</a:t>
+            </a:r>
+          </a:p>
+          <a:p>
+            <a:pPr marL="914400" lvl="1" indent="-457200">
+              <a:buFont typeface="+mj-lt"/>
+              <a:buAutoNum type="arabicPeriod"/>
+            </a:pPr>
+            <a:r>
+              <a:rPr lang="en-US" dirty="0"/>
+              <a:t>Generate Boolean Network graphs</a:t>
+            </a:r>
+          </a:p>
+          <a:p>
+            <a:pPr marL="914400" lvl="1" indent="-457200">
+              <a:buFont typeface="+mj-lt"/>
+              <a:buAutoNum type="arabicPeriod"/>
+            </a:pPr>
+            <a:r>
+              <a:rPr lang="en-US" dirty="0"/>
+              <a:t>Allow for 1 or 0 state models of a given pathway (in our case, a metabolic pathway) by the user entering nodes, edges, and clarifying any Boolean algebraic issues to the program as it generates truth tables</a:t>
+            </a:r>
+          </a:p>
+          <a:p>
+            <a:pPr marL="914400" lvl="1" indent="-457200">
+              <a:buFont typeface="+mj-lt"/>
+              <a:buAutoNum type="arabicPeriod"/>
+            </a:pPr>
+            <a:r>
+              <a:rPr lang="en-US" dirty="0"/>
+              <a:t>Run a simulation given a starting vector of node states</a:t>
+            </a:r>
+          </a:p>
+          <a:p>
+            <a:pPr marL="914400" lvl="1" indent="-457200">
+              <a:buFont typeface="+mj-lt"/>
+              <a:buAutoNum type="arabicPeriod"/>
+            </a:pPr>
+            <a:r>
+              <a:rPr lang="en-US" dirty="0"/>
+              <a:t>Show simulation results in graph form, and show the metabolic network </a:t>
+            </a:r>
+            <a:r>
+              <a:rPr lang="en-US" dirty="0" err="1"/>
+              <a:t>network</a:t>
+            </a:r>
+            <a:endParaRPr lang="en-US" dirty="0"/>
+          </a:p>
+          <a:p>
+            <a:pPr marL="914400" lvl="1" indent="-457200">
+              <a:buFont typeface="+mj-lt"/>
+              <a:buAutoNum type="arabicPeriod"/>
+            </a:pPr>
+            <a:r>
+              <a:rPr lang="en-US" dirty="0"/>
+              <a:t>Allow for file I/O with the models to allow the same network model to be pulled up and re-ran later without complete data re-entry</a:t>
+            </a:r>
+          </a:p>
+          <a:p>
+            <a:pPr marL="914400" lvl="1" indent="-457200">
+              <a:buFont typeface="+mj-lt"/>
+              <a:buAutoNum type="arabicPeriod"/>
             </a:pPr>
             <a:endParaRPr lang="en-US" dirty="0"/>
-          </a:p>
-        </p:txBody>
-      </p:sp>
-      <p:sp>
-        <p:nvSpPr>
-          <p:cNvPr id="8198" name="AutoShape 6" descr="MIA_syth_path_2.0.png"/>
-          <p:cNvSpPr>
-            <a:spLocks noChangeAspect="1" noChangeArrowheads="1"/>
-          </p:cNvSpPr>
-          <p:nvPr/>
-        </p:nvSpPr>
-        <p:spPr bwMode="auto">
-          <a:xfrm>
-            <a:off x="155575" y="-144463"/>
-            <a:ext cx="304800" cy="304801"/>
-          </a:xfrm>
-          <a:prstGeom prst="rect">
-            <a:avLst/>
-          </a:prstGeom>
-          <a:noFill/>
-        </p:spPr>
-        <p:txBody>
-          <a:bodyPr vert="horz" wrap="square" lIns="91440" tIns="45720" rIns="91440" bIns="45720" numCol="1" anchor="t" anchorCtr="0" compatLnSpc="1">
-            <a:prstTxWarp prst="textNoShape">
-              <a:avLst/>
-            </a:prstTxWarp>
-          </a:bodyPr>
-          <a:lstStyle/>
-          <a:p>
-            <a:endParaRPr lang="en-US"/>
           </a:p>
         </p:txBody>
       </p:sp>
     </p:spTree>
     <p:extLst>
       <p:ext uri="{BB962C8B-B14F-4D97-AF65-F5344CB8AC3E}">
-        <p14:creationId xmlns="" xmlns:p14="http://schemas.microsoft.com/office/powerpoint/2010/main" val="2777520279"/>
+        <p14:creationId xmlns:p14="http://schemas.microsoft.com/office/powerpoint/2010/main" val="3890307112"/>
       </p:ext>
     </p:extLst>
   </p:cSld>
@@ -14499,7 +14749,7 @@
   <a:extraClrSchemeLst/>
   <a:extLst>
     <a:ext uri="{05A4C25C-085E-4340-85A3-A5531E510DB2}">
-      <thm15:themeFamily xmlns="" xmlns:thm15="http://schemas.microsoft.com/office/thememl/2012/main" name="Circuit" id="{0AC2F7E7-15F5-431C-B2A2-456FE929F56C}" vid="{0911B802-464C-4241-8DD9-B60FF88E379F}"/>
+      <thm15:themeFamily xmlns:thm15="http://schemas.microsoft.com/office/thememl/2012/main" name="Circuit" id="{0AC2F7E7-15F5-431C-B2A2-456FE929F56C}" vid="{0911B802-464C-4241-8DD9-B60FF88E379F}"/>
     </a:ext>
   </a:extLst>
 </a:theme>

--- a/Bioinformatics Project Slides_Better.pptx
+++ b/Bioinformatics Project Slides_Better.pptx
@@ -19,9 +19,10 @@
     <p:sldId id="265" r:id="rId13"/>
     <p:sldId id="266" r:id="rId14"/>
     <p:sldId id="264" r:id="rId15"/>
-    <p:sldId id="269" r:id="rId16"/>
-    <p:sldId id="272" r:id="rId17"/>
-    <p:sldId id="273" r:id="rId18"/>
+    <p:sldId id="278" r:id="rId16"/>
+    <p:sldId id="269" r:id="rId17"/>
+    <p:sldId id="272" r:id="rId18"/>
+    <p:sldId id="273" r:id="rId19"/>
   </p:sldIdLst>
   <p:sldSz cx="12192000" cy="6858000"/>
   <p:notesSz cx="6858000" cy="9144000"/>
@@ -12950,41 +12951,15 @@
           </a:p>
         </p:txBody>
       </p:sp>
-      <p:sp>
-        <p:nvSpPr>
-          <p:cNvPr id="3" name="Content Placeholder 2"/>
-          <p:cNvSpPr>
-            <a:spLocks noGrp="1"/>
-          </p:cNvSpPr>
+      <p:pic>
+        <p:nvPicPr>
+          <p:cNvPr id="5" name="Picture 2" descr="https://raw.githubusercontent.com/saleisha57/Bioinformatics_Final/master/MIA_synth_graph.png"/>
+          <p:cNvPicPr>
+            <a:picLocks noGrp="1" noChangeAspect="1" noChangeArrowheads="1"/>
+          </p:cNvPicPr>
           <p:nvPr>
             <p:ph idx="1"/>
           </p:nvPr>
-        </p:nvSpPr>
-        <p:spPr/>
-        <p:txBody>
-          <a:bodyPr/>
-          <a:lstStyle/>
-          <a:p>
-            <a:r>
-              <a:rPr lang="en-US" dirty="0"/>
-              <a:t>Graph</a:t>
-            </a:r>
-          </a:p>
-          <a:p>
-            <a:r>
-              <a:rPr lang="en-US" dirty="0"/>
-              <a:t>Tables</a:t>
-            </a:r>
-          </a:p>
-        </p:txBody>
-      </p:sp>
-      <p:pic>
-        <p:nvPicPr>
-          <p:cNvPr id="5122" name="Picture 2" descr="https://raw.githubusercontent.com/saleisha57/Bioinformatics_Final/master/MIA_synth_graph.png"/>
-          <p:cNvPicPr>
-            <a:picLocks noChangeAspect="1" noChangeArrowheads="1"/>
-          </p:cNvPicPr>
-          <p:nvPr/>
         </p:nvPicPr>
         <p:blipFill>
           <a:blip r:embed="rId2" cstate="print">
@@ -13001,8 +12976,8 @@
         </p:blipFill>
         <p:spPr bwMode="auto">
           <a:xfrm>
-            <a:off x="2514800" y="2249487"/>
-            <a:ext cx="9675610" cy="4608513"/>
+            <a:off x="1702191" y="1928442"/>
+            <a:ext cx="8110366" cy="3862758"/>
           </a:xfrm>
           <a:prstGeom prst="rect">
             <a:avLst/>
@@ -13064,10 +13039,7 @@
           <a:bodyPr/>
           <a:lstStyle/>
           <a:p>
-            <a:r>
-              <a:rPr lang="en-US" dirty="0"/>
-              <a:t>Running a simulation for N=# generations:</a:t>
-            </a:r>
+            <a:endParaRPr lang="en-US"/>
           </a:p>
         </p:txBody>
       </p:sp>
@@ -13086,17 +13058,14 @@
           <a:bodyPr/>
           <a:lstStyle/>
           <a:p>
-            <a:r>
-              <a:rPr lang="en-US" dirty="0"/>
-              <a:t>Results image, results per generation.  </a:t>
-            </a:r>
+            <a:endParaRPr lang="en-US"/>
           </a:p>
         </p:txBody>
       </p:sp>
     </p:spTree>
     <p:extLst>
       <p:ext uri="{BB962C8B-B14F-4D97-AF65-F5344CB8AC3E}">
-        <p14:creationId xmlns:p14="http://schemas.microsoft.com/office/powerpoint/2010/main" val="2294797533"/>
+        <p14:creationId xmlns:p14="http://schemas.microsoft.com/office/powerpoint/2010/main" val="1640969591"/>
       </p:ext>
     </p:extLst>
   </p:cSld>
@@ -13140,7 +13109,7 @@
           <a:p>
             <a:r>
               <a:rPr lang="en-US" dirty="0"/>
-              <a:t>Possible Improvements:</a:t>
+              <a:t>Running a simulation for N=# generations:</a:t>
             </a:r>
           </a:p>
         </p:txBody>
@@ -13162,6 +13131,80 @@
           <a:p>
             <a:r>
               <a:rPr lang="en-US" dirty="0"/>
+              <a:t>Results image, results per generation.  </a:t>
+            </a:r>
+          </a:p>
+        </p:txBody>
+      </p:sp>
+    </p:spTree>
+    <p:extLst>
+      <p:ext uri="{BB962C8B-B14F-4D97-AF65-F5344CB8AC3E}">
+        <p14:creationId xmlns:p14="http://schemas.microsoft.com/office/powerpoint/2010/main" val="2294797533"/>
+      </p:ext>
+    </p:extLst>
+  </p:cSld>
+  <p:clrMapOvr>
+    <a:masterClrMapping/>
+  </p:clrMapOvr>
+</p:sld>
+</file>
+
+<file path=ppt/slides/slide17.xml><?xml version="1.0" encoding="utf-8"?>
+<p:sld xmlns:a="http://schemas.openxmlformats.org/drawingml/2006/main" xmlns:r="http://schemas.openxmlformats.org/officeDocument/2006/relationships" xmlns:p="http://schemas.openxmlformats.org/presentationml/2006/main">
+  <p:cSld>
+    <p:spTree>
+      <p:nvGrpSpPr>
+        <p:cNvPr id="1" name=""/>
+        <p:cNvGrpSpPr/>
+        <p:nvPr/>
+      </p:nvGrpSpPr>
+      <p:grpSpPr>
+        <a:xfrm>
+          <a:off x="0" y="0"/>
+          <a:ext cx="0" cy="0"/>
+          <a:chOff x="0" y="0"/>
+          <a:chExt cx="0" cy="0"/>
+        </a:xfrm>
+      </p:grpSpPr>
+      <p:sp>
+        <p:nvSpPr>
+          <p:cNvPr id="2" name="Title 1"/>
+          <p:cNvSpPr>
+            <a:spLocks noGrp="1"/>
+          </p:cNvSpPr>
+          <p:nvPr>
+            <p:ph type="title"/>
+          </p:nvPr>
+        </p:nvSpPr>
+        <p:spPr/>
+        <p:txBody>
+          <a:bodyPr/>
+          <a:lstStyle/>
+          <a:p>
+            <a:r>
+              <a:rPr lang="en-US" dirty="0"/>
+              <a:t>Possible Improvements:</a:t>
+            </a:r>
+          </a:p>
+        </p:txBody>
+      </p:sp>
+      <p:sp>
+        <p:nvSpPr>
+          <p:cNvPr id="3" name="Content Placeholder 2"/>
+          <p:cNvSpPr>
+            <a:spLocks noGrp="1"/>
+          </p:cNvSpPr>
+          <p:nvPr>
+            <p:ph idx="1"/>
+          </p:nvPr>
+        </p:nvSpPr>
+        <p:spPr/>
+        <p:txBody>
+          <a:bodyPr/>
+          <a:lstStyle/>
+          <a:p>
+            <a:r>
+              <a:rPr lang="en-US" dirty="0"/>
               <a:t>Add in more </a:t>
             </a:r>
             <a:r>
@@ -13215,7 +13258,7 @@
 </p:sld>
 </file>
 
-<file path=ppt/slides/slide17.xml><?xml version="1.0" encoding="utf-8"?>
+<file path=ppt/slides/slide18.xml><?xml version="1.0" encoding="utf-8"?>
 <p:sld xmlns:a="http://schemas.openxmlformats.org/drawingml/2006/main" xmlns:r="http://schemas.openxmlformats.org/officeDocument/2006/relationships" xmlns:p="http://schemas.openxmlformats.org/presentationml/2006/main">
   <p:cSld>
     <p:spTree>
@@ -13466,34 +13509,132 @@
           <a:bodyPr/>
           <a:lstStyle/>
           <a:p>
-            <a:endParaRPr lang="en-US" dirty="0"/>
+            <a:r>
+              <a:rPr lang="en-US" dirty="0"/>
+              <a:t>Truth Tables</a:t>
+            </a:r>
+          </a:p>
+        </p:txBody>
+      </p:sp>
+      <p:sp>
+        <p:nvSpPr>
+          <p:cNvPr id="5" name="Content Placeholder 4"/>
+          <p:cNvSpPr>
+            <a:spLocks noGrp="1"/>
+          </p:cNvSpPr>
+          <p:nvPr>
+            <p:ph idx="1"/>
+          </p:nvPr>
+        </p:nvSpPr>
+        <p:spPr>
+          <a:xfrm>
+            <a:off x="1141412" y="2249487"/>
+            <a:ext cx="7969845" cy="3541714"/>
+          </a:xfrm>
+        </p:spPr>
+        <p:txBody>
+          <a:bodyPr/>
+          <a:lstStyle/>
+          <a:p>
+            <a:r>
+              <a:rPr lang="en-US" dirty="0"/>
+              <a:t>Can be used to represent proteins via gene expression states.</a:t>
+            </a:r>
+          </a:p>
+          <a:p>
+            <a:r>
+              <a:rPr lang="en-US" dirty="0"/>
+              <a:t>The expression state of genes are determined  by the expression states of previous genes.</a:t>
+            </a:r>
+          </a:p>
+          <a:p>
+            <a:r>
+              <a:rPr lang="en-US" dirty="0"/>
+              <a:t>There can be 2^X different models that will depend on the genes that are expressed.</a:t>
+            </a:r>
           </a:p>
         </p:txBody>
       </p:sp>
       <p:pic>
         <p:nvPicPr>
-          <p:cNvPr id="4" name="Content Placeholder 3"/>
+          <p:cNvPr id="1030" name="Picture 6" descr="Image result for truth tables in boolean networks"/>
           <p:cNvPicPr>
-            <a:picLocks noGrp="1" noChangeAspect="1"/>
+            <a:picLocks noChangeAspect="1" noChangeArrowheads="1"/>
           </p:cNvPicPr>
-          <p:nvPr>
-            <p:ph idx="1"/>
-          </p:nvPr>
+          <p:nvPr/>
         </p:nvPicPr>
         <p:blipFill>
-          <a:blip r:embed="rId2"/>
+          <a:blip r:embed="rId2">
+            <a:extLst>
+              <a:ext uri="{28A0092B-C50C-407E-A947-70E740481C1C}">
+                <a14:useLocalDpi xmlns:a14="http://schemas.microsoft.com/office/drawing/2010/main" val="0"/>
+              </a:ext>
+            </a:extLst>
+          </a:blip>
+          <a:srcRect/>
           <a:stretch>
             <a:fillRect/>
           </a:stretch>
         </p:blipFill>
-        <p:spPr>
+        <p:spPr bwMode="auto">
           <a:xfrm>
-            <a:off x="3817359" y="2523646"/>
-            <a:ext cx="4554107" cy="2993395"/>
+            <a:off x="8959123" y="0"/>
+            <a:ext cx="3232877" cy="4305300"/>
           </a:xfrm>
           <a:prstGeom prst="rect">
             <a:avLst/>
           </a:prstGeom>
+          <a:noFill/>
+          <a:extLst>
+            <a:ext uri="{909E8E84-426E-40DD-AFC4-6F175D3DCCD1}">
+              <a14:hiddenFill xmlns:a14="http://schemas.microsoft.com/office/drawing/2010/main">
+                <a:solidFill>
+                  <a:srgbClr val="FFFFFF"/>
+                </a:solidFill>
+              </a14:hiddenFill>
+            </a:ext>
+          </a:extLst>
+        </p:spPr>
+      </p:pic>
+      <p:pic>
+        <p:nvPicPr>
+          <p:cNvPr id="1034" name="Picture 10" descr="https://cnx.org/resources/3a479885d9794f84951d571f8797fa43b3bfd211/bb_2.gif"/>
+          <p:cNvPicPr>
+            <a:picLocks noChangeAspect="1" noChangeArrowheads="1"/>
+          </p:cNvPicPr>
+          <p:nvPr/>
+        </p:nvPicPr>
+        <p:blipFill>
+          <a:blip r:embed="rId3">
+            <a:extLst>
+              <a:ext uri="{28A0092B-C50C-407E-A947-70E740481C1C}">
+                <a14:useLocalDpi xmlns:a14="http://schemas.microsoft.com/office/drawing/2010/main" val="0"/>
+              </a:ext>
+            </a:extLst>
+          </a:blip>
+          <a:srcRect/>
+          <a:stretch>
+            <a:fillRect/>
+          </a:stretch>
+        </p:blipFill>
+        <p:spPr bwMode="auto">
+          <a:xfrm>
+            <a:off x="6762750" y="4305300"/>
+            <a:ext cx="5429250" cy="2552700"/>
+          </a:xfrm>
+          <a:prstGeom prst="rect">
+            <a:avLst/>
+          </a:prstGeom>
+          <a:noFill/>
+          <a:extLst>
+            <a:ext uri="{909E8E84-426E-40DD-AFC4-6F175D3DCCD1}">
+              <a14:hiddenFill xmlns:a14="http://schemas.microsoft.com/office/drawing/2010/main">
+                <a:solidFill>
+                  <a:srgbClr val="FFFFFF"/>
+                </a:solidFill>
+              </a14:hiddenFill>
+            </a:ext>
+          </a:extLst>
         </p:spPr>
       </p:pic>
     </p:spTree>
@@ -14415,10 +14556,15 @@
             <p:ph idx="1"/>
           </p:nvPr>
         </p:nvSpPr>
-        <p:spPr/>
+        <p:spPr>
+          <a:xfrm>
+            <a:off x="596348" y="1603512"/>
+            <a:ext cx="10451064" cy="5075583"/>
+          </a:xfrm>
+        </p:spPr>
         <p:txBody>
           <a:bodyPr>
-            <a:normAutofit fontScale="92500" lnSpcReduction="10000"/>
+            <a:normAutofit/>
           </a:bodyPr>
           <a:lstStyle/>
           <a:p>
@@ -14454,7 +14600,7 @@
             </a:pPr>
             <a:r>
               <a:rPr lang="en-US" dirty="0"/>
-              <a:t>Run a simulation given a starting vector of node states</a:t>
+              <a:t>Run a simulation given a starting vector of node states using simultaneous update scheme and Boolean Functions</a:t>
             </a:r>
           </a:p>
           <a:p>
